--- a/documentation/presentations/woweb_schmucki_villing_zellweger_schlusspräsentation.pptx
+++ b/documentation/presentations/woweb_schmucki_villing_zellweger_schlusspräsentation.pptx
@@ -1,31 +1,127 @@
 
 <file path=ppt/presentation.xml><?xml version="1.0" encoding="utf-8"?>
-<p:presentation xmlns:a="http://schemas.openxmlformats.org/drawingml/2006/main" xmlns:p="http://schemas.openxmlformats.org/presentationml/2006/main" xmlns:r="http://schemas.openxmlformats.org/officeDocument/2006/relationships" xmlns:p14="http://schemas.microsoft.com/office/powerpoint/2010/main" xmlns:p15="http://schemas.microsoft.com/office/powerpoint/2012/main" xmlns:mc="http://schemas.openxmlformats.org/markup-compatibility/2006">
+<p:presentation xmlns:a="http://schemas.openxmlformats.org/drawingml/2006/main" xmlns:r="http://schemas.openxmlformats.org/officeDocument/2006/relationships" xmlns:p="http://schemas.openxmlformats.org/presentationml/2006/main">
   <p:sldMasterIdLst>
-    <p:sldMasterId id="2147483648" r:id="rId2"/>
-    <p:sldMasterId id="2147483661" r:id="rId3"/>
+    <p:sldMasterId id="2147483648" r:id="rId1"/>
+    <p:sldMasterId id="2147483661" r:id="rId2"/>
   </p:sldMasterIdLst>
   <p:sldIdLst>
-    <p:sldId id="256" r:id="rId4"/>
-    <p:sldId id="257" r:id="rId5"/>
-    <p:sldId id="258" r:id="rId6"/>
-    <p:sldId id="259" r:id="rId7"/>
-    <p:sldId id="260" r:id="rId8"/>
-    <p:sldId id="261" r:id="rId9"/>
-    <p:sldId id="262" r:id="rId10"/>
-    <p:sldId id="263" r:id="rId11"/>
+    <p:sldId id="256" r:id="rId3"/>
+    <p:sldId id="257" r:id="rId4"/>
+    <p:sldId id="258" r:id="rId5"/>
+    <p:sldId id="259" r:id="rId6"/>
+    <p:sldId id="260" r:id="rId7"/>
+    <p:sldId id="261" r:id="rId8"/>
+    <p:sldId id="262" r:id="rId9"/>
+    <p:sldId id="263" r:id="rId10"/>
+    <p:sldId id="269" r:id="rId11"/>
     <p:sldId id="264" r:id="rId12"/>
-    <p:sldId id="265" r:id="rId13"/>
-    <p:sldId id="266" r:id="rId14"/>
-    <p:sldId id="267" r:id="rId15"/>
+    <p:sldId id="271" r:id="rId13"/>
+    <p:sldId id="272" r:id="rId14"/>
+    <p:sldId id="265" r:id="rId15"/>
   </p:sldIdLst>
   <p:sldSz cx="12192000" cy="6858000"/>
   <p:notesSz cx="7772400" cy="10058400"/>
+  <p:defaultTextStyle>
+    <a:defPPr>
+      <a:defRPr lang="en-CH"/>
+    </a:defPPr>
+    <a:lvl1pPr marL="0" algn="l" defTabSz="914400" rtl="0" eaLnBrk="1" latinLnBrk="0" hangingPunct="1">
+      <a:defRPr sz="1800" kern="1200">
+        <a:solidFill>
+          <a:schemeClr val="tx1"/>
+        </a:solidFill>
+        <a:latin typeface="+mn-lt"/>
+        <a:ea typeface="+mn-ea"/>
+        <a:cs typeface="+mn-cs"/>
+      </a:defRPr>
+    </a:lvl1pPr>
+    <a:lvl2pPr marL="457200" algn="l" defTabSz="914400" rtl="0" eaLnBrk="1" latinLnBrk="0" hangingPunct="1">
+      <a:defRPr sz="1800" kern="1200">
+        <a:solidFill>
+          <a:schemeClr val="tx1"/>
+        </a:solidFill>
+        <a:latin typeface="+mn-lt"/>
+        <a:ea typeface="+mn-ea"/>
+        <a:cs typeface="+mn-cs"/>
+      </a:defRPr>
+    </a:lvl2pPr>
+    <a:lvl3pPr marL="914400" algn="l" defTabSz="914400" rtl="0" eaLnBrk="1" latinLnBrk="0" hangingPunct="1">
+      <a:defRPr sz="1800" kern="1200">
+        <a:solidFill>
+          <a:schemeClr val="tx1"/>
+        </a:solidFill>
+        <a:latin typeface="+mn-lt"/>
+        <a:ea typeface="+mn-ea"/>
+        <a:cs typeface="+mn-cs"/>
+      </a:defRPr>
+    </a:lvl3pPr>
+    <a:lvl4pPr marL="1371600" algn="l" defTabSz="914400" rtl="0" eaLnBrk="1" latinLnBrk="0" hangingPunct="1">
+      <a:defRPr sz="1800" kern="1200">
+        <a:solidFill>
+          <a:schemeClr val="tx1"/>
+        </a:solidFill>
+        <a:latin typeface="+mn-lt"/>
+        <a:ea typeface="+mn-ea"/>
+        <a:cs typeface="+mn-cs"/>
+      </a:defRPr>
+    </a:lvl4pPr>
+    <a:lvl5pPr marL="1828800" algn="l" defTabSz="914400" rtl="0" eaLnBrk="1" latinLnBrk="0" hangingPunct="1">
+      <a:defRPr sz="1800" kern="1200">
+        <a:solidFill>
+          <a:schemeClr val="tx1"/>
+        </a:solidFill>
+        <a:latin typeface="+mn-lt"/>
+        <a:ea typeface="+mn-ea"/>
+        <a:cs typeface="+mn-cs"/>
+      </a:defRPr>
+    </a:lvl5pPr>
+    <a:lvl6pPr marL="2286000" algn="l" defTabSz="914400" rtl="0" eaLnBrk="1" latinLnBrk="0" hangingPunct="1">
+      <a:defRPr sz="1800" kern="1200">
+        <a:solidFill>
+          <a:schemeClr val="tx1"/>
+        </a:solidFill>
+        <a:latin typeface="+mn-lt"/>
+        <a:ea typeface="+mn-ea"/>
+        <a:cs typeface="+mn-cs"/>
+      </a:defRPr>
+    </a:lvl6pPr>
+    <a:lvl7pPr marL="2743200" algn="l" defTabSz="914400" rtl="0" eaLnBrk="1" latinLnBrk="0" hangingPunct="1">
+      <a:defRPr sz="1800" kern="1200">
+        <a:solidFill>
+          <a:schemeClr val="tx1"/>
+        </a:solidFill>
+        <a:latin typeface="+mn-lt"/>
+        <a:ea typeface="+mn-ea"/>
+        <a:cs typeface="+mn-cs"/>
+      </a:defRPr>
+    </a:lvl7pPr>
+    <a:lvl8pPr marL="3200400" algn="l" defTabSz="914400" rtl="0" eaLnBrk="1" latinLnBrk="0" hangingPunct="1">
+      <a:defRPr sz="1800" kern="1200">
+        <a:solidFill>
+          <a:schemeClr val="tx1"/>
+        </a:solidFill>
+        <a:latin typeface="+mn-lt"/>
+        <a:ea typeface="+mn-ea"/>
+        <a:cs typeface="+mn-cs"/>
+      </a:defRPr>
+    </a:lvl8pPr>
+    <a:lvl9pPr marL="3657600" algn="l" defTabSz="914400" rtl="0" eaLnBrk="1" latinLnBrk="0" hangingPunct="1">
+      <a:defRPr sz="1800" kern="1200">
+        <a:solidFill>
+          <a:schemeClr val="tx1"/>
+        </a:solidFill>
+        <a:latin typeface="+mn-lt"/>
+        <a:ea typeface="+mn-ea"/>
+        <a:cs typeface="+mn-cs"/>
+      </a:defRPr>
+    </a:lvl9pPr>
+  </p:defaultTextStyle>
 </p:presentation>
 </file>
 
 <file path=ppt/slideLayouts/slideLayout1.xml><?xml version="1.0" encoding="utf-8"?>
-<p:sldLayout xmlns:a="http://schemas.openxmlformats.org/drawingml/2006/main" xmlns:p="http://schemas.openxmlformats.org/presentationml/2006/main" xmlns:r="http://schemas.openxmlformats.org/officeDocument/2006/relationships" xmlns:p14="http://schemas.microsoft.com/office/powerpoint/2010/main" xmlns:p15="http://schemas.microsoft.com/office/powerpoint/2012/main" xmlns:mc="http://schemas.openxmlformats.org/markup-compatibility/2006" type="blank" preserve="1">
+<p:sldLayout xmlns:a="http://schemas.openxmlformats.org/drawingml/2006/main" xmlns:r="http://schemas.openxmlformats.org/officeDocument/2006/relationships" xmlns:p="http://schemas.openxmlformats.org/presentationml/2006/main" type="blank" preserve="1">
   <p:cSld name="Blank Slide">
     <p:spTree>
       <p:nvGrpSpPr>
@@ -43,11 +139,14 @@
       </p:grpSpPr>
     </p:spTree>
   </p:cSld>
+  <p:clrMapOvr>
+    <a:masterClrMapping/>
+  </p:clrMapOvr>
 </p:sldLayout>
 </file>
 
 <file path=ppt/slideLayouts/slideLayout10.xml><?xml version="1.0" encoding="utf-8"?>
-<p:sldLayout xmlns:a="http://schemas.openxmlformats.org/drawingml/2006/main" xmlns:p="http://schemas.openxmlformats.org/presentationml/2006/main" xmlns:r="http://schemas.openxmlformats.org/officeDocument/2006/relationships" xmlns:p14="http://schemas.microsoft.com/office/powerpoint/2010/main" xmlns:p15="http://schemas.microsoft.com/office/powerpoint/2012/main" xmlns:mc="http://schemas.openxmlformats.org/markup-compatibility/2006" type="objOverTx" preserve="1">
+<p:sldLayout xmlns:a="http://schemas.openxmlformats.org/drawingml/2006/main" xmlns:r="http://schemas.openxmlformats.org/officeDocument/2006/relationships" xmlns:p="http://schemas.openxmlformats.org/presentationml/2006/main" type="objOverTx" preserve="1">
   <p:cSld name="Title, Content over Content">
     <p:spTree>
       <p:nvGrpSpPr>
@@ -83,11 +182,12 @@
           </a:prstGeom>
         </p:spPr>
         <p:txBody>
-          <a:bodyPr lIns="0" rIns="0" tIns="0" bIns="0" anchor="ctr">
+          <a:bodyPr lIns="0" tIns="0" rIns="0" bIns="0" anchor="ctr">
             <a:noAutofit/>
           </a:bodyPr>
-          <a:p>
-            <a:endParaRPr b="0" lang="en-CH" sz="1800" spc="-1" strike="noStrike">
+          <a:lstStyle/>
+          <a:p>
+            <a:endParaRPr lang="en-CH" sz="1800" b="0" strike="noStrike" spc="-1">
               <a:solidFill>
                 <a:srgbClr val="000000"/>
               </a:solidFill>
@@ -116,11 +216,12 @@
           </a:prstGeom>
         </p:spPr>
         <p:txBody>
-          <a:bodyPr lIns="0" rIns="0" tIns="0" bIns="0">
+          <a:bodyPr lIns="0" tIns="0" rIns="0" bIns="0">
             <a:normAutofit/>
           </a:bodyPr>
-          <a:p>
-            <a:endParaRPr b="0" lang="en-CH" sz="2800" spc="-1" strike="noStrike">
+          <a:lstStyle/>
+          <a:p>
+            <a:endParaRPr lang="en-CH" sz="2800" b="0" strike="noStrike" spc="-1">
               <a:solidFill>
                 <a:srgbClr val="000000"/>
               </a:solidFill>
@@ -149,11 +250,12 @@
           </a:prstGeom>
         </p:spPr>
         <p:txBody>
-          <a:bodyPr lIns="0" rIns="0" tIns="0" bIns="0">
+          <a:bodyPr lIns="0" tIns="0" rIns="0" bIns="0">
             <a:normAutofit/>
           </a:bodyPr>
-          <a:p>
-            <a:endParaRPr b="0" lang="en-CH" sz="2800" spc="-1" strike="noStrike">
+          <a:lstStyle/>
+          <a:p>
+            <a:endParaRPr lang="en-CH" sz="2800" b="0" strike="noStrike" spc="-1">
               <a:solidFill>
                 <a:srgbClr val="000000"/>
               </a:solidFill>
@@ -164,11 +266,14 @@
       </p:sp>
     </p:spTree>
   </p:cSld>
+  <p:clrMapOvr>
+    <a:masterClrMapping/>
+  </p:clrMapOvr>
 </p:sldLayout>
 </file>
 
 <file path=ppt/slideLayouts/slideLayout11.xml><?xml version="1.0" encoding="utf-8"?>
-<p:sldLayout xmlns:a="http://schemas.openxmlformats.org/drawingml/2006/main" xmlns:p="http://schemas.openxmlformats.org/presentationml/2006/main" xmlns:r="http://schemas.openxmlformats.org/officeDocument/2006/relationships" xmlns:p14="http://schemas.microsoft.com/office/powerpoint/2010/main" xmlns:p15="http://schemas.microsoft.com/office/powerpoint/2012/main" xmlns:mc="http://schemas.openxmlformats.org/markup-compatibility/2006" type="fourObj" preserve="1">
+<p:sldLayout xmlns:a="http://schemas.openxmlformats.org/drawingml/2006/main" xmlns:r="http://schemas.openxmlformats.org/officeDocument/2006/relationships" xmlns:p="http://schemas.openxmlformats.org/presentationml/2006/main" type="fourObj" preserve="1">
   <p:cSld name="Title, 4 Content">
     <p:spTree>
       <p:nvGrpSpPr>
@@ -204,11 +309,12 @@
           </a:prstGeom>
         </p:spPr>
         <p:txBody>
-          <a:bodyPr lIns="0" rIns="0" tIns="0" bIns="0" anchor="ctr">
+          <a:bodyPr lIns="0" tIns="0" rIns="0" bIns="0" anchor="ctr">
             <a:noAutofit/>
           </a:bodyPr>
-          <a:p>
-            <a:endParaRPr b="0" lang="en-CH" sz="1800" spc="-1" strike="noStrike">
+          <a:lstStyle/>
+          <a:p>
+            <a:endParaRPr lang="en-CH" sz="1800" b="0" strike="noStrike" spc="-1">
               <a:solidFill>
                 <a:srgbClr val="000000"/>
               </a:solidFill>
@@ -237,11 +343,12 @@
           </a:prstGeom>
         </p:spPr>
         <p:txBody>
-          <a:bodyPr lIns="0" rIns="0" tIns="0" bIns="0">
+          <a:bodyPr lIns="0" tIns="0" rIns="0" bIns="0">
             <a:normAutofit/>
           </a:bodyPr>
-          <a:p>
-            <a:endParaRPr b="0" lang="en-CH" sz="2800" spc="-1" strike="noStrike">
+          <a:lstStyle/>
+          <a:p>
+            <a:endParaRPr lang="en-CH" sz="2800" b="0" strike="noStrike" spc="-1">
               <a:solidFill>
                 <a:srgbClr val="000000"/>
               </a:solidFill>
@@ -270,11 +377,12 @@
           </a:prstGeom>
         </p:spPr>
         <p:txBody>
-          <a:bodyPr lIns="0" rIns="0" tIns="0" bIns="0">
+          <a:bodyPr lIns="0" tIns="0" rIns="0" bIns="0">
             <a:normAutofit/>
           </a:bodyPr>
-          <a:p>
-            <a:endParaRPr b="0" lang="en-CH" sz="2800" spc="-1" strike="noStrike">
+          <a:lstStyle/>
+          <a:p>
+            <a:endParaRPr lang="en-CH" sz="2800" b="0" strike="noStrike" spc="-1">
               <a:solidFill>
                 <a:srgbClr val="000000"/>
               </a:solidFill>
@@ -303,11 +411,12 @@
           </a:prstGeom>
         </p:spPr>
         <p:txBody>
-          <a:bodyPr lIns="0" rIns="0" tIns="0" bIns="0">
+          <a:bodyPr lIns="0" tIns="0" rIns="0" bIns="0">
             <a:normAutofit/>
           </a:bodyPr>
-          <a:p>
-            <a:endParaRPr b="0" lang="en-CH" sz="2800" spc="-1" strike="noStrike">
+          <a:lstStyle/>
+          <a:p>
+            <a:endParaRPr lang="en-CH" sz="2800" b="0" strike="noStrike" spc="-1">
               <a:solidFill>
                 <a:srgbClr val="000000"/>
               </a:solidFill>
@@ -336,11 +445,12 @@
           </a:prstGeom>
         </p:spPr>
         <p:txBody>
-          <a:bodyPr lIns="0" rIns="0" tIns="0" bIns="0">
+          <a:bodyPr lIns="0" tIns="0" rIns="0" bIns="0">
             <a:normAutofit/>
           </a:bodyPr>
-          <a:p>
-            <a:endParaRPr b="0" lang="en-CH" sz="2800" spc="-1" strike="noStrike">
+          <a:lstStyle/>
+          <a:p>
+            <a:endParaRPr lang="en-CH" sz="2800" b="0" strike="noStrike" spc="-1">
               <a:solidFill>
                 <a:srgbClr val="000000"/>
               </a:solidFill>
@@ -351,11 +461,14 @@
       </p:sp>
     </p:spTree>
   </p:cSld>
+  <p:clrMapOvr>
+    <a:masterClrMapping/>
+  </p:clrMapOvr>
 </p:sldLayout>
 </file>
 
 <file path=ppt/slideLayouts/slideLayout12.xml><?xml version="1.0" encoding="utf-8"?>
-<p:sldLayout xmlns:a="http://schemas.openxmlformats.org/drawingml/2006/main" xmlns:p="http://schemas.openxmlformats.org/presentationml/2006/main" xmlns:r="http://schemas.openxmlformats.org/officeDocument/2006/relationships" xmlns:p14="http://schemas.microsoft.com/office/powerpoint/2010/main" xmlns:p15="http://schemas.microsoft.com/office/powerpoint/2012/main" xmlns:mc="http://schemas.openxmlformats.org/markup-compatibility/2006" type="blank" preserve="1">
+<p:sldLayout xmlns:a="http://schemas.openxmlformats.org/drawingml/2006/main" xmlns:r="http://schemas.openxmlformats.org/officeDocument/2006/relationships" xmlns:p="http://schemas.openxmlformats.org/presentationml/2006/main" type="blank" preserve="1">
   <p:cSld name="Title, 6 Content">
     <p:spTree>
       <p:nvGrpSpPr>
@@ -391,11 +504,12 @@
           </a:prstGeom>
         </p:spPr>
         <p:txBody>
-          <a:bodyPr lIns="0" rIns="0" tIns="0" bIns="0" anchor="ctr">
+          <a:bodyPr lIns="0" tIns="0" rIns="0" bIns="0" anchor="ctr">
             <a:noAutofit/>
           </a:bodyPr>
-          <a:p>
-            <a:endParaRPr b="0" lang="en-CH" sz="1800" spc="-1" strike="noStrike">
+          <a:lstStyle/>
+          <a:p>
+            <a:endParaRPr lang="en-CH" sz="1800" b="0" strike="noStrike" spc="-1">
               <a:solidFill>
                 <a:srgbClr val="000000"/>
               </a:solidFill>
@@ -424,11 +538,12 @@
           </a:prstGeom>
         </p:spPr>
         <p:txBody>
-          <a:bodyPr lIns="0" rIns="0" tIns="0" bIns="0">
+          <a:bodyPr lIns="0" tIns="0" rIns="0" bIns="0">
             <a:normAutofit/>
           </a:bodyPr>
-          <a:p>
-            <a:endParaRPr b="0" lang="en-CH" sz="2800" spc="-1" strike="noStrike">
+          <a:lstStyle/>
+          <a:p>
+            <a:endParaRPr lang="en-CH" sz="2800" b="0" strike="noStrike" spc="-1">
               <a:solidFill>
                 <a:srgbClr val="000000"/>
               </a:solidFill>
@@ -457,11 +572,12 @@
           </a:prstGeom>
         </p:spPr>
         <p:txBody>
-          <a:bodyPr lIns="0" rIns="0" tIns="0" bIns="0">
+          <a:bodyPr lIns="0" tIns="0" rIns="0" bIns="0">
             <a:normAutofit/>
           </a:bodyPr>
-          <a:p>
-            <a:endParaRPr b="0" lang="en-CH" sz="2800" spc="-1" strike="noStrike">
+          <a:lstStyle/>
+          <a:p>
+            <a:endParaRPr lang="en-CH" sz="2800" b="0" strike="noStrike" spc="-1">
               <a:solidFill>
                 <a:srgbClr val="000000"/>
               </a:solidFill>
@@ -490,11 +606,12 @@
           </a:prstGeom>
         </p:spPr>
         <p:txBody>
-          <a:bodyPr lIns="0" rIns="0" tIns="0" bIns="0">
+          <a:bodyPr lIns="0" tIns="0" rIns="0" bIns="0">
             <a:normAutofit/>
           </a:bodyPr>
-          <a:p>
-            <a:endParaRPr b="0" lang="en-CH" sz="2800" spc="-1" strike="noStrike">
+          <a:lstStyle/>
+          <a:p>
+            <a:endParaRPr lang="en-CH" sz="2800" b="0" strike="noStrike" spc="-1">
               <a:solidFill>
                 <a:srgbClr val="000000"/>
               </a:solidFill>
@@ -523,11 +640,12 @@
           </a:prstGeom>
         </p:spPr>
         <p:txBody>
-          <a:bodyPr lIns="0" rIns="0" tIns="0" bIns="0">
+          <a:bodyPr lIns="0" tIns="0" rIns="0" bIns="0">
             <a:normAutofit/>
           </a:bodyPr>
-          <a:p>
-            <a:endParaRPr b="0" lang="en-CH" sz="2800" spc="-1" strike="noStrike">
+          <a:lstStyle/>
+          <a:p>
+            <a:endParaRPr lang="en-CH" sz="2800" b="0" strike="noStrike" spc="-1">
               <a:solidFill>
                 <a:srgbClr val="000000"/>
               </a:solidFill>
@@ -556,11 +674,12 @@
           </a:prstGeom>
         </p:spPr>
         <p:txBody>
-          <a:bodyPr lIns="0" rIns="0" tIns="0" bIns="0">
+          <a:bodyPr lIns="0" tIns="0" rIns="0" bIns="0">
             <a:normAutofit/>
           </a:bodyPr>
-          <a:p>
-            <a:endParaRPr b="0" lang="en-CH" sz="2800" spc="-1" strike="noStrike">
+          <a:lstStyle/>
+          <a:p>
+            <a:endParaRPr lang="en-CH" sz="2800" b="0" strike="noStrike" spc="-1">
               <a:solidFill>
                 <a:srgbClr val="000000"/>
               </a:solidFill>
@@ -589,11 +708,12 @@
           </a:prstGeom>
         </p:spPr>
         <p:txBody>
-          <a:bodyPr lIns="0" rIns="0" tIns="0" bIns="0">
+          <a:bodyPr lIns="0" tIns="0" rIns="0" bIns="0">
             <a:normAutofit/>
           </a:bodyPr>
-          <a:p>
-            <a:endParaRPr b="0" lang="en-CH" sz="2800" spc="-1" strike="noStrike">
+          <a:lstStyle/>
+          <a:p>
+            <a:endParaRPr lang="en-CH" sz="2800" b="0" strike="noStrike" spc="-1">
               <a:solidFill>
                 <a:srgbClr val="000000"/>
               </a:solidFill>
@@ -604,11 +724,14 @@
       </p:sp>
     </p:spTree>
   </p:cSld>
+  <p:clrMapOvr>
+    <a:masterClrMapping/>
+  </p:clrMapOvr>
 </p:sldLayout>
 </file>
 
 <file path=ppt/slideLayouts/slideLayout13.xml><?xml version="1.0" encoding="utf-8"?>
-<p:sldLayout xmlns:a="http://schemas.openxmlformats.org/drawingml/2006/main" xmlns:p="http://schemas.openxmlformats.org/presentationml/2006/main" xmlns:r="http://schemas.openxmlformats.org/officeDocument/2006/relationships" xmlns:p14="http://schemas.microsoft.com/office/powerpoint/2010/main" xmlns:p15="http://schemas.microsoft.com/office/powerpoint/2012/main" xmlns:mc="http://schemas.openxmlformats.org/markup-compatibility/2006" type="blank" preserve="1">
+<p:sldLayout xmlns:a="http://schemas.openxmlformats.org/drawingml/2006/main" xmlns:r="http://schemas.openxmlformats.org/officeDocument/2006/relationships" xmlns:p="http://schemas.openxmlformats.org/presentationml/2006/main" type="blank" preserve="1">
   <p:cSld name="Blank Slide">
     <p:spTree>
       <p:nvGrpSpPr>
@@ -626,11 +749,14 @@
       </p:grpSpPr>
     </p:spTree>
   </p:cSld>
+  <p:clrMapOvr>
+    <a:masterClrMapping/>
+  </p:clrMapOvr>
 </p:sldLayout>
 </file>
 
 <file path=ppt/slideLayouts/slideLayout14.xml><?xml version="1.0" encoding="utf-8"?>
-<p:sldLayout xmlns:a="http://schemas.openxmlformats.org/drawingml/2006/main" xmlns:p="http://schemas.openxmlformats.org/presentationml/2006/main" xmlns:r="http://schemas.openxmlformats.org/officeDocument/2006/relationships" xmlns:p14="http://schemas.microsoft.com/office/powerpoint/2010/main" xmlns:p15="http://schemas.microsoft.com/office/powerpoint/2012/main" xmlns:mc="http://schemas.openxmlformats.org/markup-compatibility/2006" type="tx" preserve="1">
+<p:sldLayout xmlns:a="http://schemas.openxmlformats.org/drawingml/2006/main" xmlns:r="http://schemas.openxmlformats.org/officeDocument/2006/relationships" xmlns:p="http://schemas.openxmlformats.org/presentationml/2006/main" type="tx" preserve="1">
   <p:cSld name="Title Slide">
     <p:spTree>
       <p:nvGrpSpPr>
@@ -666,11 +792,12 @@
           </a:prstGeom>
         </p:spPr>
         <p:txBody>
-          <a:bodyPr lIns="0" rIns="0" tIns="0" bIns="0" anchor="ctr">
+          <a:bodyPr lIns="0" tIns="0" rIns="0" bIns="0" anchor="ctr">
             <a:noAutofit/>
           </a:bodyPr>
-          <a:p>
-            <a:endParaRPr b="0" lang="en-CH" sz="1800" spc="-1" strike="noStrike">
+          <a:lstStyle/>
+          <a:p>
+            <a:endParaRPr lang="en-CH" sz="1800" b="0" strike="noStrike" spc="-1">
               <a:solidFill>
                 <a:srgbClr val="000000"/>
               </a:solidFill>
@@ -699,12 +826,13 @@
           </a:prstGeom>
         </p:spPr>
         <p:txBody>
-          <a:bodyPr lIns="0" rIns="0" tIns="0" bIns="0" anchor="ctr">
+          <a:bodyPr lIns="0" tIns="0" rIns="0" bIns="0" anchor="ctr">
             <a:noAutofit/>
           </a:bodyPr>
+          <a:lstStyle/>
           <a:p>
             <a:pPr algn="ctr"/>
-            <a:endParaRPr b="0" lang="en-US" sz="3200" spc="-1" strike="noStrike">
+            <a:endParaRPr lang="en-US" sz="3200" b="0" strike="noStrike" spc="-1">
               <a:latin typeface="Arial"/>
             </a:endParaRPr>
           </a:p>
@@ -712,11 +840,14 @@
       </p:sp>
     </p:spTree>
   </p:cSld>
+  <p:clrMapOvr>
+    <a:masterClrMapping/>
+  </p:clrMapOvr>
 </p:sldLayout>
 </file>
 
 <file path=ppt/slideLayouts/slideLayout15.xml><?xml version="1.0" encoding="utf-8"?>
-<p:sldLayout xmlns:a="http://schemas.openxmlformats.org/drawingml/2006/main" xmlns:p="http://schemas.openxmlformats.org/presentationml/2006/main" xmlns:r="http://schemas.openxmlformats.org/officeDocument/2006/relationships" xmlns:p14="http://schemas.microsoft.com/office/powerpoint/2010/main" xmlns:p15="http://schemas.microsoft.com/office/powerpoint/2012/main" xmlns:mc="http://schemas.openxmlformats.org/markup-compatibility/2006" type="obj" preserve="1">
+<p:sldLayout xmlns:a="http://schemas.openxmlformats.org/drawingml/2006/main" xmlns:r="http://schemas.openxmlformats.org/officeDocument/2006/relationships" xmlns:p="http://schemas.openxmlformats.org/presentationml/2006/main" type="obj" preserve="1">
   <p:cSld name="Title, Content">
     <p:spTree>
       <p:nvGrpSpPr>
@@ -752,11 +883,12 @@
           </a:prstGeom>
         </p:spPr>
         <p:txBody>
-          <a:bodyPr lIns="0" rIns="0" tIns="0" bIns="0" anchor="ctr">
+          <a:bodyPr lIns="0" tIns="0" rIns="0" bIns="0" anchor="ctr">
             <a:noAutofit/>
           </a:bodyPr>
-          <a:p>
-            <a:endParaRPr b="0" lang="en-CH" sz="1800" spc="-1" strike="noStrike">
+          <a:lstStyle/>
+          <a:p>
+            <a:endParaRPr lang="en-CH" sz="1800" b="0" strike="noStrike" spc="-1">
               <a:solidFill>
                 <a:srgbClr val="000000"/>
               </a:solidFill>
@@ -785,11 +917,12 @@
           </a:prstGeom>
         </p:spPr>
         <p:txBody>
-          <a:bodyPr lIns="0" rIns="0" tIns="0" bIns="0">
+          <a:bodyPr lIns="0" tIns="0" rIns="0" bIns="0">
             <a:normAutofit/>
           </a:bodyPr>
-          <a:p>
-            <a:endParaRPr b="0" lang="en-CH" sz="2800" spc="-1" strike="noStrike">
+          <a:lstStyle/>
+          <a:p>
+            <a:endParaRPr lang="en-CH" sz="2800" b="0" strike="noStrike" spc="-1">
               <a:solidFill>
                 <a:srgbClr val="000000"/>
               </a:solidFill>
@@ -800,11 +933,14 @@
       </p:sp>
     </p:spTree>
   </p:cSld>
+  <p:clrMapOvr>
+    <a:masterClrMapping/>
+  </p:clrMapOvr>
 </p:sldLayout>
 </file>
 
 <file path=ppt/slideLayouts/slideLayout16.xml><?xml version="1.0" encoding="utf-8"?>
-<p:sldLayout xmlns:a="http://schemas.openxmlformats.org/drawingml/2006/main" xmlns:p="http://schemas.openxmlformats.org/presentationml/2006/main" xmlns:r="http://schemas.openxmlformats.org/officeDocument/2006/relationships" xmlns:p14="http://schemas.microsoft.com/office/powerpoint/2010/main" xmlns:p15="http://schemas.microsoft.com/office/powerpoint/2012/main" xmlns:mc="http://schemas.openxmlformats.org/markup-compatibility/2006" type="twoObj" preserve="1">
+<p:sldLayout xmlns:a="http://schemas.openxmlformats.org/drawingml/2006/main" xmlns:r="http://schemas.openxmlformats.org/officeDocument/2006/relationships" xmlns:p="http://schemas.openxmlformats.org/presentationml/2006/main" type="twoObj" preserve="1">
   <p:cSld name="Title, 2 Content">
     <p:spTree>
       <p:nvGrpSpPr>
@@ -840,11 +976,12 @@
           </a:prstGeom>
         </p:spPr>
         <p:txBody>
-          <a:bodyPr lIns="0" rIns="0" tIns="0" bIns="0" anchor="ctr">
+          <a:bodyPr lIns="0" tIns="0" rIns="0" bIns="0" anchor="ctr">
             <a:noAutofit/>
           </a:bodyPr>
-          <a:p>
-            <a:endParaRPr b="0" lang="en-CH" sz="1800" spc="-1" strike="noStrike">
+          <a:lstStyle/>
+          <a:p>
+            <a:endParaRPr lang="en-CH" sz="1800" b="0" strike="noStrike" spc="-1">
               <a:solidFill>
                 <a:srgbClr val="000000"/>
               </a:solidFill>
@@ -873,11 +1010,12 @@
           </a:prstGeom>
         </p:spPr>
         <p:txBody>
-          <a:bodyPr lIns="0" rIns="0" tIns="0" bIns="0">
+          <a:bodyPr lIns="0" tIns="0" rIns="0" bIns="0">
             <a:normAutofit/>
           </a:bodyPr>
-          <a:p>
-            <a:endParaRPr b="0" lang="en-CH" sz="2800" spc="-1" strike="noStrike">
+          <a:lstStyle/>
+          <a:p>
+            <a:endParaRPr lang="en-CH" sz="2800" b="0" strike="noStrike" spc="-1">
               <a:solidFill>
                 <a:srgbClr val="000000"/>
               </a:solidFill>
@@ -906,11 +1044,12 @@
           </a:prstGeom>
         </p:spPr>
         <p:txBody>
-          <a:bodyPr lIns="0" rIns="0" tIns="0" bIns="0">
+          <a:bodyPr lIns="0" tIns="0" rIns="0" bIns="0">
             <a:normAutofit/>
           </a:bodyPr>
-          <a:p>
-            <a:endParaRPr b="0" lang="en-CH" sz="2800" spc="-1" strike="noStrike">
+          <a:lstStyle/>
+          <a:p>
+            <a:endParaRPr lang="en-CH" sz="2800" b="0" strike="noStrike" spc="-1">
               <a:solidFill>
                 <a:srgbClr val="000000"/>
               </a:solidFill>
@@ -921,11 +1060,14 @@
       </p:sp>
     </p:spTree>
   </p:cSld>
+  <p:clrMapOvr>
+    <a:masterClrMapping/>
+  </p:clrMapOvr>
 </p:sldLayout>
 </file>
 
 <file path=ppt/slideLayouts/slideLayout17.xml><?xml version="1.0" encoding="utf-8"?>
-<p:sldLayout xmlns:a="http://schemas.openxmlformats.org/drawingml/2006/main" xmlns:p="http://schemas.openxmlformats.org/presentationml/2006/main" xmlns:r="http://schemas.openxmlformats.org/officeDocument/2006/relationships" xmlns:p14="http://schemas.microsoft.com/office/powerpoint/2010/main" xmlns:p15="http://schemas.microsoft.com/office/powerpoint/2012/main" xmlns:mc="http://schemas.openxmlformats.org/markup-compatibility/2006" type="titleOnly" preserve="1">
+<p:sldLayout xmlns:a="http://schemas.openxmlformats.org/drawingml/2006/main" xmlns:r="http://schemas.openxmlformats.org/officeDocument/2006/relationships" xmlns:p="http://schemas.openxmlformats.org/presentationml/2006/main" type="titleOnly" preserve="1">
   <p:cSld name="Title Only">
     <p:spTree>
       <p:nvGrpSpPr>
@@ -961,11 +1103,12 @@
           </a:prstGeom>
         </p:spPr>
         <p:txBody>
-          <a:bodyPr lIns="0" rIns="0" tIns="0" bIns="0" anchor="ctr">
+          <a:bodyPr lIns="0" tIns="0" rIns="0" bIns="0" anchor="ctr">
             <a:noAutofit/>
           </a:bodyPr>
-          <a:p>
-            <a:endParaRPr b="0" lang="en-CH" sz="1800" spc="-1" strike="noStrike">
+          <a:lstStyle/>
+          <a:p>
+            <a:endParaRPr lang="en-CH" sz="1800" b="0" strike="noStrike" spc="-1">
               <a:solidFill>
                 <a:srgbClr val="000000"/>
               </a:solidFill>
@@ -976,11 +1119,14 @@
       </p:sp>
     </p:spTree>
   </p:cSld>
+  <p:clrMapOvr>
+    <a:masterClrMapping/>
+  </p:clrMapOvr>
 </p:sldLayout>
 </file>
 
 <file path=ppt/slideLayouts/slideLayout18.xml><?xml version="1.0" encoding="utf-8"?>
-<p:sldLayout xmlns:a="http://schemas.openxmlformats.org/drawingml/2006/main" xmlns:p="http://schemas.openxmlformats.org/presentationml/2006/main" xmlns:r="http://schemas.openxmlformats.org/officeDocument/2006/relationships" xmlns:p14="http://schemas.microsoft.com/office/powerpoint/2010/main" xmlns:p15="http://schemas.microsoft.com/office/powerpoint/2012/main" xmlns:mc="http://schemas.openxmlformats.org/markup-compatibility/2006" type="objOnly" preserve="1">
+<p:sldLayout xmlns:a="http://schemas.openxmlformats.org/drawingml/2006/main" xmlns:r="http://schemas.openxmlformats.org/officeDocument/2006/relationships" xmlns:p="http://schemas.openxmlformats.org/presentationml/2006/main" type="objOnly" preserve="1">
   <p:cSld name="Centered Text">
     <p:spTree>
       <p:nvGrpSpPr>
@@ -1016,12 +1162,13 @@
           </a:prstGeom>
         </p:spPr>
         <p:txBody>
-          <a:bodyPr lIns="0" rIns="0" tIns="0" bIns="0" anchor="ctr">
+          <a:bodyPr lIns="0" tIns="0" rIns="0" bIns="0" anchor="ctr">
             <a:noAutofit/>
           </a:bodyPr>
+          <a:lstStyle/>
           <a:p>
             <a:pPr algn="ctr"/>
-            <a:endParaRPr b="0" lang="en-US" sz="3200" spc="-1" strike="noStrike">
+            <a:endParaRPr lang="en-US" sz="3200" b="0" strike="noStrike" spc="-1">
               <a:latin typeface="Arial"/>
             </a:endParaRPr>
           </a:p>
@@ -1029,11 +1176,14 @@
       </p:sp>
     </p:spTree>
   </p:cSld>
+  <p:clrMapOvr>
+    <a:masterClrMapping/>
+  </p:clrMapOvr>
 </p:sldLayout>
 </file>
 
 <file path=ppt/slideLayouts/slideLayout19.xml><?xml version="1.0" encoding="utf-8"?>
-<p:sldLayout xmlns:a="http://schemas.openxmlformats.org/drawingml/2006/main" xmlns:p="http://schemas.openxmlformats.org/presentationml/2006/main" xmlns:r="http://schemas.openxmlformats.org/officeDocument/2006/relationships" xmlns:p14="http://schemas.microsoft.com/office/powerpoint/2010/main" xmlns:p15="http://schemas.microsoft.com/office/powerpoint/2012/main" xmlns:mc="http://schemas.openxmlformats.org/markup-compatibility/2006" type="twoObjAndObj" preserve="1">
+<p:sldLayout xmlns:a="http://schemas.openxmlformats.org/drawingml/2006/main" xmlns:r="http://schemas.openxmlformats.org/officeDocument/2006/relationships" xmlns:p="http://schemas.openxmlformats.org/presentationml/2006/main" type="twoObjAndObj" preserve="1">
   <p:cSld name="Title, 2 Content and Content">
     <p:spTree>
       <p:nvGrpSpPr>
@@ -1069,11 +1219,12 @@
           </a:prstGeom>
         </p:spPr>
         <p:txBody>
-          <a:bodyPr lIns="0" rIns="0" tIns="0" bIns="0" anchor="ctr">
+          <a:bodyPr lIns="0" tIns="0" rIns="0" bIns="0" anchor="ctr">
             <a:noAutofit/>
           </a:bodyPr>
-          <a:p>
-            <a:endParaRPr b="0" lang="en-CH" sz="1800" spc="-1" strike="noStrike">
+          <a:lstStyle/>
+          <a:p>
+            <a:endParaRPr lang="en-CH" sz="1800" b="0" strike="noStrike" spc="-1">
               <a:solidFill>
                 <a:srgbClr val="000000"/>
               </a:solidFill>
@@ -1102,11 +1253,12 @@
           </a:prstGeom>
         </p:spPr>
         <p:txBody>
-          <a:bodyPr lIns="0" rIns="0" tIns="0" bIns="0">
+          <a:bodyPr lIns="0" tIns="0" rIns="0" bIns="0">
             <a:normAutofit/>
           </a:bodyPr>
-          <a:p>
-            <a:endParaRPr b="0" lang="en-CH" sz="2800" spc="-1" strike="noStrike">
+          <a:lstStyle/>
+          <a:p>
+            <a:endParaRPr lang="en-CH" sz="2800" b="0" strike="noStrike" spc="-1">
               <a:solidFill>
                 <a:srgbClr val="000000"/>
               </a:solidFill>
@@ -1135,11 +1287,12 @@
           </a:prstGeom>
         </p:spPr>
         <p:txBody>
-          <a:bodyPr lIns="0" rIns="0" tIns="0" bIns="0">
+          <a:bodyPr lIns="0" tIns="0" rIns="0" bIns="0">
             <a:normAutofit/>
           </a:bodyPr>
-          <a:p>
-            <a:endParaRPr b="0" lang="en-CH" sz="2800" spc="-1" strike="noStrike">
+          <a:lstStyle/>
+          <a:p>
+            <a:endParaRPr lang="en-CH" sz="2800" b="0" strike="noStrike" spc="-1">
               <a:solidFill>
                 <a:srgbClr val="000000"/>
               </a:solidFill>
@@ -1168,11 +1321,12 @@
           </a:prstGeom>
         </p:spPr>
         <p:txBody>
-          <a:bodyPr lIns="0" rIns="0" tIns="0" bIns="0">
+          <a:bodyPr lIns="0" tIns="0" rIns="0" bIns="0">
             <a:normAutofit/>
           </a:bodyPr>
-          <a:p>
-            <a:endParaRPr b="0" lang="en-CH" sz="2800" spc="-1" strike="noStrike">
+          <a:lstStyle/>
+          <a:p>
+            <a:endParaRPr lang="en-CH" sz="2800" b="0" strike="noStrike" spc="-1">
               <a:solidFill>
                 <a:srgbClr val="000000"/>
               </a:solidFill>
@@ -1183,11 +1337,14 @@
       </p:sp>
     </p:spTree>
   </p:cSld>
+  <p:clrMapOvr>
+    <a:masterClrMapping/>
+  </p:clrMapOvr>
 </p:sldLayout>
 </file>
 
 <file path=ppt/slideLayouts/slideLayout2.xml><?xml version="1.0" encoding="utf-8"?>
-<p:sldLayout xmlns:a="http://schemas.openxmlformats.org/drawingml/2006/main" xmlns:p="http://schemas.openxmlformats.org/presentationml/2006/main" xmlns:r="http://schemas.openxmlformats.org/officeDocument/2006/relationships" xmlns:p14="http://schemas.microsoft.com/office/powerpoint/2010/main" xmlns:p15="http://schemas.microsoft.com/office/powerpoint/2012/main" xmlns:mc="http://schemas.openxmlformats.org/markup-compatibility/2006" type="tx" preserve="1">
+<p:sldLayout xmlns:a="http://schemas.openxmlformats.org/drawingml/2006/main" xmlns:r="http://schemas.openxmlformats.org/officeDocument/2006/relationships" xmlns:p="http://schemas.openxmlformats.org/presentationml/2006/main" type="tx" preserve="1">
   <p:cSld name="Title Slide">
     <p:spTree>
       <p:nvGrpSpPr>
@@ -1223,11 +1380,12 @@
           </a:prstGeom>
         </p:spPr>
         <p:txBody>
-          <a:bodyPr lIns="0" rIns="0" tIns="0" bIns="0" anchor="ctr">
+          <a:bodyPr lIns="0" tIns="0" rIns="0" bIns="0" anchor="ctr">
             <a:noAutofit/>
           </a:bodyPr>
-          <a:p>
-            <a:endParaRPr b="0" lang="en-CH" sz="1800" spc="-1" strike="noStrike">
+          <a:lstStyle/>
+          <a:p>
+            <a:endParaRPr lang="en-CH" sz="1800" b="0" strike="noStrike" spc="-1">
               <a:solidFill>
                 <a:srgbClr val="000000"/>
               </a:solidFill>
@@ -1256,12 +1414,13 @@
           </a:prstGeom>
         </p:spPr>
         <p:txBody>
-          <a:bodyPr lIns="0" rIns="0" tIns="0" bIns="0" anchor="ctr">
+          <a:bodyPr lIns="0" tIns="0" rIns="0" bIns="0" anchor="ctr">
             <a:noAutofit/>
           </a:bodyPr>
+          <a:lstStyle/>
           <a:p>
             <a:pPr algn="ctr"/>
-            <a:endParaRPr b="0" lang="en-US" sz="3200" spc="-1" strike="noStrike">
+            <a:endParaRPr lang="en-US" sz="3200" b="0" strike="noStrike" spc="-1">
               <a:latin typeface="Arial"/>
             </a:endParaRPr>
           </a:p>
@@ -1269,11 +1428,14 @@
       </p:sp>
     </p:spTree>
   </p:cSld>
+  <p:clrMapOvr>
+    <a:masterClrMapping/>
+  </p:clrMapOvr>
 </p:sldLayout>
 </file>
 
 <file path=ppt/slideLayouts/slideLayout20.xml><?xml version="1.0" encoding="utf-8"?>
-<p:sldLayout xmlns:a="http://schemas.openxmlformats.org/drawingml/2006/main" xmlns:p="http://schemas.openxmlformats.org/presentationml/2006/main" xmlns:r="http://schemas.openxmlformats.org/officeDocument/2006/relationships" xmlns:p14="http://schemas.microsoft.com/office/powerpoint/2010/main" xmlns:p15="http://schemas.microsoft.com/office/powerpoint/2012/main" xmlns:mc="http://schemas.openxmlformats.org/markup-compatibility/2006" type="objAndTwoObj" preserve="1">
+<p:sldLayout xmlns:a="http://schemas.openxmlformats.org/drawingml/2006/main" xmlns:r="http://schemas.openxmlformats.org/officeDocument/2006/relationships" xmlns:p="http://schemas.openxmlformats.org/presentationml/2006/main" type="objAndTwoObj" preserve="1">
   <p:cSld name="Title Content and 2 Content">
     <p:spTree>
       <p:nvGrpSpPr>
@@ -1309,11 +1471,12 @@
           </a:prstGeom>
         </p:spPr>
         <p:txBody>
-          <a:bodyPr lIns="0" rIns="0" tIns="0" bIns="0" anchor="ctr">
+          <a:bodyPr lIns="0" tIns="0" rIns="0" bIns="0" anchor="ctr">
             <a:noAutofit/>
           </a:bodyPr>
-          <a:p>
-            <a:endParaRPr b="0" lang="en-CH" sz="1800" spc="-1" strike="noStrike">
+          <a:lstStyle/>
+          <a:p>
+            <a:endParaRPr lang="en-CH" sz="1800" b="0" strike="noStrike" spc="-1">
               <a:solidFill>
                 <a:srgbClr val="000000"/>
               </a:solidFill>
@@ -1342,11 +1505,12 @@
           </a:prstGeom>
         </p:spPr>
         <p:txBody>
-          <a:bodyPr lIns="0" rIns="0" tIns="0" bIns="0">
+          <a:bodyPr lIns="0" tIns="0" rIns="0" bIns="0">
             <a:normAutofit/>
           </a:bodyPr>
-          <a:p>
-            <a:endParaRPr b="0" lang="en-CH" sz="2800" spc="-1" strike="noStrike">
+          <a:lstStyle/>
+          <a:p>
+            <a:endParaRPr lang="en-CH" sz="2800" b="0" strike="noStrike" spc="-1">
               <a:solidFill>
                 <a:srgbClr val="000000"/>
               </a:solidFill>
@@ -1375,11 +1539,12 @@
           </a:prstGeom>
         </p:spPr>
         <p:txBody>
-          <a:bodyPr lIns="0" rIns="0" tIns="0" bIns="0">
+          <a:bodyPr lIns="0" tIns="0" rIns="0" bIns="0">
             <a:normAutofit/>
           </a:bodyPr>
-          <a:p>
-            <a:endParaRPr b="0" lang="en-CH" sz="2800" spc="-1" strike="noStrike">
+          <a:lstStyle/>
+          <a:p>
+            <a:endParaRPr lang="en-CH" sz="2800" b="0" strike="noStrike" spc="-1">
               <a:solidFill>
                 <a:srgbClr val="000000"/>
               </a:solidFill>
@@ -1408,11 +1573,12 @@
           </a:prstGeom>
         </p:spPr>
         <p:txBody>
-          <a:bodyPr lIns="0" rIns="0" tIns="0" bIns="0">
+          <a:bodyPr lIns="0" tIns="0" rIns="0" bIns="0">
             <a:normAutofit/>
           </a:bodyPr>
-          <a:p>
-            <a:endParaRPr b="0" lang="en-CH" sz="2800" spc="-1" strike="noStrike">
+          <a:lstStyle/>
+          <a:p>
+            <a:endParaRPr lang="en-CH" sz="2800" b="0" strike="noStrike" spc="-1">
               <a:solidFill>
                 <a:srgbClr val="000000"/>
               </a:solidFill>
@@ -1423,11 +1589,14 @@
       </p:sp>
     </p:spTree>
   </p:cSld>
+  <p:clrMapOvr>
+    <a:masterClrMapping/>
+  </p:clrMapOvr>
 </p:sldLayout>
 </file>
 
 <file path=ppt/slideLayouts/slideLayout21.xml><?xml version="1.0" encoding="utf-8"?>
-<p:sldLayout xmlns:a="http://schemas.openxmlformats.org/drawingml/2006/main" xmlns:p="http://schemas.openxmlformats.org/presentationml/2006/main" xmlns:r="http://schemas.openxmlformats.org/officeDocument/2006/relationships" xmlns:p14="http://schemas.microsoft.com/office/powerpoint/2010/main" xmlns:p15="http://schemas.microsoft.com/office/powerpoint/2012/main" xmlns:mc="http://schemas.openxmlformats.org/markup-compatibility/2006" type="twoObjOverTx" preserve="1">
+<p:sldLayout xmlns:a="http://schemas.openxmlformats.org/drawingml/2006/main" xmlns:r="http://schemas.openxmlformats.org/officeDocument/2006/relationships" xmlns:p="http://schemas.openxmlformats.org/presentationml/2006/main" type="twoObjOverTx" preserve="1">
   <p:cSld name="Title, 2 Content over Content">
     <p:spTree>
       <p:nvGrpSpPr>
@@ -1463,11 +1632,12 @@
           </a:prstGeom>
         </p:spPr>
         <p:txBody>
-          <a:bodyPr lIns="0" rIns="0" tIns="0" bIns="0" anchor="ctr">
+          <a:bodyPr lIns="0" tIns="0" rIns="0" bIns="0" anchor="ctr">
             <a:noAutofit/>
           </a:bodyPr>
-          <a:p>
-            <a:endParaRPr b="0" lang="en-CH" sz="1800" spc="-1" strike="noStrike">
+          <a:lstStyle/>
+          <a:p>
+            <a:endParaRPr lang="en-CH" sz="1800" b="0" strike="noStrike" spc="-1">
               <a:solidFill>
                 <a:srgbClr val="000000"/>
               </a:solidFill>
@@ -1496,11 +1666,12 @@
           </a:prstGeom>
         </p:spPr>
         <p:txBody>
-          <a:bodyPr lIns="0" rIns="0" tIns="0" bIns="0">
+          <a:bodyPr lIns="0" tIns="0" rIns="0" bIns="0">
             <a:normAutofit/>
           </a:bodyPr>
-          <a:p>
-            <a:endParaRPr b="0" lang="en-CH" sz="2800" spc="-1" strike="noStrike">
+          <a:lstStyle/>
+          <a:p>
+            <a:endParaRPr lang="en-CH" sz="2800" b="0" strike="noStrike" spc="-1">
               <a:solidFill>
                 <a:srgbClr val="000000"/>
               </a:solidFill>
@@ -1529,11 +1700,12 @@
           </a:prstGeom>
         </p:spPr>
         <p:txBody>
-          <a:bodyPr lIns="0" rIns="0" tIns="0" bIns="0">
+          <a:bodyPr lIns="0" tIns="0" rIns="0" bIns="0">
             <a:normAutofit/>
           </a:bodyPr>
-          <a:p>
-            <a:endParaRPr b="0" lang="en-CH" sz="2800" spc="-1" strike="noStrike">
+          <a:lstStyle/>
+          <a:p>
+            <a:endParaRPr lang="en-CH" sz="2800" b="0" strike="noStrike" spc="-1">
               <a:solidFill>
                 <a:srgbClr val="000000"/>
               </a:solidFill>
@@ -1562,11 +1734,12 @@
           </a:prstGeom>
         </p:spPr>
         <p:txBody>
-          <a:bodyPr lIns="0" rIns="0" tIns="0" bIns="0">
+          <a:bodyPr lIns="0" tIns="0" rIns="0" bIns="0">
             <a:normAutofit/>
           </a:bodyPr>
-          <a:p>
-            <a:endParaRPr b="0" lang="en-CH" sz="2800" spc="-1" strike="noStrike">
+          <a:lstStyle/>
+          <a:p>
+            <a:endParaRPr lang="en-CH" sz="2800" b="0" strike="noStrike" spc="-1">
               <a:solidFill>
                 <a:srgbClr val="000000"/>
               </a:solidFill>
@@ -1577,11 +1750,14 @@
       </p:sp>
     </p:spTree>
   </p:cSld>
+  <p:clrMapOvr>
+    <a:masterClrMapping/>
+  </p:clrMapOvr>
 </p:sldLayout>
 </file>
 
 <file path=ppt/slideLayouts/slideLayout22.xml><?xml version="1.0" encoding="utf-8"?>
-<p:sldLayout xmlns:a="http://schemas.openxmlformats.org/drawingml/2006/main" xmlns:p="http://schemas.openxmlformats.org/presentationml/2006/main" xmlns:r="http://schemas.openxmlformats.org/officeDocument/2006/relationships" xmlns:p14="http://schemas.microsoft.com/office/powerpoint/2010/main" xmlns:p15="http://schemas.microsoft.com/office/powerpoint/2012/main" xmlns:mc="http://schemas.openxmlformats.org/markup-compatibility/2006" type="objOverTx" preserve="1">
+<p:sldLayout xmlns:a="http://schemas.openxmlformats.org/drawingml/2006/main" xmlns:r="http://schemas.openxmlformats.org/officeDocument/2006/relationships" xmlns:p="http://schemas.openxmlformats.org/presentationml/2006/main" type="objOverTx" preserve="1">
   <p:cSld name="Title, Content over Content">
     <p:spTree>
       <p:nvGrpSpPr>
@@ -1617,11 +1793,12 @@
           </a:prstGeom>
         </p:spPr>
         <p:txBody>
-          <a:bodyPr lIns="0" rIns="0" tIns="0" bIns="0" anchor="ctr">
+          <a:bodyPr lIns="0" tIns="0" rIns="0" bIns="0" anchor="ctr">
             <a:noAutofit/>
           </a:bodyPr>
-          <a:p>
-            <a:endParaRPr b="0" lang="en-CH" sz="1800" spc="-1" strike="noStrike">
+          <a:lstStyle/>
+          <a:p>
+            <a:endParaRPr lang="en-CH" sz="1800" b="0" strike="noStrike" spc="-1">
               <a:solidFill>
                 <a:srgbClr val="000000"/>
               </a:solidFill>
@@ -1650,11 +1827,12 @@
           </a:prstGeom>
         </p:spPr>
         <p:txBody>
-          <a:bodyPr lIns="0" rIns="0" tIns="0" bIns="0">
+          <a:bodyPr lIns="0" tIns="0" rIns="0" bIns="0">
             <a:normAutofit/>
           </a:bodyPr>
-          <a:p>
-            <a:endParaRPr b="0" lang="en-CH" sz="2800" spc="-1" strike="noStrike">
+          <a:lstStyle/>
+          <a:p>
+            <a:endParaRPr lang="en-CH" sz="2800" b="0" strike="noStrike" spc="-1">
               <a:solidFill>
                 <a:srgbClr val="000000"/>
               </a:solidFill>
@@ -1683,11 +1861,12 @@
           </a:prstGeom>
         </p:spPr>
         <p:txBody>
-          <a:bodyPr lIns="0" rIns="0" tIns="0" bIns="0">
+          <a:bodyPr lIns="0" tIns="0" rIns="0" bIns="0">
             <a:normAutofit/>
           </a:bodyPr>
-          <a:p>
-            <a:endParaRPr b="0" lang="en-CH" sz="2800" spc="-1" strike="noStrike">
+          <a:lstStyle/>
+          <a:p>
+            <a:endParaRPr lang="en-CH" sz="2800" b="0" strike="noStrike" spc="-1">
               <a:solidFill>
                 <a:srgbClr val="000000"/>
               </a:solidFill>
@@ -1698,11 +1877,14 @@
       </p:sp>
     </p:spTree>
   </p:cSld>
+  <p:clrMapOvr>
+    <a:masterClrMapping/>
+  </p:clrMapOvr>
 </p:sldLayout>
 </file>
 
 <file path=ppt/slideLayouts/slideLayout23.xml><?xml version="1.0" encoding="utf-8"?>
-<p:sldLayout xmlns:a="http://schemas.openxmlformats.org/drawingml/2006/main" xmlns:p="http://schemas.openxmlformats.org/presentationml/2006/main" xmlns:r="http://schemas.openxmlformats.org/officeDocument/2006/relationships" xmlns:p14="http://schemas.microsoft.com/office/powerpoint/2010/main" xmlns:p15="http://schemas.microsoft.com/office/powerpoint/2012/main" xmlns:mc="http://schemas.openxmlformats.org/markup-compatibility/2006" type="fourObj" preserve="1">
+<p:sldLayout xmlns:a="http://schemas.openxmlformats.org/drawingml/2006/main" xmlns:r="http://schemas.openxmlformats.org/officeDocument/2006/relationships" xmlns:p="http://schemas.openxmlformats.org/presentationml/2006/main" type="fourObj" preserve="1">
   <p:cSld name="Title, 4 Content">
     <p:spTree>
       <p:nvGrpSpPr>
@@ -1738,11 +1920,12 @@
           </a:prstGeom>
         </p:spPr>
         <p:txBody>
-          <a:bodyPr lIns="0" rIns="0" tIns="0" bIns="0" anchor="ctr">
+          <a:bodyPr lIns="0" tIns="0" rIns="0" bIns="0" anchor="ctr">
             <a:noAutofit/>
           </a:bodyPr>
-          <a:p>
-            <a:endParaRPr b="0" lang="en-CH" sz="1800" spc="-1" strike="noStrike">
+          <a:lstStyle/>
+          <a:p>
+            <a:endParaRPr lang="en-CH" sz="1800" b="0" strike="noStrike" spc="-1">
               <a:solidFill>
                 <a:srgbClr val="000000"/>
               </a:solidFill>
@@ -1771,11 +1954,12 @@
           </a:prstGeom>
         </p:spPr>
         <p:txBody>
-          <a:bodyPr lIns="0" rIns="0" tIns="0" bIns="0">
+          <a:bodyPr lIns="0" tIns="0" rIns="0" bIns="0">
             <a:normAutofit/>
           </a:bodyPr>
-          <a:p>
-            <a:endParaRPr b="0" lang="en-CH" sz="2800" spc="-1" strike="noStrike">
+          <a:lstStyle/>
+          <a:p>
+            <a:endParaRPr lang="en-CH" sz="2800" b="0" strike="noStrike" spc="-1">
               <a:solidFill>
                 <a:srgbClr val="000000"/>
               </a:solidFill>
@@ -1804,11 +1988,12 @@
           </a:prstGeom>
         </p:spPr>
         <p:txBody>
-          <a:bodyPr lIns="0" rIns="0" tIns="0" bIns="0">
+          <a:bodyPr lIns="0" tIns="0" rIns="0" bIns="0">
             <a:normAutofit/>
           </a:bodyPr>
-          <a:p>
-            <a:endParaRPr b="0" lang="en-CH" sz="2800" spc="-1" strike="noStrike">
+          <a:lstStyle/>
+          <a:p>
+            <a:endParaRPr lang="en-CH" sz="2800" b="0" strike="noStrike" spc="-1">
               <a:solidFill>
                 <a:srgbClr val="000000"/>
               </a:solidFill>
@@ -1837,11 +2022,12 @@
           </a:prstGeom>
         </p:spPr>
         <p:txBody>
-          <a:bodyPr lIns="0" rIns="0" tIns="0" bIns="0">
+          <a:bodyPr lIns="0" tIns="0" rIns="0" bIns="0">
             <a:normAutofit/>
           </a:bodyPr>
-          <a:p>
-            <a:endParaRPr b="0" lang="en-CH" sz="2800" spc="-1" strike="noStrike">
+          <a:lstStyle/>
+          <a:p>
+            <a:endParaRPr lang="en-CH" sz="2800" b="0" strike="noStrike" spc="-1">
               <a:solidFill>
                 <a:srgbClr val="000000"/>
               </a:solidFill>
@@ -1870,11 +2056,12 @@
           </a:prstGeom>
         </p:spPr>
         <p:txBody>
-          <a:bodyPr lIns="0" rIns="0" tIns="0" bIns="0">
+          <a:bodyPr lIns="0" tIns="0" rIns="0" bIns="0">
             <a:normAutofit/>
           </a:bodyPr>
-          <a:p>
-            <a:endParaRPr b="0" lang="en-CH" sz="2800" spc="-1" strike="noStrike">
+          <a:lstStyle/>
+          <a:p>
+            <a:endParaRPr lang="en-CH" sz="2800" b="0" strike="noStrike" spc="-1">
               <a:solidFill>
                 <a:srgbClr val="000000"/>
               </a:solidFill>
@@ -1885,11 +2072,14 @@
       </p:sp>
     </p:spTree>
   </p:cSld>
+  <p:clrMapOvr>
+    <a:masterClrMapping/>
+  </p:clrMapOvr>
 </p:sldLayout>
 </file>
 
 <file path=ppt/slideLayouts/slideLayout24.xml><?xml version="1.0" encoding="utf-8"?>
-<p:sldLayout xmlns:a="http://schemas.openxmlformats.org/drawingml/2006/main" xmlns:p="http://schemas.openxmlformats.org/presentationml/2006/main" xmlns:r="http://schemas.openxmlformats.org/officeDocument/2006/relationships" xmlns:p14="http://schemas.microsoft.com/office/powerpoint/2010/main" xmlns:p15="http://schemas.microsoft.com/office/powerpoint/2012/main" xmlns:mc="http://schemas.openxmlformats.org/markup-compatibility/2006" type="blank" preserve="1">
+<p:sldLayout xmlns:a="http://schemas.openxmlformats.org/drawingml/2006/main" xmlns:r="http://schemas.openxmlformats.org/officeDocument/2006/relationships" xmlns:p="http://schemas.openxmlformats.org/presentationml/2006/main" type="blank" preserve="1">
   <p:cSld name="Title, 6 Content">
     <p:spTree>
       <p:nvGrpSpPr>
@@ -1925,11 +2115,12 @@
           </a:prstGeom>
         </p:spPr>
         <p:txBody>
-          <a:bodyPr lIns="0" rIns="0" tIns="0" bIns="0" anchor="ctr">
+          <a:bodyPr lIns="0" tIns="0" rIns="0" bIns="0" anchor="ctr">
             <a:noAutofit/>
           </a:bodyPr>
-          <a:p>
-            <a:endParaRPr b="0" lang="en-CH" sz="1800" spc="-1" strike="noStrike">
+          <a:lstStyle/>
+          <a:p>
+            <a:endParaRPr lang="en-CH" sz="1800" b="0" strike="noStrike" spc="-1">
               <a:solidFill>
                 <a:srgbClr val="000000"/>
               </a:solidFill>
@@ -1958,11 +2149,12 @@
           </a:prstGeom>
         </p:spPr>
         <p:txBody>
-          <a:bodyPr lIns="0" rIns="0" tIns="0" bIns="0">
+          <a:bodyPr lIns="0" tIns="0" rIns="0" bIns="0">
             <a:normAutofit/>
           </a:bodyPr>
-          <a:p>
-            <a:endParaRPr b="0" lang="en-CH" sz="2800" spc="-1" strike="noStrike">
+          <a:lstStyle/>
+          <a:p>
+            <a:endParaRPr lang="en-CH" sz="2800" b="0" strike="noStrike" spc="-1">
               <a:solidFill>
                 <a:srgbClr val="000000"/>
               </a:solidFill>
@@ -1991,11 +2183,12 @@
           </a:prstGeom>
         </p:spPr>
         <p:txBody>
-          <a:bodyPr lIns="0" rIns="0" tIns="0" bIns="0">
+          <a:bodyPr lIns="0" tIns="0" rIns="0" bIns="0">
             <a:normAutofit/>
           </a:bodyPr>
-          <a:p>
-            <a:endParaRPr b="0" lang="en-CH" sz="2800" spc="-1" strike="noStrike">
+          <a:lstStyle/>
+          <a:p>
+            <a:endParaRPr lang="en-CH" sz="2800" b="0" strike="noStrike" spc="-1">
               <a:solidFill>
                 <a:srgbClr val="000000"/>
               </a:solidFill>
@@ -2024,11 +2217,12 @@
           </a:prstGeom>
         </p:spPr>
         <p:txBody>
-          <a:bodyPr lIns="0" rIns="0" tIns="0" bIns="0">
+          <a:bodyPr lIns="0" tIns="0" rIns="0" bIns="0">
             <a:normAutofit/>
           </a:bodyPr>
-          <a:p>
-            <a:endParaRPr b="0" lang="en-CH" sz="2800" spc="-1" strike="noStrike">
+          <a:lstStyle/>
+          <a:p>
+            <a:endParaRPr lang="en-CH" sz="2800" b="0" strike="noStrike" spc="-1">
               <a:solidFill>
                 <a:srgbClr val="000000"/>
               </a:solidFill>
@@ -2057,11 +2251,12 @@
           </a:prstGeom>
         </p:spPr>
         <p:txBody>
-          <a:bodyPr lIns="0" rIns="0" tIns="0" bIns="0">
+          <a:bodyPr lIns="0" tIns="0" rIns="0" bIns="0">
             <a:normAutofit/>
           </a:bodyPr>
-          <a:p>
-            <a:endParaRPr b="0" lang="en-CH" sz="2800" spc="-1" strike="noStrike">
+          <a:lstStyle/>
+          <a:p>
+            <a:endParaRPr lang="en-CH" sz="2800" b="0" strike="noStrike" spc="-1">
               <a:solidFill>
                 <a:srgbClr val="000000"/>
               </a:solidFill>
@@ -2090,11 +2285,12 @@
           </a:prstGeom>
         </p:spPr>
         <p:txBody>
-          <a:bodyPr lIns="0" rIns="0" tIns="0" bIns="0">
+          <a:bodyPr lIns="0" tIns="0" rIns="0" bIns="0">
             <a:normAutofit/>
           </a:bodyPr>
-          <a:p>
-            <a:endParaRPr b="0" lang="en-CH" sz="2800" spc="-1" strike="noStrike">
+          <a:lstStyle/>
+          <a:p>
+            <a:endParaRPr lang="en-CH" sz="2800" b="0" strike="noStrike" spc="-1">
               <a:solidFill>
                 <a:srgbClr val="000000"/>
               </a:solidFill>
@@ -2123,11 +2319,12 @@
           </a:prstGeom>
         </p:spPr>
         <p:txBody>
-          <a:bodyPr lIns="0" rIns="0" tIns="0" bIns="0">
+          <a:bodyPr lIns="0" tIns="0" rIns="0" bIns="0">
             <a:normAutofit/>
           </a:bodyPr>
-          <a:p>
-            <a:endParaRPr b="0" lang="en-CH" sz="2800" spc="-1" strike="noStrike">
+          <a:lstStyle/>
+          <a:p>
+            <a:endParaRPr lang="en-CH" sz="2800" b="0" strike="noStrike" spc="-1">
               <a:solidFill>
                 <a:srgbClr val="000000"/>
               </a:solidFill>
@@ -2138,11 +2335,14 @@
       </p:sp>
     </p:spTree>
   </p:cSld>
+  <p:clrMapOvr>
+    <a:masterClrMapping/>
+  </p:clrMapOvr>
 </p:sldLayout>
 </file>
 
 <file path=ppt/slideLayouts/slideLayout3.xml><?xml version="1.0" encoding="utf-8"?>
-<p:sldLayout xmlns:a="http://schemas.openxmlformats.org/drawingml/2006/main" xmlns:p="http://schemas.openxmlformats.org/presentationml/2006/main" xmlns:r="http://schemas.openxmlformats.org/officeDocument/2006/relationships" xmlns:p14="http://schemas.microsoft.com/office/powerpoint/2010/main" xmlns:p15="http://schemas.microsoft.com/office/powerpoint/2012/main" xmlns:mc="http://schemas.openxmlformats.org/markup-compatibility/2006" type="obj" preserve="1">
+<p:sldLayout xmlns:a="http://schemas.openxmlformats.org/drawingml/2006/main" xmlns:r="http://schemas.openxmlformats.org/officeDocument/2006/relationships" xmlns:p="http://schemas.openxmlformats.org/presentationml/2006/main" type="obj" preserve="1">
   <p:cSld name="Title, Content">
     <p:spTree>
       <p:nvGrpSpPr>
@@ -2178,11 +2378,12 @@
           </a:prstGeom>
         </p:spPr>
         <p:txBody>
-          <a:bodyPr lIns="0" rIns="0" tIns="0" bIns="0" anchor="ctr">
+          <a:bodyPr lIns="0" tIns="0" rIns="0" bIns="0" anchor="ctr">
             <a:noAutofit/>
           </a:bodyPr>
-          <a:p>
-            <a:endParaRPr b="0" lang="en-CH" sz="1800" spc="-1" strike="noStrike">
+          <a:lstStyle/>
+          <a:p>
+            <a:endParaRPr lang="en-CH" sz="1800" b="0" strike="noStrike" spc="-1">
               <a:solidFill>
                 <a:srgbClr val="000000"/>
               </a:solidFill>
@@ -2211,11 +2412,12 @@
           </a:prstGeom>
         </p:spPr>
         <p:txBody>
-          <a:bodyPr lIns="0" rIns="0" tIns="0" bIns="0">
+          <a:bodyPr lIns="0" tIns="0" rIns="0" bIns="0">
             <a:normAutofit/>
           </a:bodyPr>
-          <a:p>
-            <a:endParaRPr b="0" lang="en-CH" sz="2800" spc="-1" strike="noStrike">
+          <a:lstStyle/>
+          <a:p>
+            <a:endParaRPr lang="en-CH" sz="2800" b="0" strike="noStrike" spc="-1">
               <a:solidFill>
                 <a:srgbClr val="000000"/>
               </a:solidFill>
@@ -2226,11 +2428,14 @@
       </p:sp>
     </p:spTree>
   </p:cSld>
+  <p:clrMapOvr>
+    <a:masterClrMapping/>
+  </p:clrMapOvr>
 </p:sldLayout>
 </file>
 
 <file path=ppt/slideLayouts/slideLayout4.xml><?xml version="1.0" encoding="utf-8"?>
-<p:sldLayout xmlns:a="http://schemas.openxmlformats.org/drawingml/2006/main" xmlns:p="http://schemas.openxmlformats.org/presentationml/2006/main" xmlns:r="http://schemas.openxmlformats.org/officeDocument/2006/relationships" xmlns:p14="http://schemas.microsoft.com/office/powerpoint/2010/main" xmlns:p15="http://schemas.microsoft.com/office/powerpoint/2012/main" xmlns:mc="http://schemas.openxmlformats.org/markup-compatibility/2006" type="twoObj" preserve="1">
+<p:sldLayout xmlns:a="http://schemas.openxmlformats.org/drawingml/2006/main" xmlns:r="http://schemas.openxmlformats.org/officeDocument/2006/relationships" xmlns:p="http://schemas.openxmlformats.org/presentationml/2006/main" type="twoObj" preserve="1">
   <p:cSld name="Title, 2 Content">
     <p:spTree>
       <p:nvGrpSpPr>
@@ -2266,11 +2471,12 @@
           </a:prstGeom>
         </p:spPr>
         <p:txBody>
-          <a:bodyPr lIns="0" rIns="0" tIns="0" bIns="0" anchor="ctr">
+          <a:bodyPr lIns="0" tIns="0" rIns="0" bIns="0" anchor="ctr">
             <a:noAutofit/>
           </a:bodyPr>
-          <a:p>
-            <a:endParaRPr b="0" lang="en-CH" sz="1800" spc="-1" strike="noStrike">
+          <a:lstStyle/>
+          <a:p>
+            <a:endParaRPr lang="en-CH" sz="1800" b="0" strike="noStrike" spc="-1">
               <a:solidFill>
                 <a:srgbClr val="000000"/>
               </a:solidFill>
@@ -2299,11 +2505,12 @@
           </a:prstGeom>
         </p:spPr>
         <p:txBody>
-          <a:bodyPr lIns="0" rIns="0" tIns="0" bIns="0">
+          <a:bodyPr lIns="0" tIns="0" rIns="0" bIns="0">
             <a:normAutofit/>
           </a:bodyPr>
-          <a:p>
-            <a:endParaRPr b="0" lang="en-CH" sz="2800" spc="-1" strike="noStrike">
+          <a:lstStyle/>
+          <a:p>
+            <a:endParaRPr lang="en-CH" sz="2800" b="0" strike="noStrike" spc="-1">
               <a:solidFill>
                 <a:srgbClr val="000000"/>
               </a:solidFill>
@@ -2332,11 +2539,12 @@
           </a:prstGeom>
         </p:spPr>
         <p:txBody>
-          <a:bodyPr lIns="0" rIns="0" tIns="0" bIns="0">
+          <a:bodyPr lIns="0" tIns="0" rIns="0" bIns="0">
             <a:normAutofit/>
           </a:bodyPr>
-          <a:p>
-            <a:endParaRPr b="0" lang="en-CH" sz="2800" spc="-1" strike="noStrike">
+          <a:lstStyle/>
+          <a:p>
+            <a:endParaRPr lang="en-CH" sz="2800" b="0" strike="noStrike" spc="-1">
               <a:solidFill>
                 <a:srgbClr val="000000"/>
               </a:solidFill>
@@ -2347,11 +2555,14 @@
       </p:sp>
     </p:spTree>
   </p:cSld>
+  <p:clrMapOvr>
+    <a:masterClrMapping/>
+  </p:clrMapOvr>
 </p:sldLayout>
 </file>
 
 <file path=ppt/slideLayouts/slideLayout5.xml><?xml version="1.0" encoding="utf-8"?>
-<p:sldLayout xmlns:a="http://schemas.openxmlformats.org/drawingml/2006/main" xmlns:p="http://schemas.openxmlformats.org/presentationml/2006/main" xmlns:r="http://schemas.openxmlformats.org/officeDocument/2006/relationships" xmlns:p14="http://schemas.microsoft.com/office/powerpoint/2010/main" xmlns:p15="http://schemas.microsoft.com/office/powerpoint/2012/main" xmlns:mc="http://schemas.openxmlformats.org/markup-compatibility/2006" type="titleOnly" preserve="1">
+<p:sldLayout xmlns:a="http://schemas.openxmlformats.org/drawingml/2006/main" xmlns:r="http://schemas.openxmlformats.org/officeDocument/2006/relationships" xmlns:p="http://schemas.openxmlformats.org/presentationml/2006/main" type="titleOnly" preserve="1">
   <p:cSld name="Title Only">
     <p:spTree>
       <p:nvGrpSpPr>
@@ -2387,11 +2598,12 @@
           </a:prstGeom>
         </p:spPr>
         <p:txBody>
-          <a:bodyPr lIns="0" rIns="0" tIns="0" bIns="0" anchor="ctr">
+          <a:bodyPr lIns="0" tIns="0" rIns="0" bIns="0" anchor="ctr">
             <a:noAutofit/>
           </a:bodyPr>
-          <a:p>
-            <a:endParaRPr b="0" lang="en-CH" sz="1800" spc="-1" strike="noStrike">
+          <a:lstStyle/>
+          <a:p>
+            <a:endParaRPr lang="en-CH" sz="1800" b="0" strike="noStrike" spc="-1">
               <a:solidFill>
                 <a:srgbClr val="000000"/>
               </a:solidFill>
@@ -2402,11 +2614,14 @@
       </p:sp>
     </p:spTree>
   </p:cSld>
+  <p:clrMapOvr>
+    <a:masterClrMapping/>
+  </p:clrMapOvr>
 </p:sldLayout>
 </file>
 
 <file path=ppt/slideLayouts/slideLayout6.xml><?xml version="1.0" encoding="utf-8"?>
-<p:sldLayout xmlns:a="http://schemas.openxmlformats.org/drawingml/2006/main" xmlns:p="http://schemas.openxmlformats.org/presentationml/2006/main" xmlns:r="http://schemas.openxmlformats.org/officeDocument/2006/relationships" xmlns:p14="http://schemas.microsoft.com/office/powerpoint/2010/main" xmlns:p15="http://schemas.microsoft.com/office/powerpoint/2012/main" xmlns:mc="http://schemas.openxmlformats.org/markup-compatibility/2006" type="objOnly" preserve="1">
+<p:sldLayout xmlns:a="http://schemas.openxmlformats.org/drawingml/2006/main" xmlns:r="http://schemas.openxmlformats.org/officeDocument/2006/relationships" xmlns:p="http://schemas.openxmlformats.org/presentationml/2006/main" type="objOnly" preserve="1">
   <p:cSld name="Centered Text">
     <p:spTree>
       <p:nvGrpSpPr>
@@ -2442,12 +2657,13 @@
           </a:prstGeom>
         </p:spPr>
         <p:txBody>
-          <a:bodyPr lIns="0" rIns="0" tIns="0" bIns="0" anchor="ctr">
+          <a:bodyPr lIns="0" tIns="0" rIns="0" bIns="0" anchor="ctr">
             <a:noAutofit/>
           </a:bodyPr>
+          <a:lstStyle/>
           <a:p>
             <a:pPr algn="ctr"/>
-            <a:endParaRPr b="0" lang="en-US" sz="3200" spc="-1" strike="noStrike">
+            <a:endParaRPr lang="en-US" sz="3200" b="0" strike="noStrike" spc="-1">
               <a:latin typeface="Arial"/>
             </a:endParaRPr>
           </a:p>
@@ -2455,11 +2671,14 @@
       </p:sp>
     </p:spTree>
   </p:cSld>
+  <p:clrMapOvr>
+    <a:masterClrMapping/>
+  </p:clrMapOvr>
 </p:sldLayout>
 </file>
 
 <file path=ppt/slideLayouts/slideLayout7.xml><?xml version="1.0" encoding="utf-8"?>
-<p:sldLayout xmlns:a="http://schemas.openxmlformats.org/drawingml/2006/main" xmlns:p="http://schemas.openxmlformats.org/presentationml/2006/main" xmlns:r="http://schemas.openxmlformats.org/officeDocument/2006/relationships" xmlns:p14="http://schemas.microsoft.com/office/powerpoint/2010/main" xmlns:p15="http://schemas.microsoft.com/office/powerpoint/2012/main" xmlns:mc="http://schemas.openxmlformats.org/markup-compatibility/2006" type="twoObjAndObj" preserve="1">
+<p:sldLayout xmlns:a="http://schemas.openxmlformats.org/drawingml/2006/main" xmlns:r="http://schemas.openxmlformats.org/officeDocument/2006/relationships" xmlns:p="http://schemas.openxmlformats.org/presentationml/2006/main" type="twoObjAndObj" preserve="1">
   <p:cSld name="Title, 2 Content and Content">
     <p:spTree>
       <p:nvGrpSpPr>
@@ -2495,11 +2714,12 @@
           </a:prstGeom>
         </p:spPr>
         <p:txBody>
-          <a:bodyPr lIns="0" rIns="0" tIns="0" bIns="0" anchor="ctr">
+          <a:bodyPr lIns="0" tIns="0" rIns="0" bIns="0" anchor="ctr">
             <a:noAutofit/>
           </a:bodyPr>
-          <a:p>
-            <a:endParaRPr b="0" lang="en-CH" sz="1800" spc="-1" strike="noStrike">
+          <a:lstStyle/>
+          <a:p>
+            <a:endParaRPr lang="en-CH" sz="1800" b="0" strike="noStrike" spc="-1">
               <a:solidFill>
                 <a:srgbClr val="000000"/>
               </a:solidFill>
@@ -2528,11 +2748,12 @@
           </a:prstGeom>
         </p:spPr>
         <p:txBody>
-          <a:bodyPr lIns="0" rIns="0" tIns="0" bIns="0">
+          <a:bodyPr lIns="0" tIns="0" rIns="0" bIns="0">
             <a:normAutofit/>
           </a:bodyPr>
-          <a:p>
-            <a:endParaRPr b="0" lang="en-CH" sz="2800" spc="-1" strike="noStrike">
+          <a:lstStyle/>
+          <a:p>
+            <a:endParaRPr lang="en-CH" sz="2800" b="0" strike="noStrike" spc="-1">
               <a:solidFill>
                 <a:srgbClr val="000000"/>
               </a:solidFill>
@@ -2561,11 +2782,12 @@
           </a:prstGeom>
         </p:spPr>
         <p:txBody>
-          <a:bodyPr lIns="0" rIns="0" tIns="0" bIns="0">
+          <a:bodyPr lIns="0" tIns="0" rIns="0" bIns="0">
             <a:normAutofit/>
           </a:bodyPr>
-          <a:p>
-            <a:endParaRPr b="0" lang="en-CH" sz="2800" spc="-1" strike="noStrike">
+          <a:lstStyle/>
+          <a:p>
+            <a:endParaRPr lang="en-CH" sz="2800" b="0" strike="noStrike" spc="-1">
               <a:solidFill>
                 <a:srgbClr val="000000"/>
               </a:solidFill>
@@ -2594,11 +2816,12 @@
           </a:prstGeom>
         </p:spPr>
         <p:txBody>
-          <a:bodyPr lIns="0" rIns="0" tIns="0" bIns="0">
+          <a:bodyPr lIns="0" tIns="0" rIns="0" bIns="0">
             <a:normAutofit/>
           </a:bodyPr>
-          <a:p>
-            <a:endParaRPr b="0" lang="en-CH" sz="2800" spc="-1" strike="noStrike">
+          <a:lstStyle/>
+          <a:p>
+            <a:endParaRPr lang="en-CH" sz="2800" b="0" strike="noStrike" spc="-1">
               <a:solidFill>
                 <a:srgbClr val="000000"/>
               </a:solidFill>
@@ -2609,11 +2832,14 @@
       </p:sp>
     </p:spTree>
   </p:cSld>
+  <p:clrMapOvr>
+    <a:masterClrMapping/>
+  </p:clrMapOvr>
 </p:sldLayout>
 </file>
 
 <file path=ppt/slideLayouts/slideLayout8.xml><?xml version="1.0" encoding="utf-8"?>
-<p:sldLayout xmlns:a="http://schemas.openxmlformats.org/drawingml/2006/main" xmlns:p="http://schemas.openxmlformats.org/presentationml/2006/main" xmlns:r="http://schemas.openxmlformats.org/officeDocument/2006/relationships" xmlns:p14="http://schemas.microsoft.com/office/powerpoint/2010/main" xmlns:p15="http://schemas.microsoft.com/office/powerpoint/2012/main" xmlns:mc="http://schemas.openxmlformats.org/markup-compatibility/2006" type="objAndTwoObj" preserve="1">
+<p:sldLayout xmlns:a="http://schemas.openxmlformats.org/drawingml/2006/main" xmlns:r="http://schemas.openxmlformats.org/officeDocument/2006/relationships" xmlns:p="http://schemas.openxmlformats.org/presentationml/2006/main" type="objAndTwoObj" preserve="1">
   <p:cSld name="Title Content and 2 Content">
     <p:spTree>
       <p:nvGrpSpPr>
@@ -2649,11 +2875,12 @@
           </a:prstGeom>
         </p:spPr>
         <p:txBody>
-          <a:bodyPr lIns="0" rIns="0" tIns="0" bIns="0" anchor="ctr">
+          <a:bodyPr lIns="0" tIns="0" rIns="0" bIns="0" anchor="ctr">
             <a:noAutofit/>
           </a:bodyPr>
-          <a:p>
-            <a:endParaRPr b="0" lang="en-CH" sz="1800" spc="-1" strike="noStrike">
+          <a:lstStyle/>
+          <a:p>
+            <a:endParaRPr lang="en-CH" sz="1800" b="0" strike="noStrike" spc="-1">
               <a:solidFill>
                 <a:srgbClr val="000000"/>
               </a:solidFill>
@@ -2682,11 +2909,12 @@
           </a:prstGeom>
         </p:spPr>
         <p:txBody>
-          <a:bodyPr lIns="0" rIns="0" tIns="0" bIns="0">
+          <a:bodyPr lIns="0" tIns="0" rIns="0" bIns="0">
             <a:normAutofit/>
           </a:bodyPr>
-          <a:p>
-            <a:endParaRPr b="0" lang="en-CH" sz="2800" spc="-1" strike="noStrike">
+          <a:lstStyle/>
+          <a:p>
+            <a:endParaRPr lang="en-CH" sz="2800" b="0" strike="noStrike" spc="-1">
               <a:solidFill>
                 <a:srgbClr val="000000"/>
               </a:solidFill>
@@ -2715,11 +2943,12 @@
           </a:prstGeom>
         </p:spPr>
         <p:txBody>
-          <a:bodyPr lIns="0" rIns="0" tIns="0" bIns="0">
+          <a:bodyPr lIns="0" tIns="0" rIns="0" bIns="0">
             <a:normAutofit/>
           </a:bodyPr>
-          <a:p>
-            <a:endParaRPr b="0" lang="en-CH" sz="2800" spc="-1" strike="noStrike">
+          <a:lstStyle/>
+          <a:p>
+            <a:endParaRPr lang="en-CH" sz="2800" b="0" strike="noStrike" spc="-1">
               <a:solidFill>
                 <a:srgbClr val="000000"/>
               </a:solidFill>
@@ -2748,11 +2977,12 @@
           </a:prstGeom>
         </p:spPr>
         <p:txBody>
-          <a:bodyPr lIns="0" rIns="0" tIns="0" bIns="0">
+          <a:bodyPr lIns="0" tIns="0" rIns="0" bIns="0">
             <a:normAutofit/>
           </a:bodyPr>
-          <a:p>
-            <a:endParaRPr b="0" lang="en-CH" sz="2800" spc="-1" strike="noStrike">
+          <a:lstStyle/>
+          <a:p>
+            <a:endParaRPr lang="en-CH" sz="2800" b="0" strike="noStrike" spc="-1">
               <a:solidFill>
                 <a:srgbClr val="000000"/>
               </a:solidFill>
@@ -2763,11 +2993,14 @@
       </p:sp>
     </p:spTree>
   </p:cSld>
+  <p:clrMapOvr>
+    <a:masterClrMapping/>
+  </p:clrMapOvr>
 </p:sldLayout>
 </file>
 
 <file path=ppt/slideLayouts/slideLayout9.xml><?xml version="1.0" encoding="utf-8"?>
-<p:sldLayout xmlns:a="http://schemas.openxmlformats.org/drawingml/2006/main" xmlns:p="http://schemas.openxmlformats.org/presentationml/2006/main" xmlns:r="http://schemas.openxmlformats.org/officeDocument/2006/relationships" xmlns:p14="http://schemas.microsoft.com/office/powerpoint/2010/main" xmlns:p15="http://schemas.microsoft.com/office/powerpoint/2012/main" xmlns:mc="http://schemas.openxmlformats.org/markup-compatibility/2006" type="twoObjOverTx" preserve="1">
+<p:sldLayout xmlns:a="http://schemas.openxmlformats.org/drawingml/2006/main" xmlns:r="http://schemas.openxmlformats.org/officeDocument/2006/relationships" xmlns:p="http://schemas.openxmlformats.org/presentationml/2006/main" type="twoObjOverTx" preserve="1">
   <p:cSld name="Title, 2 Content over Content">
     <p:spTree>
       <p:nvGrpSpPr>
@@ -2803,11 +3036,12 @@
           </a:prstGeom>
         </p:spPr>
         <p:txBody>
-          <a:bodyPr lIns="0" rIns="0" tIns="0" bIns="0" anchor="ctr">
+          <a:bodyPr lIns="0" tIns="0" rIns="0" bIns="0" anchor="ctr">
             <a:noAutofit/>
           </a:bodyPr>
-          <a:p>
-            <a:endParaRPr b="0" lang="en-CH" sz="1800" spc="-1" strike="noStrike">
+          <a:lstStyle/>
+          <a:p>
+            <a:endParaRPr lang="en-CH" sz="1800" b="0" strike="noStrike" spc="-1">
               <a:solidFill>
                 <a:srgbClr val="000000"/>
               </a:solidFill>
@@ -2836,11 +3070,12 @@
           </a:prstGeom>
         </p:spPr>
         <p:txBody>
-          <a:bodyPr lIns="0" rIns="0" tIns="0" bIns="0">
+          <a:bodyPr lIns="0" tIns="0" rIns="0" bIns="0">
             <a:normAutofit/>
           </a:bodyPr>
-          <a:p>
-            <a:endParaRPr b="0" lang="en-CH" sz="2800" spc="-1" strike="noStrike">
+          <a:lstStyle/>
+          <a:p>
+            <a:endParaRPr lang="en-CH" sz="2800" b="0" strike="noStrike" spc="-1">
               <a:solidFill>
                 <a:srgbClr val="000000"/>
               </a:solidFill>
@@ -2869,11 +3104,12 @@
           </a:prstGeom>
         </p:spPr>
         <p:txBody>
-          <a:bodyPr lIns="0" rIns="0" tIns="0" bIns="0">
+          <a:bodyPr lIns="0" tIns="0" rIns="0" bIns="0">
             <a:normAutofit/>
           </a:bodyPr>
-          <a:p>
-            <a:endParaRPr b="0" lang="en-CH" sz="2800" spc="-1" strike="noStrike">
+          <a:lstStyle/>
+          <a:p>
+            <a:endParaRPr lang="en-CH" sz="2800" b="0" strike="noStrike" spc="-1">
               <a:solidFill>
                 <a:srgbClr val="000000"/>
               </a:solidFill>
@@ -2902,11 +3138,12 @@
           </a:prstGeom>
         </p:spPr>
         <p:txBody>
-          <a:bodyPr lIns="0" rIns="0" tIns="0" bIns="0">
+          <a:bodyPr lIns="0" tIns="0" rIns="0" bIns="0">
             <a:normAutofit/>
           </a:bodyPr>
-          <a:p>
-            <a:endParaRPr b="0" lang="en-CH" sz="2800" spc="-1" strike="noStrike">
+          <a:lstStyle/>
+          <a:p>
+            <a:endParaRPr lang="en-CH" sz="2800" b="0" strike="noStrike" spc="-1">
               <a:solidFill>
                 <a:srgbClr val="000000"/>
               </a:solidFill>
@@ -2917,17 +3154,21 @@
       </p:sp>
     </p:spTree>
   </p:cSld>
+  <p:clrMapOvr>
+    <a:masterClrMapping/>
+  </p:clrMapOvr>
 </p:sldLayout>
 </file>
 
 <file path=ppt/slideMasters/slideMaster1.xml><?xml version="1.0" encoding="utf-8"?>
-<p:sldMaster xmlns:a="http://schemas.openxmlformats.org/drawingml/2006/main" xmlns:p="http://schemas.openxmlformats.org/presentationml/2006/main" xmlns:r="http://schemas.openxmlformats.org/officeDocument/2006/relationships" xmlns:p14="http://schemas.microsoft.com/office/powerpoint/2010/main" xmlns:p15="http://schemas.microsoft.com/office/powerpoint/2012/main" xmlns:mc="http://schemas.openxmlformats.org/markup-compatibility/2006">
+<p:sldMaster xmlns:a="http://schemas.openxmlformats.org/drawingml/2006/main" xmlns:r="http://schemas.openxmlformats.org/officeDocument/2006/relationships" xmlns:p="http://schemas.openxmlformats.org/presentationml/2006/main">
   <p:cSld>
     <p:bg>
       <p:bgPr>
         <a:solidFill>
-          <a:srgbClr val="ffffff"/>
+          <a:srgbClr val="FFFFFF"/>
         </a:solidFill>
+        <a:effectLst/>
       </p:bgPr>
     </p:bg>
     <p:spTree>
@@ -2946,7 +3187,7 @@
       </p:grpSpPr>
       <p:sp>
         <p:nvSpPr>
-          <p:cNvPr id="0" name="PlaceHolder 1"/>
+          <p:cNvPr id="5" name="PlaceHolder 1"/>
           <p:cNvSpPr>
             <a:spLocks noGrp="1"/>
           </p:cNvSpPr>
@@ -2967,6 +3208,7 @@
           <a:bodyPr anchor="b">
             <a:noAutofit/>
           </a:bodyPr>
+          <a:lstStyle/>
           <a:p>
             <a:pPr algn="ctr">
               <a:lnSpc>
@@ -2974,269 +3216,26 @@
               </a:lnSpc>
             </a:pPr>
             <a:r>
-              <a:rPr b="0" lang="de-DE" sz="6000" spc="-1" strike="noStrike">
+              <a:rPr lang="de-DE" sz="6000" b="0" strike="noStrike" spc="-1">
                 <a:solidFill>
                   <a:srgbClr val="000000"/>
                 </a:solidFill>
                 <a:latin typeface="Calibri Light"/>
               </a:rPr>
-              <a:t>M</a:t>
+              <a:t>Mastertitelformat bearbeiten</a:t>
             </a:r>
-            <a:r>
-              <a:rPr b="0" lang="de-DE" sz="6000" spc="-1" strike="noStrike">
-                <a:solidFill>
-                  <a:srgbClr val="000000"/>
-                </a:solidFill>
-                <a:latin typeface="Calibri Light"/>
-              </a:rPr>
-              <a:t>a</a:t>
-            </a:r>
-            <a:r>
-              <a:rPr b="0" lang="de-DE" sz="6000" spc="-1" strike="noStrike">
-                <a:solidFill>
-                  <a:srgbClr val="000000"/>
-                </a:solidFill>
-                <a:latin typeface="Calibri Light"/>
-              </a:rPr>
-              <a:t>s</a:t>
-            </a:r>
-            <a:r>
-              <a:rPr b="0" lang="de-DE" sz="6000" spc="-1" strike="noStrike">
-                <a:solidFill>
-                  <a:srgbClr val="000000"/>
-                </a:solidFill>
-                <a:latin typeface="Calibri Light"/>
-              </a:rPr>
-              <a:t>t</a:t>
-            </a:r>
-            <a:r>
-              <a:rPr b="0" lang="de-DE" sz="6000" spc="-1" strike="noStrike">
-                <a:solidFill>
-                  <a:srgbClr val="000000"/>
-                </a:solidFill>
-                <a:latin typeface="Calibri Light"/>
-              </a:rPr>
-              <a:t>e</a:t>
-            </a:r>
-            <a:r>
-              <a:rPr b="0" lang="de-DE" sz="6000" spc="-1" strike="noStrike">
-                <a:solidFill>
-                  <a:srgbClr val="000000"/>
-                </a:solidFill>
-                <a:latin typeface="Calibri Light"/>
-              </a:rPr>
-              <a:t>r</a:t>
-            </a:r>
-            <a:r>
-              <a:rPr b="0" lang="de-DE" sz="6000" spc="-1" strike="noStrike">
-                <a:solidFill>
-                  <a:srgbClr val="000000"/>
-                </a:solidFill>
-                <a:latin typeface="Calibri Light"/>
-              </a:rPr>
-              <a:t>t</a:t>
-            </a:r>
-            <a:r>
-              <a:rPr b="0" lang="de-DE" sz="6000" spc="-1" strike="noStrike">
-                <a:solidFill>
-                  <a:srgbClr val="000000"/>
-                </a:solidFill>
-                <a:latin typeface="Calibri Light"/>
-              </a:rPr>
-              <a:t>i</a:t>
-            </a:r>
-            <a:r>
-              <a:rPr b="0" lang="de-DE" sz="6000" spc="-1" strike="noStrike">
-                <a:solidFill>
-                  <a:srgbClr val="000000"/>
-                </a:solidFill>
-                <a:latin typeface="Calibri Light"/>
-              </a:rPr>
-              <a:t>t</a:t>
-            </a:r>
-            <a:r>
-              <a:rPr b="0" lang="de-DE" sz="6000" spc="-1" strike="noStrike">
-                <a:solidFill>
-                  <a:srgbClr val="000000"/>
-                </a:solidFill>
-                <a:latin typeface="Calibri Light"/>
-              </a:rPr>
-              <a:t>e</a:t>
-            </a:r>
-            <a:r>
-              <a:rPr b="0" lang="de-DE" sz="6000" spc="-1" strike="noStrike">
-                <a:solidFill>
-                  <a:srgbClr val="000000"/>
-                </a:solidFill>
-                <a:latin typeface="Calibri Light"/>
-              </a:rPr>
-              <a:t>l</a:t>
-            </a:r>
-            <a:r>
-              <a:rPr b="0" lang="de-DE" sz="6000" spc="-1" strike="noStrike">
-                <a:solidFill>
-                  <a:srgbClr val="000000"/>
-                </a:solidFill>
-                <a:latin typeface="Calibri Light"/>
-              </a:rPr>
-              <a:t>f</a:t>
-            </a:r>
-            <a:r>
-              <a:rPr b="0" lang="de-DE" sz="6000" spc="-1" strike="noStrike">
-                <a:solidFill>
-                  <a:srgbClr val="000000"/>
-                </a:solidFill>
-                <a:latin typeface="Calibri Light"/>
-              </a:rPr>
-              <a:t>o</a:t>
-            </a:r>
-            <a:r>
-              <a:rPr b="0" lang="de-DE" sz="6000" spc="-1" strike="noStrike">
-                <a:solidFill>
-                  <a:srgbClr val="000000"/>
-                </a:solidFill>
-                <a:latin typeface="Calibri Light"/>
-              </a:rPr>
-              <a:t>r</a:t>
-            </a:r>
-            <a:r>
-              <a:rPr b="0" lang="de-DE" sz="6000" spc="-1" strike="noStrike">
-                <a:solidFill>
-                  <a:srgbClr val="000000"/>
-                </a:solidFill>
-                <a:latin typeface="Calibri Light"/>
-              </a:rPr>
-              <a:t>m</a:t>
-            </a:r>
-            <a:r>
-              <a:rPr b="0" lang="de-DE" sz="6000" spc="-1" strike="noStrike">
-                <a:solidFill>
-                  <a:srgbClr val="000000"/>
-                </a:solidFill>
-                <a:latin typeface="Calibri Light"/>
-              </a:rPr>
-              <a:t>a</a:t>
-            </a:r>
-            <a:r>
-              <a:rPr b="0" lang="de-DE" sz="6000" spc="-1" strike="noStrike">
-                <a:solidFill>
-                  <a:srgbClr val="000000"/>
-                </a:solidFill>
-                <a:latin typeface="Calibri Light"/>
-              </a:rPr>
-              <a:t>t</a:t>
-            </a:r>
-            <a:r>
-              <a:rPr b="0" lang="de-DE" sz="6000" spc="-1" strike="noStrike">
-                <a:solidFill>
-                  <a:srgbClr val="000000"/>
-                </a:solidFill>
-                <a:latin typeface="Calibri Light"/>
-              </a:rPr>
-              <a:t> </a:t>
-            </a:r>
-            <a:r>
-              <a:rPr b="0" lang="de-DE" sz="6000" spc="-1" strike="noStrike">
-                <a:solidFill>
-                  <a:srgbClr val="000000"/>
-                </a:solidFill>
-                <a:latin typeface="Calibri Light"/>
-              </a:rPr>
-              <a:t>b</a:t>
-            </a:r>
-            <a:r>
-              <a:rPr b="0" lang="de-DE" sz="6000" spc="-1" strike="noStrike">
-                <a:solidFill>
-                  <a:srgbClr val="000000"/>
-                </a:solidFill>
-                <a:latin typeface="Calibri Light"/>
-              </a:rPr>
-              <a:t>e</a:t>
-            </a:r>
-            <a:r>
-              <a:rPr b="0" lang="de-DE" sz="6000" spc="-1" strike="noStrike">
-                <a:solidFill>
-                  <a:srgbClr val="000000"/>
-                </a:solidFill>
-                <a:latin typeface="Calibri Light"/>
-              </a:rPr>
-              <a:t>a</a:t>
-            </a:r>
-            <a:r>
-              <a:rPr b="0" lang="de-DE" sz="6000" spc="-1" strike="noStrike">
-                <a:solidFill>
-                  <a:srgbClr val="000000"/>
-                </a:solidFill>
-                <a:latin typeface="Calibri Light"/>
-              </a:rPr>
-              <a:t>r</a:t>
-            </a:r>
-            <a:r>
-              <a:rPr b="0" lang="de-DE" sz="6000" spc="-1" strike="noStrike">
-                <a:solidFill>
-                  <a:srgbClr val="000000"/>
-                </a:solidFill>
-                <a:latin typeface="Calibri Light"/>
-              </a:rPr>
-              <a:t>b</a:t>
-            </a:r>
-            <a:r>
-              <a:rPr b="0" lang="de-DE" sz="6000" spc="-1" strike="noStrike">
-                <a:solidFill>
-                  <a:srgbClr val="000000"/>
-                </a:solidFill>
-                <a:latin typeface="Calibri Light"/>
-              </a:rPr>
-              <a:t>e</a:t>
-            </a:r>
-            <a:r>
-              <a:rPr b="0" lang="de-DE" sz="6000" spc="-1" strike="noStrike">
-                <a:solidFill>
-                  <a:srgbClr val="000000"/>
-                </a:solidFill>
-                <a:latin typeface="Calibri Light"/>
-              </a:rPr>
-              <a:t>i</a:t>
-            </a:r>
-            <a:r>
-              <a:rPr b="0" lang="de-DE" sz="6000" spc="-1" strike="noStrike">
-                <a:solidFill>
-                  <a:srgbClr val="000000"/>
-                </a:solidFill>
-                <a:latin typeface="Calibri Light"/>
-              </a:rPr>
-              <a:t>t</a:t>
-            </a:r>
-            <a:r>
-              <a:rPr b="0" lang="de-DE" sz="6000" spc="-1" strike="noStrike">
-                <a:solidFill>
-                  <a:srgbClr val="000000"/>
-                </a:solidFill>
-                <a:latin typeface="Calibri Light"/>
-              </a:rPr>
-              <a:t>e</a:t>
-            </a:r>
-            <a:r>
-              <a:rPr b="0" lang="de-DE" sz="6000" spc="-1" strike="noStrike">
-                <a:solidFill>
-                  <a:srgbClr val="000000"/>
-                </a:solidFill>
-                <a:latin typeface="Calibri Light"/>
-              </a:rPr>
-              <a:t>n</a:t>
-            </a:r>
-            <a:endParaRPr b="0" lang="en-CH" sz="6000" spc="-1" strike="noStrike">
-              <a:solidFill>
-                <a:srgbClr val="000000"/>
-              </a:solidFill>
-              <a:latin typeface="Calibri"/>
-            </a:endParaRPr>
-          </a:p>
-        </p:txBody>
-      </p:sp>
-      <p:sp>
-        <p:nvSpPr>
-          <p:cNvPr id="1" name="PlaceHolder 2"/>
+            <a:endParaRPr lang="en-CH" sz="6000" b="0" strike="noStrike" spc="-1">
+              <a:solidFill>
+                <a:srgbClr val="000000"/>
+              </a:solidFill>
+              <a:latin typeface="Calibri"/>
+            </a:endParaRPr>
+          </a:p>
+        </p:txBody>
+      </p:sp>
+      <p:sp>
+        <p:nvSpPr>
+          <p:cNvPr id="6" name="PlaceHolder 2"/>
           <p:cNvSpPr>
             <a:spLocks noGrp="1"/>
           </p:cNvSpPr>
@@ -3257,6 +3256,7 @@
           <a:bodyPr anchor="ctr">
             <a:noAutofit/>
           </a:bodyPr>
+          <a:lstStyle/>
           <a:p>
             <a:pPr>
               <a:lnSpc>
@@ -3264,15 +3264,15 @@
               </a:lnSpc>
             </a:pPr>
             <a:fld id="{0C8B5D1E-C140-476A-B5B3-E4751FA3909C}" type="datetime">
-              <a:rPr b="0" lang="en-CH" sz="1200" spc="-1" strike="noStrike">
+              <a:rPr lang="en-CH" sz="1200" b="0" strike="noStrike" spc="-1">
                 <a:solidFill>
-                  <a:srgbClr val="8b8b8b"/>
+                  <a:srgbClr val="8B8B8B"/>
                 </a:solidFill>
                 <a:latin typeface="Calibri"/>
               </a:rPr>
-              <a:t>5/29/22</a:t>
+              <a:t>29/05/2022</a:t>
             </a:fld>
-            <a:endParaRPr b="0" lang="en-US" sz="1200" spc="-1" strike="noStrike">
+            <a:endParaRPr lang="en-US" sz="1200" b="0" strike="noStrike" spc="-1">
               <a:latin typeface="Times New Roman"/>
             </a:endParaRPr>
           </a:p>
@@ -3301,8 +3301,9 @@
           <a:bodyPr anchor="ctr">
             <a:noAutofit/>
           </a:bodyPr>
-          <a:p>
-            <a:endParaRPr b="0" lang="en-US" sz="2400" spc="-1" strike="noStrike">
+          <a:lstStyle/>
+          <a:p>
+            <a:endParaRPr lang="en-US" sz="2400" b="0" strike="noStrike" spc="-1">
               <a:latin typeface="Times New Roman"/>
             </a:endParaRPr>
           </a:p>
@@ -3331,6 +3332,7 @@
           <a:bodyPr anchor="ctr">
             <a:noAutofit/>
           </a:bodyPr>
+          <a:lstStyle/>
           <a:p>
             <a:pPr algn="r">
               <a:lnSpc>
@@ -3338,15 +3340,15 @@
               </a:lnSpc>
             </a:pPr>
             <a:fld id="{AE00E078-9C69-4687-B532-4D9BE0DBCCF4}" type="slidenum">
-              <a:rPr b="0" lang="en-CH" sz="1200" spc="-1" strike="noStrike">
+              <a:rPr lang="en-CH" sz="1200" b="0" strike="noStrike" spc="-1">
                 <a:solidFill>
-                  <a:srgbClr val="8b8b8b"/>
+                  <a:srgbClr val="8B8B8B"/>
                 </a:solidFill>
                 <a:latin typeface="Calibri"/>
               </a:rPr>
-              <a:t>&lt;number&gt;</a:t>
+              <a:t>‹Nr.›</a:t>
             </a:fld>
-            <a:endParaRPr b="0" lang="en-US" sz="1200" spc="-1" strike="noStrike">
+            <a:endParaRPr lang="en-US" sz="1200" b="0" strike="noStrike" spc="-1">
               <a:latin typeface="Times New Roman"/>
             </a:endParaRPr>
           </a:p>
@@ -3372,9 +3374,10 @@
           </a:prstGeom>
         </p:spPr>
         <p:txBody>
-          <a:bodyPr lIns="0" rIns="0" tIns="0" bIns="0">
+          <a:bodyPr lIns="0" tIns="0" rIns="0" bIns="0">
             <a:normAutofit/>
           </a:bodyPr>
+          <a:lstStyle/>
           <a:p>
             <a:pPr marL="432000" indent="-324000">
               <a:spcBef>
@@ -3388,7 +3391,7 @@
               <a:buChar char=""/>
             </a:pPr>
             <a:r>
-              <a:rPr b="0" lang="en-CH" sz="2800" spc="-1" strike="noStrike">
+              <a:rPr lang="en-CH" sz="2800" b="0" strike="noStrike" spc="-1">
                 <a:solidFill>
                   <a:srgbClr val="000000"/>
                 </a:solidFill>
@@ -3396,15 +3399,9 @@
               </a:rPr>
               <a:t>Click to edit the outline text format</a:t>
             </a:r>
-            <a:endParaRPr b="0" lang="en-CH" sz="2800" spc="-1" strike="noStrike">
-              <a:solidFill>
-                <a:srgbClr val="000000"/>
-              </a:solidFill>
-              <a:latin typeface="Calibri"/>
-            </a:endParaRPr>
-          </a:p>
-          <a:p>
-            <a:pPr lvl="1" marL="864000" indent="-324000">
+          </a:p>
+          <a:p>
+            <a:pPr marL="864000" lvl="1" indent="-324000">
               <a:spcBef>
                 <a:spcPts val="1134"/>
               </a:spcBef>
@@ -3416,7 +3413,7 @@
               <a:buChar char=""/>
             </a:pPr>
             <a:r>
-              <a:rPr b="0" lang="en-CH" sz="2000" spc="-1" strike="noStrike">
+              <a:rPr lang="en-CH" sz="2000" b="0" strike="noStrike" spc="-1">
                 <a:solidFill>
                   <a:srgbClr val="000000"/>
                 </a:solidFill>
@@ -3424,15 +3421,9 @@
               </a:rPr>
               <a:t>Second Outline Level</a:t>
             </a:r>
-            <a:endParaRPr b="0" lang="en-CH" sz="2000" spc="-1" strike="noStrike">
-              <a:solidFill>
-                <a:srgbClr val="000000"/>
-              </a:solidFill>
-              <a:latin typeface="Calibri"/>
-            </a:endParaRPr>
-          </a:p>
-          <a:p>
-            <a:pPr lvl="2" marL="1296000" indent="-288000">
+          </a:p>
+          <a:p>
+            <a:pPr marL="1296000" lvl="2" indent="-288000">
               <a:spcBef>
                 <a:spcPts val="850"/>
               </a:spcBef>
@@ -3444,7 +3435,7 @@
               <a:buChar char=""/>
             </a:pPr>
             <a:r>
-              <a:rPr b="0" lang="en-CH" sz="1800" spc="-1" strike="noStrike">
+              <a:rPr lang="en-CH" sz="1800" b="0" strike="noStrike" spc="-1">
                 <a:solidFill>
                   <a:srgbClr val="000000"/>
                 </a:solidFill>
@@ -3452,15 +3443,9 @@
               </a:rPr>
               <a:t>Third Outline Level</a:t>
             </a:r>
-            <a:endParaRPr b="0" lang="en-CH" sz="1800" spc="-1" strike="noStrike">
-              <a:solidFill>
-                <a:srgbClr val="000000"/>
-              </a:solidFill>
-              <a:latin typeface="Calibri"/>
-            </a:endParaRPr>
-          </a:p>
-          <a:p>
-            <a:pPr lvl="3" marL="1728000" indent="-216000">
+          </a:p>
+          <a:p>
+            <a:pPr marL="1728000" lvl="3" indent="-216000">
               <a:spcBef>
                 <a:spcPts val="567"/>
               </a:spcBef>
@@ -3472,7 +3457,7 @@
               <a:buChar char=""/>
             </a:pPr>
             <a:r>
-              <a:rPr b="0" lang="en-CH" sz="1800" spc="-1" strike="noStrike">
+              <a:rPr lang="en-CH" sz="1800" b="0" strike="noStrike" spc="-1">
                 <a:solidFill>
                   <a:srgbClr val="000000"/>
                 </a:solidFill>
@@ -3480,15 +3465,9 @@
               </a:rPr>
               <a:t>Fourth Outline Level</a:t>
             </a:r>
-            <a:endParaRPr b="0" lang="en-CH" sz="1800" spc="-1" strike="noStrike">
-              <a:solidFill>
-                <a:srgbClr val="000000"/>
-              </a:solidFill>
-              <a:latin typeface="Calibri"/>
-            </a:endParaRPr>
-          </a:p>
-          <a:p>
-            <a:pPr lvl="4" marL="2160000" indent="-216000">
+          </a:p>
+          <a:p>
+            <a:pPr marL="2160000" lvl="4" indent="-216000">
               <a:spcBef>
                 <a:spcPts val="283"/>
               </a:spcBef>
@@ -3500,7 +3479,7 @@
               <a:buChar char=""/>
             </a:pPr>
             <a:r>
-              <a:rPr b="0" lang="en-CH" sz="2000" spc="-1" strike="noStrike">
+              <a:rPr lang="en-CH" sz="2000" b="0" strike="noStrike" spc="-1">
                 <a:solidFill>
                   <a:srgbClr val="000000"/>
                 </a:solidFill>
@@ -3508,15 +3487,9 @@
               </a:rPr>
               <a:t>Fifth Outline Level</a:t>
             </a:r>
-            <a:endParaRPr b="0" lang="en-CH" sz="2000" spc="-1" strike="noStrike">
-              <a:solidFill>
-                <a:srgbClr val="000000"/>
-              </a:solidFill>
-              <a:latin typeface="Calibri"/>
-            </a:endParaRPr>
-          </a:p>
-          <a:p>
-            <a:pPr lvl="5" marL="2592000" indent="-216000">
+          </a:p>
+          <a:p>
+            <a:pPr marL="2592000" lvl="5" indent="-216000">
               <a:spcBef>
                 <a:spcPts val="283"/>
               </a:spcBef>
@@ -3528,7 +3501,7 @@
               <a:buChar char=""/>
             </a:pPr>
             <a:r>
-              <a:rPr b="0" lang="en-CH" sz="2000" spc="-1" strike="noStrike">
+              <a:rPr lang="en-CH" sz="2000" b="0" strike="noStrike" spc="-1">
                 <a:solidFill>
                   <a:srgbClr val="000000"/>
                 </a:solidFill>
@@ -3536,15 +3509,9 @@
               </a:rPr>
               <a:t>Sixth Outline Level</a:t>
             </a:r>
-            <a:endParaRPr b="0" lang="en-CH" sz="2000" spc="-1" strike="noStrike">
-              <a:solidFill>
-                <a:srgbClr val="000000"/>
-              </a:solidFill>
-              <a:latin typeface="Calibri"/>
-            </a:endParaRPr>
-          </a:p>
-          <a:p>
-            <a:pPr lvl="6" marL="3024000" indent="-216000">
+          </a:p>
+          <a:p>
+            <a:pPr marL="3024000" lvl="6" indent="-216000">
               <a:spcBef>
                 <a:spcPts val="283"/>
               </a:spcBef>
@@ -3556,7 +3523,7 @@
               <a:buChar char=""/>
             </a:pPr>
             <a:r>
-              <a:rPr b="0" lang="en-CH" sz="2000" spc="-1" strike="noStrike">
+              <a:rPr lang="en-CH" sz="2000" b="0" strike="noStrike" spc="-1">
                 <a:solidFill>
                   <a:srgbClr val="000000"/>
                 </a:solidFill>
@@ -3564,43 +3531,318 @@
               </a:rPr>
               <a:t>Seventh Outline Level</a:t>
             </a:r>
-            <a:endParaRPr b="0" lang="en-CH" sz="2000" spc="-1" strike="noStrike">
-              <a:solidFill>
-                <a:srgbClr val="000000"/>
-              </a:solidFill>
-              <a:latin typeface="Calibri"/>
-            </a:endParaRPr>
           </a:p>
         </p:txBody>
       </p:sp>
     </p:spTree>
   </p:cSld>
-  <p:clrMap bg1="lt1" bg2="lt2" tx1="dk1" tx2="dk2" accent1="accent1" accent2="accent2" accent3="accent3" accent4="accent4" accent5="accent5" accent6="accent6" hlink="hlink" folHlink="folHlink"/>
+  <p:clrMap bg1="lt1" tx1="dk1" bg2="lt2" tx2="dk2" accent1="accent1" accent2="accent2" accent3="accent3" accent4="accent4" accent5="accent5" accent6="accent6" hlink="hlink" folHlink="folHlink"/>
   <p:sldLayoutIdLst>
-    <p:sldLayoutId id="2147483649" r:id="rId2"/>
-    <p:sldLayoutId id="2147483650" r:id="rId3"/>
-    <p:sldLayoutId id="2147483651" r:id="rId4"/>
-    <p:sldLayoutId id="2147483652" r:id="rId5"/>
-    <p:sldLayoutId id="2147483653" r:id="rId6"/>
-    <p:sldLayoutId id="2147483654" r:id="rId7"/>
-    <p:sldLayoutId id="2147483655" r:id="rId8"/>
-    <p:sldLayoutId id="2147483656" r:id="rId9"/>
-    <p:sldLayoutId id="2147483657" r:id="rId10"/>
-    <p:sldLayoutId id="2147483658" r:id="rId11"/>
-    <p:sldLayoutId id="2147483659" r:id="rId12"/>
-    <p:sldLayoutId id="2147483660" r:id="rId13"/>
+    <p:sldLayoutId id="2147483649" r:id="rId1"/>
+    <p:sldLayoutId id="2147483650" r:id="rId2"/>
+    <p:sldLayoutId id="2147483651" r:id="rId3"/>
+    <p:sldLayoutId id="2147483652" r:id="rId4"/>
+    <p:sldLayoutId id="2147483653" r:id="rId5"/>
+    <p:sldLayoutId id="2147483654" r:id="rId6"/>
+    <p:sldLayoutId id="2147483655" r:id="rId7"/>
+    <p:sldLayoutId id="2147483656" r:id="rId8"/>
+    <p:sldLayoutId id="2147483657" r:id="rId9"/>
+    <p:sldLayoutId id="2147483658" r:id="rId10"/>
+    <p:sldLayoutId id="2147483659" r:id="rId11"/>
+    <p:sldLayoutId id="2147483660" r:id="rId12"/>
   </p:sldLayoutIdLst>
+  <p:txStyles>
+    <p:titleStyle>
+      <a:lvl1pPr algn="l" defTabSz="914400" rtl="0" eaLnBrk="1" latinLnBrk="0" hangingPunct="1">
+        <a:lnSpc>
+          <a:spcPct val="90000"/>
+        </a:lnSpc>
+        <a:spcBef>
+          <a:spcPct val="0"/>
+        </a:spcBef>
+        <a:buNone/>
+        <a:defRPr sz="4400" kern="1200">
+          <a:solidFill>
+            <a:schemeClr val="tx1"/>
+          </a:solidFill>
+          <a:latin typeface="+mj-lt"/>
+          <a:ea typeface="+mj-ea"/>
+          <a:cs typeface="+mj-cs"/>
+        </a:defRPr>
+      </a:lvl1pPr>
+    </p:titleStyle>
+    <p:bodyStyle>
+      <a:lvl1pPr marL="228600" indent="-228600" algn="l" defTabSz="914400" rtl="0" eaLnBrk="1" latinLnBrk="0" hangingPunct="1">
+        <a:lnSpc>
+          <a:spcPct val="90000"/>
+        </a:lnSpc>
+        <a:spcBef>
+          <a:spcPts val="1000"/>
+        </a:spcBef>
+        <a:buFont typeface="Arial" panose="020B0604020202020204" pitchFamily="34" charset="0"/>
+        <a:buChar char="•"/>
+        <a:defRPr sz="2800" kern="1200">
+          <a:solidFill>
+            <a:schemeClr val="tx1"/>
+          </a:solidFill>
+          <a:latin typeface="+mn-lt"/>
+          <a:ea typeface="+mn-ea"/>
+          <a:cs typeface="+mn-cs"/>
+        </a:defRPr>
+      </a:lvl1pPr>
+      <a:lvl2pPr marL="685800" indent="-228600" algn="l" defTabSz="914400" rtl="0" eaLnBrk="1" latinLnBrk="0" hangingPunct="1">
+        <a:lnSpc>
+          <a:spcPct val="90000"/>
+        </a:lnSpc>
+        <a:spcBef>
+          <a:spcPts val="500"/>
+        </a:spcBef>
+        <a:buFont typeface="Arial" panose="020B0604020202020204" pitchFamily="34" charset="0"/>
+        <a:buChar char="•"/>
+        <a:defRPr sz="2400" kern="1200">
+          <a:solidFill>
+            <a:schemeClr val="tx1"/>
+          </a:solidFill>
+          <a:latin typeface="+mn-lt"/>
+          <a:ea typeface="+mn-ea"/>
+          <a:cs typeface="+mn-cs"/>
+        </a:defRPr>
+      </a:lvl2pPr>
+      <a:lvl3pPr marL="1143000" indent="-228600" algn="l" defTabSz="914400" rtl="0" eaLnBrk="1" latinLnBrk="0" hangingPunct="1">
+        <a:lnSpc>
+          <a:spcPct val="90000"/>
+        </a:lnSpc>
+        <a:spcBef>
+          <a:spcPts val="500"/>
+        </a:spcBef>
+        <a:buFont typeface="Arial" panose="020B0604020202020204" pitchFamily="34" charset="0"/>
+        <a:buChar char="•"/>
+        <a:defRPr sz="2000" kern="1200">
+          <a:solidFill>
+            <a:schemeClr val="tx1"/>
+          </a:solidFill>
+          <a:latin typeface="+mn-lt"/>
+          <a:ea typeface="+mn-ea"/>
+          <a:cs typeface="+mn-cs"/>
+        </a:defRPr>
+      </a:lvl3pPr>
+      <a:lvl4pPr marL="1600200" indent="-228600" algn="l" defTabSz="914400" rtl="0" eaLnBrk="1" latinLnBrk="0" hangingPunct="1">
+        <a:lnSpc>
+          <a:spcPct val="90000"/>
+        </a:lnSpc>
+        <a:spcBef>
+          <a:spcPts val="500"/>
+        </a:spcBef>
+        <a:buFont typeface="Arial" panose="020B0604020202020204" pitchFamily="34" charset="0"/>
+        <a:buChar char="•"/>
+        <a:defRPr sz="1800" kern="1200">
+          <a:solidFill>
+            <a:schemeClr val="tx1"/>
+          </a:solidFill>
+          <a:latin typeface="+mn-lt"/>
+          <a:ea typeface="+mn-ea"/>
+          <a:cs typeface="+mn-cs"/>
+        </a:defRPr>
+      </a:lvl4pPr>
+      <a:lvl5pPr marL="2057400" indent="-228600" algn="l" defTabSz="914400" rtl="0" eaLnBrk="1" latinLnBrk="0" hangingPunct="1">
+        <a:lnSpc>
+          <a:spcPct val="90000"/>
+        </a:lnSpc>
+        <a:spcBef>
+          <a:spcPts val="500"/>
+        </a:spcBef>
+        <a:buFont typeface="Arial" panose="020B0604020202020204" pitchFamily="34" charset="0"/>
+        <a:buChar char="•"/>
+        <a:defRPr sz="1800" kern="1200">
+          <a:solidFill>
+            <a:schemeClr val="tx1"/>
+          </a:solidFill>
+          <a:latin typeface="+mn-lt"/>
+          <a:ea typeface="+mn-ea"/>
+          <a:cs typeface="+mn-cs"/>
+        </a:defRPr>
+      </a:lvl5pPr>
+      <a:lvl6pPr marL="2514600" indent="-228600" algn="l" defTabSz="914400" rtl="0" eaLnBrk="1" latinLnBrk="0" hangingPunct="1">
+        <a:lnSpc>
+          <a:spcPct val="90000"/>
+        </a:lnSpc>
+        <a:spcBef>
+          <a:spcPts val="500"/>
+        </a:spcBef>
+        <a:buFont typeface="Arial" panose="020B0604020202020204" pitchFamily="34" charset="0"/>
+        <a:buChar char="•"/>
+        <a:defRPr sz="1800" kern="1200">
+          <a:solidFill>
+            <a:schemeClr val="tx1"/>
+          </a:solidFill>
+          <a:latin typeface="+mn-lt"/>
+          <a:ea typeface="+mn-ea"/>
+          <a:cs typeface="+mn-cs"/>
+        </a:defRPr>
+      </a:lvl6pPr>
+      <a:lvl7pPr marL="2971800" indent="-228600" algn="l" defTabSz="914400" rtl="0" eaLnBrk="1" latinLnBrk="0" hangingPunct="1">
+        <a:lnSpc>
+          <a:spcPct val="90000"/>
+        </a:lnSpc>
+        <a:spcBef>
+          <a:spcPts val="500"/>
+        </a:spcBef>
+        <a:buFont typeface="Arial" panose="020B0604020202020204" pitchFamily="34" charset="0"/>
+        <a:buChar char="•"/>
+        <a:defRPr sz="1800" kern="1200">
+          <a:solidFill>
+            <a:schemeClr val="tx1"/>
+          </a:solidFill>
+          <a:latin typeface="+mn-lt"/>
+          <a:ea typeface="+mn-ea"/>
+          <a:cs typeface="+mn-cs"/>
+        </a:defRPr>
+      </a:lvl7pPr>
+      <a:lvl8pPr marL="3429000" indent="-228600" algn="l" defTabSz="914400" rtl="0" eaLnBrk="1" latinLnBrk="0" hangingPunct="1">
+        <a:lnSpc>
+          <a:spcPct val="90000"/>
+        </a:lnSpc>
+        <a:spcBef>
+          <a:spcPts val="500"/>
+        </a:spcBef>
+        <a:buFont typeface="Arial" panose="020B0604020202020204" pitchFamily="34" charset="0"/>
+        <a:buChar char="•"/>
+        <a:defRPr sz="1800" kern="1200">
+          <a:solidFill>
+            <a:schemeClr val="tx1"/>
+          </a:solidFill>
+          <a:latin typeface="+mn-lt"/>
+          <a:ea typeface="+mn-ea"/>
+          <a:cs typeface="+mn-cs"/>
+        </a:defRPr>
+      </a:lvl8pPr>
+      <a:lvl9pPr marL="3886200" indent="-228600" algn="l" defTabSz="914400" rtl="0" eaLnBrk="1" latinLnBrk="0" hangingPunct="1">
+        <a:lnSpc>
+          <a:spcPct val="90000"/>
+        </a:lnSpc>
+        <a:spcBef>
+          <a:spcPts val="500"/>
+        </a:spcBef>
+        <a:buFont typeface="Arial" panose="020B0604020202020204" pitchFamily="34" charset="0"/>
+        <a:buChar char="•"/>
+        <a:defRPr sz="1800" kern="1200">
+          <a:solidFill>
+            <a:schemeClr val="tx1"/>
+          </a:solidFill>
+          <a:latin typeface="+mn-lt"/>
+          <a:ea typeface="+mn-ea"/>
+          <a:cs typeface="+mn-cs"/>
+        </a:defRPr>
+      </a:lvl9pPr>
+    </p:bodyStyle>
+    <p:otherStyle>
+      <a:defPPr>
+        <a:defRPr lang="en-CH"/>
+      </a:defPPr>
+      <a:lvl1pPr marL="0" algn="l" defTabSz="914400" rtl="0" eaLnBrk="1" latinLnBrk="0" hangingPunct="1">
+        <a:defRPr sz="1800" kern="1200">
+          <a:solidFill>
+            <a:schemeClr val="tx1"/>
+          </a:solidFill>
+          <a:latin typeface="+mn-lt"/>
+          <a:ea typeface="+mn-ea"/>
+          <a:cs typeface="+mn-cs"/>
+        </a:defRPr>
+      </a:lvl1pPr>
+      <a:lvl2pPr marL="457200" algn="l" defTabSz="914400" rtl="0" eaLnBrk="1" latinLnBrk="0" hangingPunct="1">
+        <a:defRPr sz="1800" kern="1200">
+          <a:solidFill>
+            <a:schemeClr val="tx1"/>
+          </a:solidFill>
+          <a:latin typeface="+mn-lt"/>
+          <a:ea typeface="+mn-ea"/>
+          <a:cs typeface="+mn-cs"/>
+        </a:defRPr>
+      </a:lvl2pPr>
+      <a:lvl3pPr marL="914400" algn="l" defTabSz="914400" rtl="0" eaLnBrk="1" latinLnBrk="0" hangingPunct="1">
+        <a:defRPr sz="1800" kern="1200">
+          <a:solidFill>
+            <a:schemeClr val="tx1"/>
+          </a:solidFill>
+          <a:latin typeface="+mn-lt"/>
+          <a:ea typeface="+mn-ea"/>
+          <a:cs typeface="+mn-cs"/>
+        </a:defRPr>
+      </a:lvl3pPr>
+      <a:lvl4pPr marL="1371600" algn="l" defTabSz="914400" rtl="0" eaLnBrk="1" latinLnBrk="0" hangingPunct="1">
+        <a:defRPr sz="1800" kern="1200">
+          <a:solidFill>
+            <a:schemeClr val="tx1"/>
+          </a:solidFill>
+          <a:latin typeface="+mn-lt"/>
+          <a:ea typeface="+mn-ea"/>
+          <a:cs typeface="+mn-cs"/>
+        </a:defRPr>
+      </a:lvl4pPr>
+      <a:lvl5pPr marL="1828800" algn="l" defTabSz="914400" rtl="0" eaLnBrk="1" latinLnBrk="0" hangingPunct="1">
+        <a:defRPr sz="1800" kern="1200">
+          <a:solidFill>
+            <a:schemeClr val="tx1"/>
+          </a:solidFill>
+          <a:latin typeface="+mn-lt"/>
+          <a:ea typeface="+mn-ea"/>
+          <a:cs typeface="+mn-cs"/>
+        </a:defRPr>
+      </a:lvl5pPr>
+      <a:lvl6pPr marL="2286000" algn="l" defTabSz="914400" rtl="0" eaLnBrk="1" latinLnBrk="0" hangingPunct="1">
+        <a:defRPr sz="1800" kern="1200">
+          <a:solidFill>
+            <a:schemeClr val="tx1"/>
+          </a:solidFill>
+          <a:latin typeface="+mn-lt"/>
+          <a:ea typeface="+mn-ea"/>
+          <a:cs typeface="+mn-cs"/>
+        </a:defRPr>
+      </a:lvl6pPr>
+      <a:lvl7pPr marL="2743200" algn="l" defTabSz="914400" rtl="0" eaLnBrk="1" latinLnBrk="0" hangingPunct="1">
+        <a:defRPr sz="1800" kern="1200">
+          <a:solidFill>
+            <a:schemeClr val="tx1"/>
+          </a:solidFill>
+          <a:latin typeface="+mn-lt"/>
+          <a:ea typeface="+mn-ea"/>
+          <a:cs typeface="+mn-cs"/>
+        </a:defRPr>
+      </a:lvl7pPr>
+      <a:lvl8pPr marL="3200400" algn="l" defTabSz="914400" rtl="0" eaLnBrk="1" latinLnBrk="0" hangingPunct="1">
+        <a:defRPr sz="1800" kern="1200">
+          <a:solidFill>
+            <a:schemeClr val="tx1"/>
+          </a:solidFill>
+          <a:latin typeface="+mn-lt"/>
+          <a:ea typeface="+mn-ea"/>
+          <a:cs typeface="+mn-cs"/>
+        </a:defRPr>
+      </a:lvl8pPr>
+      <a:lvl9pPr marL="3657600" algn="l" defTabSz="914400" rtl="0" eaLnBrk="1" latinLnBrk="0" hangingPunct="1">
+        <a:defRPr sz="1800" kern="1200">
+          <a:solidFill>
+            <a:schemeClr val="tx1"/>
+          </a:solidFill>
+          <a:latin typeface="+mn-lt"/>
+          <a:ea typeface="+mn-ea"/>
+          <a:cs typeface="+mn-cs"/>
+        </a:defRPr>
+      </a:lvl9pPr>
+    </p:otherStyle>
+  </p:txStyles>
 </p:sldMaster>
 </file>
 
 <file path=ppt/slideMasters/slideMaster2.xml><?xml version="1.0" encoding="utf-8"?>
-<p:sldMaster xmlns:a="http://schemas.openxmlformats.org/drawingml/2006/main" xmlns:p="http://schemas.openxmlformats.org/presentationml/2006/main" xmlns:r="http://schemas.openxmlformats.org/officeDocument/2006/relationships" xmlns:p14="http://schemas.microsoft.com/office/powerpoint/2010/main" xmlns:p15="http://schemas.microsoft.com/office/powerpoint/2012/main" xmlns:mc="http://schemas.openxmlformats.org/markup-compatibility/2006">
+<p:sldMaster xmlns:a="http://schemas.openxmlformats.org/drawingml/2006/main" xmlns:r="http://schemas.openxmlformats.org/officeDocument/2006/relationships" xmlns:p="http://schemas.openxmlformats.org/presentationml/2006/main">
   <p:cSld>
     <p:bg>
       <p:bgPr>
         <a:solidFill>
-          <a:srgbClr val="ffffff"/>
+          <a:srgbClr val="FFFFFF"/>
         </a:solidFill>
+        <a:effectLst/>
       </p:bgPr>
     </p:bg>
     <p:spTree>
@@ -3640,6 +3882,7 @@
           <a:bodyPr anchor="ctr">
             <a:noAutofit/>
           </a:bodyPr>
+          <a:lstStyle/>
           <a:p>
             <a:pPr>
               <a:lnSpc>
@@ -3647,7 +3890,7 @@
               </a:lnSpc>
             </a:pPr>
             <a:r>
-              <a:rPr b="0" lang="de-DE" sz="4400" spc="-1" strike="noStrike">
+              <a:rPr lang="de-DE" sz="4400" b="0" strike="noStrike" spc="-1">
                 <a:solidFill>
                   <a:srgbClr val="000000"/>
                 </a:solidFill>
@@ -3655,7 +3898,7 @@
               </a:rPr>
               <a:t>Mastertitelformat bearbeiten</a:t>
             </a:r>
-            <a:endParaRPr b="0" lang="en-CH" sz="4400" spc="-1" strike="noStrike">
+            <a:endParaRPr lang="en-CH" sz="4400" b="0" strike="noStrike" spc="-1">
               <a:solidFill>
                 <a:srgbClr val="000000"/>
               </a:solidFill>
@@ -3687,6 +3930,7 @@
           <a:bodyPr>
             <a:noAutofit/>
           </a:bodyPr>
+          <a:lstStyle/>
           <a:p>
             <a:pPr marL="228600" indent="-228240">
               <a:lnSpc>
@@ -3702,7 +3946,7 @@
               <a:buChar char="•"/>
             </a:pPr>
             <a:r>
-              <a:rPr b="0" lang="de-DE" sz="2800" spc="-1" strike="noStrike">
+              <a:rPr lang="de-DE" sz="2800" b="0" strike="noStrike" spc="-1">
                 <a:solidFill>
                   <a:srgbClr val="000000"/>
                 </a:solidFill>
@@ -3710,15 +3954,15 @@
               </a:rPr>
               <a:t>Mastertextformat bearbeiten</a:t>
             </a:r>
-            <a:endParaRPr b="0" lang="en-CH" sz="2800" spc="-1" strike="noStrike">
-              <a:solidFill>
-                <a:srgbClr val="000000"/>
-              </a:solidFill>
-              <a:latin typeface="Calibri"/>
-            </a:endParaRPr>
-          </a:p>
-          <a:p>
-            <a:pPr lvl="1" marL="685800" indent="-228240">
+            <a:endParaRPr lang="en-CH" sz="2800" b="0" strike="noStrike" spc="-1">
+              <a:solidFill>
+                <a:srgbClr val="000000"/>
+              </a:solidFill>
+              <a:latin typeface="Calibri"/>
+            </a:endParaRPr>
+          </a:p>
+          <a:p>
+            <a:pPr marL="685800" lvl="1" indent="-228240">
               <a:lnSpc>
                 <a:spcPct val="90000"/>
               </a:lnSpc>
@@ -3732,7 +3976,7 @@
               <a:buChar char="•"/>
             </a:pPr>
             <a:r>
-              <a:rPr b="0" lang="de-DE" sz="2400" spc="-1" strike="noStrike">
+              <a:rPr lang="de-DE" sz="2400" b="0" strike="noStrike" spc="-1">
                 <a:solidFill>
                   <a:srgbClr val="000000"/>
                 </a:solidFill>
@@ -3740,15 +3984,15 @@
               </a:rPr>
               <a:t>Zweite Ebene</a:t>
             </a:r>
-            <a:endParaRPr b="0" lang="en-CH" sz="2400" spc="-1" strike="noStrike">
-              <a:solidFill>
-                <a:srgbClr val="000000"/>
-              </a:solidFill>
-              <a:latin typeface="Calibri"/>
-            </a:endParaRPr>
-          </a:p>
-          <a:p>
-            <a:pPr lvl="2" marL="1143000" indent="-228240">
+            <a:endParaRPr lang="en-CH" sz="2400" b="0" strike="noStrike" spc="-1">
+              <a:solidFill>
+                <a:srgbClr val="000000"/>
+              </a:solidFill>
+              <a:latin typeface="Calibri"/>
+            </a:endParaRPr>
+          </a:p>
+          <a:p>
+            <a:pPr marL="1143000" lvl="2" indent="-228240">
               <a:lnSpc>
                 <a:spcPct val="90000"/>
               </a:lnSpc>
@@ -3762,7 +4006,7 @@
               <a:buChar char="•"/>
             </a:pPr>
             <a:r>
-              <a:rPr b="0" lang="de-DE" sz="2000" spc="-1" strike="noStrike">
+              <a:rPr lang="de-DE" sz="2000" b="0" strike="noStrike" spc="-1">
                 <a:solidFill>
                   <a:srgbClr val="000000"/>
                 </a:solidFill>
@@ -3770,15 +4014,15 @@
               </a:rPr>
               <a:t>Dritte Ebene</a:t>
             </a:r>
-            <a:endParaRPr b="0" lang="en-CH" sz="2000" spc="-1" strike="noStrike">
-              <a:solidFill>
-                <a:srgbClr val="000000"/>
-              </a:solidFill>
-              <a:latin typeface="Calibri"/>
-            </a:endParaRPr>
-          </a:p>
-          <a:p>
-            <a:pPr lvl="3" marL="1600200" indent="-228240">
+            <a:endParaRPr lang="en-CH" sz="2000" b="0" strike="noStrike" spc="-1">
+              <a:solidFill>
+                <a:srgbClr val="000000"/>
+              </a:solidFill>
+              <a:latin typeface="Calibri"/>
+            </a:endParaRPr>
+          </a:p>
+          <a:p>
+            <a:pPr marL="1600200" lvl="3" indent="-228240">
               <a:lnSpc>
                 <a:spcPct val="90000"/>
               </a:lnSpc>
@@ -3792,7 +4036,7 @@
               <a:buChar char="•"/>
             </a:pPr>
             <a:r>
-              <a:rPr b="0" lang="de-DE" sz="1800" spc="-1" strike="noStrike">
+              <a:rPr lang="de-DE" sz="1800" b="0" strike="noStrike" spc="-1">
                 <a:solidFill>
                   <a:srgbClr val="000000"/>
                 </a:solidFill>
@@ -3800,15 +4044,15 @@
               </a:rPr>
               <a:t>Vierte Ebene</a:t>
             </a:r>
-            <a:endParaRPr b="0" lang="en-CH" sz="1800" spc="-1" strike="noStrike">
-              <a:solidFill>
-                <a:srgbClr val="000000"/>
-              </a:solidFill>
-              <a:latin typeface="Calibri"/>
-            </a:endParaRPr>
-          </a:p>
-          <a:p>
-            <a:pPr lvl="4" marL="2057400" indent="-228240">
+            <a:endParaRPr lang="en-CH" sz="1800" b="0" strike="noStrike" spc="-1">
+              <a:solidFill>
+                <a:srgbClr val="000000"/>
+              </a:solidFill>
+              <a:latin typeface="Calibri"/>
+            </a:endParaRPr>
+          </a:p>
+          <a:p>
+            <a:pPr marL="2057400" lvl="4" indent="-228240">
               <a:lnSpc>
                 <a:spcPct val="90000"/>
               </a:lnSpc>
@@ -3822,7 +4066,7 @@
               <a:buChar char="•"/>
             </a:pPr>
             <a:r>
-              <a:rPr b="0" lang="de-DE" sz="1800" spc="-1" strike="noStrike">
+              <a:rPr lang="de-DE" sz="1800" b="0" strike="noStrike" spc="-1">
                 <a:solidFill>
                   <a:srgbClr val="000000"/>
                 </a:solidFill>
@@ -3830,7 +4074,7 @@
               </a:rPr>
               <a:t>Fünfte Ebene</a:t>
             </a:r>
-            <a:endParaRPr b="0" lang="en-CH" sz="1800" spc="-1" strike="noStrike">
+            <a:endParaRPr lang="en-CH" sz="1800" b="0" strike="noStrike" spc="-1">
               <a:solidFill>
                 <a:srgbClr val="000000"/>
               </a:solidFill>
@@ -3862,6 +4106,7 @@
           <a:bodyPr anchor="ctr">
             <a:noAutofit/>
           </a:bodyPr>
+          <a:lstStyle/>
           <a:p>
             <a:pPr>
               <a:lnSpc>
@@ -3869,15 +4114,15 @@
               </a:lnSpc>
             </a:pPr>
             <a:fld id="{CA408B1B-BD00-48C5-982A-2A05689AC3CF}" type="datetime">
-              <a:rPr b="0" lang="en-CH" sz="1200" spc="-1" strike="noStrike">
+              <a:rPr lang="en-CH" sz="1200" b="0" strike="noStrike" spc="-1">
                 <a:solidFill>
-                  <a:srgbClr val="8b8b8b"/>
+                  <a:srgbClr val="8B8B8B"/>
                 </a:solidFill>
                 <a:latin typeface="Calibri"/>
               </a:rPr>
-              <a:t>5/29/22</a:t>
+              <a:t>29/05/2022</a:t>
             </a:fld>
-            <a:endParaRPr b="0" lang="en-US" sz="1200" spc="-1" strike="noStrike">
+            <a:endParaRPr lang="en-US" sz="1200" b="0" strike="noStrike" spc="-1">
               <a:latin typeface="Times New Roman"/>
             </a:endParaRPr>
           </a:p>
@@ -3906,8 +4151,9 @@
           <a:bodyPr anchor="ctr">
             <a:noAutofit/>
           </a:bodyPr>
-          <a:p>
-            <a:endParaRPr b="0" lang="en-US" sz="2400" spc="-1" strike="noStrike">
+          <a:lstStyle/>
+          <a:p>
+            <a:endParaRPr lang="en-US" sz="2400" b="0" strike="noStrike" spc="-1">
               <a:latin typeface="Times New Roman"/>
             </a:endParaRPr>
           </a:p>
@@ -3936,6 +4182,7 @@
           <a:bodyPr anchor="ctr">
             <a:noAutofit/>
           </a:bodyPr>
+          <a:lstStyle/>
           <a:p>
             <a:pPr algn="r">
               <a:lnSpc>
@@ -3943,15 +4190,15 @@
               </a:lnSpc>
             </a:pPr>
             <a:fld id="{D5006F8D-DD0A-4CCD-BBA0-BDAC13927917}" type="slidenum">
-              <a:rPr b="0" lang="en-CH" sz="1200" spc="-1" strike="noStrike">
+              <a:rPr lang="en-CH" sz="1200" b="0" strike="noStrike" spc="-1">
                 <a:solidFill>
-                  <a:srgbClr val="8b8b8b"/>
+                  <a:srgbClr val="8B8B8B"/>
                 </a:solidFill>
                 <a:latin typeface="Calibri"/>
               </a:rPr>
-              <a:t>&lt;number&gt;</a:t>
+              <a:t>‹Nr.›</a:t>
             </a:fld>
-            <a:endParaRPr b="0" lang="en-US" sz="1200" spc="-1" strike="noStrike">
+            <a:endParaRPr lang="en-US" sz="1200" b="0" strike="noStrike" spc="-1">
               <a:latin typeface="Times New Roman"/>
             </a:endParaRPr>
           </a:p>
@@ -3959,32 +4206,313 @@
       </p:sp>
     </p:spTree>
   </p:cSld>
-  <p:clrMap bg1="lt1" bg2="lt2" tx1="dk1" tx2="dk2" accent1="accent1" accent2="accent2" accent3="accent3" accent4="accent4" accent5="accent5" accent6="accent6" hlink="hlink" folHlink="folHlink"/>
+  <p:clrMap bg1="lt1" tx1="dk1" bg2="lt2" tx2="dk2" accent1="accent1" accent2="accent2" accent3="accent3" accent4="accent4" accent5="accent5" accent6="accent6" hlink="hlink" folHlink="folHlink"/>
   <p:sldLayoutIdLst>
-    <p:sldLayoutId id="2147483662" r:id="rId2"/>
-    <p:sldLayoutId id="2147483663" r:id="rId3"/>
-    <p:sldLayoutId id="2147483664" r:id="rId4"/>
-    <p:sldLayoutId id="2147483665" r:id="rId5"/>
-    <p:sldLayoutId id="2147483666" r:id="rId6"/>
-    <p:sldLayoutId id="2147483667" r:id="rId7"/>
-    <p:sldLayoutId id="2147483668" r:id="rId8"/>
-    <p:sldLayoutId id="2147483669" r:id="rId9"/>
-    <p:sldLayoutId id="2147483670" r:id="rId10"/>
-    <p:sldLayoutId id="2147483671" r:id="rId11"/>
-    <p:sldLayoutId id="2147483672" r:id="rId12"/>
-    <p:sldLayoutId id="2147483673" r:id="rId13"/>
+    <p:sldLayoutId id="2147483662" r:id="rId1"/>
+    <p:sldLayoutId id="2147483663" r:id="rId2"/>
+    <p:sldLayoutId id="2147483664" r:id="rId3"/>
+    <p:sldLayoutId id="2147483665" r:id="rId4"/>
+    <p:sldLayoutId id="2147483666" r:id="rId5"/>
+    <p:sldLayoutId id="2147483667" r:id="rId6"/>
+    <p:sldLayoutId id="2147483668" r:id="rId7"/>
+    <p:sldLayoutId id="2147483669" r:id="rId8"/>
+    <p:sldLayoutId id="2147483670" r:id="rId9"/>
+    <p:sldLayoutId id="2147483671" r:id="rId10"/>
+    <p:sldLayoutId id="2147483672" r:id="rId11"/>
+    <p:sldLayoutId id="2147483673" r:id="rId12"/>
   </p:sldLayoutIdLst>
+  <p:txStyles>
+    <p:titleStyle>
+      <a:lvl1pPr algn="l" defTabSz="914400" rtl="0" eaLnBrk="1" latinLnBrk="0" hangingPunct="1">
+        <a:lnSpc>
+          <a:spcPct val="90000"/>
+        </a:lnSpc>
+        <a:spcBef>
+          <a:spcPct val="0"/>
+        </a:spcBef>
+        <a:buNone/>
+        <a:defRPr sz="4400" kern="1200">
+          <a:solidFill>
+            <a:schemeClr val="tx1"/>
+          </a:solidFill>
+          <a:latin typeface="+mj-lt"/>
+          <a:ea typeface="+mj-ea"/>
+          <a:cs typeface="+mj-cs"/>
+        </a:defRPr>
+      </a:lvl1pPr>
+    </p:titleStyle>
+    <p:bodyStyle>
+      <a:lvl1pPr marL="228600" indent="-228600" algn="l" defTabSz="914400" rtl="0" eaLnBrk="1" latinLnBrk="0" hangingPunct="1">
+        <a:lnSpc>
+          <a:spcPct val="90000"/>
+        </a:lnSpc>
+        <a:spcBef>
+          <a:spcPts val="1000"/>
+        </a:spcBef>
+        <a:buFont typeface="Arial" panose="020B0604020202020204" pitchFamily="34" charset="0"/>
+        <a:buChar char="•"/>
+        <a:defRPr sz="2800" kern="1200">
+          <a:solidFill>
+            <a:schemeClr val="tx1"/>
+          </a:solidFill>
+          <a:latin typeface="+mn-lt"/>
+          <a:ea typeface="+mn-ea"/>
+          <a:cs typeface="+mn-cs"/>
+        </a:defRPr>
+      </a:lvl1pPr>
+      <a:lvl2pPr marL="685800" indent="-228600" algn="l" defTabSz="914400" rtl="0" eaLnBrk="1" latinLnBrk="0" hangingPunct="1">
+        <a:lnSpc>
+          <a:spcPct val="90000"/>
+        </a:lnSpc>
+        <a:spcBef>
+          <a:spcPts val="500"/>
+        </a:spcBef>
+        <a:buFont typeface="Arial" panose="020B0604020202020204" pitchFamily="34" charset="0"/>
+        <a:buChar char="•"/>
+        <a:defRPr sz="2400" kern="1200">
+          <a:solidFill>
+            <a:schemeClr val="tx1"/>
+          </a:solidFill>
+          <a:latin typeface="+mn-lt"/>
+          <a:ea typeface="+mn-ea"/>
+          <a:cs typeface="+mn-cs"/>
+        </a:defRPr>
+      </a:lvl2pPr>
+      <a:lvl3pPr marL="1143000" indent="-228600" algn="l" defTabSz="914400" rtl="0" eaLnBrk="1" latinLnBrk="0" hangingPunct="1">
+        <a:lnSpc>
+          <a:spcPct val="90000"/>
+        </a:lnSpc>
+        <a:spcBef>
+          <a:spcPts val="500"/>
+        </a:spcBef>
+        <a:buFont typeface="Arial" panose="020B0604020202020204" pitchFamily="34" charset="0"/>
+        <a:buChar char="•"/>
+        <a:defRPr sz="2000" kern="1200">
+          <a:solidFill>
+            <a:schemeClr val="tx1"/>
+          </a:solidFill>
+          <a:latin typeface="+mn-lt"/>
+          <a:ea typeface="+mn-ea"/>
+          <a:cs typeface="+mn-cs"/>
+        </a:defRPr>
+      </a:lvl3pPr>
+      <a:lvl4pPr marL="1600200" indent="-228600" algn="l" defTabSz="914400" rtl="0" eaLnBrk="1" latinLnBrk="0" hangingPunct="1">
+        <a:lnSpc>
+          <a:spcPct val="90000"/>
+        </a:lnSpc>
+        <a:spcBef>
+          <a:spcPts val="500"/>
+        </a:spcBef>
+        <a:buFont typeface="Arial" panose="020B0604020202020204" pitchFamily="34" charset="0"/>
+        <a:buChar char="•"/>
+        <a:defRPr sz="1800" kern="1200">
+          <a:solidFill>
+            <a:schemeClr val="tx1"/>
+          </a:solidFill>
+          <a:latin typeface="+mn-lt"/>
+          <a:ea typeface="+mn-ea"/>
+          <a:cs typeface="+mn-cs"/>
+        </a:defRPr>
+      </a:lvl4pPr>
+      <a:lvl5pPr marL="2057400" indent="-228600" algn="l" defTabSz="914400" rtl="0" eaLnBrk="1" latinLnBrk="0" hangingPunct="1">
+        <a:lnSpc>
+          <a:spcPct val="90000"/>
+        </a:lnSpc>
+        <a:spcBef>
+          <a:spcPts val="500"/>
+        </a:spcBef>
+        <a:buFont typeface="Arial" panose="020B0604020202020204" pitchFamily="34" charset="0"/>
+        <a:buChar char="•"/>
+        <a:defRPr sz="1800" kern="1200">
+          <a:solidFill>
+            <a:schemeClr val="tx1"/>
+          </a:solidFill>
+          <a:latin typeface="+mn-lt"/>
+          <a:ea typeface="+mn-ea"/>
+          <a:cs typeface="+mn-cs"/>
+        </a:defRPr>
+      </a:lvl5pPr>
+      <a:lvl6pPr marL="2514600" indent="-228600" algn="l" defTabSz="914400" rtl="0" eaLnBrk="1" latinLnBrk="0" hangingPunct="1">
+        <a:lnSpc>
+          <a:spcPct val="90000"/>
+        </a:lnSpc>
+        <a:spcBef>
+          <a:spcPts val="500"/>
+        </a:spcBef>
+        <a:buFont typeface="Arial" panose="020B0604020202020204" pitchFamily="34" charset="0"/>
+        <a:buChar char="•"/>
+        <a:defRPr sz="1800" kern="1200">
+          <a:solidFill>
+            <a:schemeClr val="tx1"/>
+          </a:solidFill>
+          <a:latin typeface="+mn-lt"/>
+          <a:ea typeface="+mn-ea"/>
+          <a:cs typeface="+mn-cs"/>
+        </a:defRPr>
+      </a:lvl6pPr>
+      <a:lvl7pPr marL="2971800" indent="-228600" algn="l" defTabSz="914400" rtl="0" eaLnBrk="1" latinLnBrk="0" hangingPunct="1">
+        <a:lnSpc>
+          <a:spcPct val="90000"/>
+        </a:lnSpc>
+        <a:spcBef>
+          <a:spcPts val="500"/>
+        </a:spcBef>
+        <a:buFont typeface="Arial" panose="020B0604020202020204" pitchFamily="34" charset="0"/>
+        <a:buChar char="•"/>
+        <a:defRPr sz="1800" kern="1200">
+          <a:solidFill>
+            <a:schemeClr val="tx1"/>
+          </a:solidFill>
+          <a:latin typeface="+mn-lt"/>
+          <a:ea typeface="+mn-ea"/>
+          <a:cs typeface="+mn-cs"/>
+        </a:defRPr>
+      </a:lvl7pPr>
+      <a:lvl8pPr marL="3429000" indent="-228600" algn="l" defTabSz="914400" rtl="0" eaLnBrk="1" latinLnBrk="0" hangingPunct="1">
+        <a:lnSpc>
+          <a:spcPct val="90000"/>
+        </a:lnSpc>
+        <a:spcBef>
+          <a:spcPts val="500"/>
+        </a:spcBef>
+        <a:buFont typeface="Arial" panose="020B0604020202020204" pitchFamily="34" charset="0"/>
+        <a:buChar char="•"/>
+        <a:defRPr sz="1800" kern="1200">
+          <a:solidFill>
+            <a:schemeClr val="tx1"/>
+          </a:solidFill>
+          <a:latin typeface="+mn-lt"/>
+          <a:ea typeface="+mn-ea"/>
+          <a:cs typeface="+mn-cs"/>
+        </a:defRPr>
+      </a:lvl8pPr>
+      <a:lvl9pPr marL="3886200" indent="-228600" algn="l" defTabSz="914400" rtl="0" eaLnBrk="1" latinLnBrk="0" hangingPunct="1">
+        <a:lnSpc>
+          <a:spcPct val="90000"/>
+        </a:lnSpc>
+        <a:spcBef>
+          <a:spcPts val="500"/>
+        </a:spcBef>
+        <a:buFont typeface="Arial" panose="020B0604020202020204" pitchFamily="34" charset="0"/>
+        <a:buChar char="•"/>
+        <a:defRPr sz="1800" kern="1200">
+          <a:solidFill>
+            <a:schemeClr val="tx1"/>
+          </a:solidFill>
+          <a:latin typeface="+mn-lt"/>
+          <a:ea typeface="+mn-ea"/>
+          <a:cs typeface="+mn-cs"/>
+        </a:defRPr>
+      </a:lvl9pPr>
+    </p:bodyStyle>
+    <p:otherStyle>
+      <a:defPPr>
+        <a:defRPr lang="en-CH"/>
+      </a:defPPr>
+      <a:lvl1pPr marL="0" algn="l" defTabSz="914400" rtl="0" eaLnBrk="1" latinLnBrk="0" hangingPunct="1">
+        <a:defRPr sz="1800" kern="1200">
+          <a:solidFill>
+            <a:schemeClr val="tx1"/>
+          </a:solidFill>
+          <a:latin typeface="+mn-lt"/>
+          <a:ea typeface="+mn-ea"/>
+          <a:cs typeface="+mn-cs"/>
+        </a:defRPr>
+      </a:lvl1pPr>
+      <a:lvl2pPr marL="457200" algn="l" defTabSz="914400" rtl="0" eaLnBrk="1" latinLnBrk="0" hangingPunct="1">
+        <a:defRPr sz="1800" kern="1200">
+          <a:solidFill>
+            <a:schemeClr val="tx1"/>
+          </a:solidFill>
+          <a:latin typeface="+mn-lt"/>
+          <a:ea typeface="+mn-ea"/>
+          <a:cs typeface="+mn-cs"/>
+        </a:defRPr>
+      </a:lvl2pPr>
+      <a:lvl3pPr marL="914400" algn="l" defTabSz="914400" rtl="0" eaLnBrk="1" latinLnBrk="0" hangingPunct="1">
+        <a:defRPr sz="1800" kern="1200">
+          <a:solidFill>
+            <a:schemeClr val="tx1"/>
+          </a:solidFill>
+          <a:latin typeface="+mn-lt"/>
+          <a:ea typeface="+mn-ea"/>
+          <a:cs typeface="+mn-cs"/>
+        </a:defRPr>
+      </a:lvl3pPr>
+      <a:lvl4pPr marL="1371600" algn="l" defTabSz="914400" rtl="0" eaLnBrk="1" latinLnBrk="0" hangingPunct="1">
+        <a:defRPr sz="1800" kern="1200">
+          <a:solidFill>
+            <a:schemeClr val="tx1"/>
+          </a:solidFill>
+          <a:latin typeface="+mn-lt"/>
+          <a:ea typeface="+mn-ea"/>
+          <a:cs typeface="+mn-cs"/>
+        </a:defRPr>
+      </a:lvl4pPr>
+      <a:lvl5pPr marL="1828800" algn="l" defTabSz="914400" rtl="0" eaLnBrk="1" latinLnBrk="0" hangingPunct="1">
+        <a:defRPr sz="1800" kern="1200">
+          <a:solidFill>
+            <a:schemeClr val="tx1"/>
+          </a:solidFill>
+          <a:latin typeface="+mn-lt"/>
+          <a:ea typeface="+mn-ea"/>
+          <a:cs typeface="+mn-cs"/>
+        </a:defRPr>
+      </a:lvl5pPr>
+      <a:lvl6pPr marL="2286000" algn="l" defTabSz="914400" rtl="0" eaLnBrk="1" latinLnBrk="0" hangingPunct="1">
+        <a:defRPr sz="1800" kern="1200">
+          <a:solidFill>
+            <a:schemeClr val="tx1"/>
+          </a:solidFill>
+          <a:latin typeface="+mn-lt"/>
+          <a:ea typeface="+mn-ea"/>
+          <a:cs typeface="+mn-cs"/>
+        </a:defRPr>
+      </a:lvl6pPr>
+      <a:lvl7pPr marL="2743200" algn="l" defTabSz="914400" rtl="0" eaLnBrk="1" latinLnBrk="0" hangingPunct="1">
+        <a:defRPr sz="1800" kern="1200">
+          <a:solidFill>
+            <a:schemeClr val="tx1"/>
+          </a:solidFill>
+          <a:latin typeface="+mn-lt"/>
+          <a:ea typeface="+mn-ea"/>
+          <a:cs typeface="+mn-cs"/>
+        </a:defRPr>
+      </a:lvl7pPr>
+      <a:lvl8pPr marL="3200400" algn="l" defTabSz="914400" rtl="0" eaLnBrk="1" latinLnBrk="0" hangingPunct="1">
+        <a:defRPr sz="1800" kern="1200">
+          <a:solidFill>
+            <a:schemeClr val="tx1"/>
+          </a:solidFill>
+          <a:latin typeface="+mn-lt"/>
+          <a:ea typeface="+mn-ea"/>
+          <a:cs typeface="+mn-cs"/>
+        </a:defRPr>
+      </a:lvl8pPr>
+      <a:lvl9pPr marL="3657600" algn="l" defTabSz="914400" rtl="0" eaLnBrk="1" latinLnBrk="0" hangingPunct="1">
+        <a:defRPr sz="1800" kern="1200">
+          <a:solidFill>
+            <a:schemeClr val="tx1"/>
+          </a:solidFill>
+          <a:latin typeface="+mn-lt"/>
+          <a:ea typeface="+mn-ea"/>
+          <a:cs typeface="+mn-cs"/>
+        </a:defRPr>
+      </a:lvl9pPr>
+    </p:otherStyle>
+  </p:txStyles>
 </p:sldMaster>
 </file>
 
 <file path=ppt/slides/slide1.xml><?xml version="1.0" encoding="utf-8"?>
-<p:sld xmlns:a="http://schemas.openxmlformats.org/drawingml/2006/main" xmlns:p="http://schemas.openxmlformats.org/presentationml/2006/main" xmlns:r="http://schemas.openxmlformats.org/officeDocument/2006/relationships" xmlns:p14="http://schemas.microsoft.com/office/powerpoint/2010/main" xmlns:p15="http://schemas.microsoft.com/office/powerpoint/2012/main" xmlns:mc="http://schemas.openxmlformats.org/markup-compatibility/2006">
+<p:sld xmlns:a="http://schemas.openxmlformats.org/drawingml/2006/main" xmlns:r="http://schemas.openxmlformats.org/officeDocument/2006/relationships" xmlns:p="http://schemas.openxmlformats.org/presentationml/2006/main">
   <p:cSld>
     <p:bg>
       <p:bgPr>
         <a:solidFill>
-          <a:srgbClr val="ffffff"/>
+          <a:srgbClr val="FFFFFF"/>
         </a:solidFill>
+        <a:effectLst/>
       </p:bgPr>
     </p:bg>
     <p:spTree>
@@ -4052,6 +4580,7 @@
             <a:avLst/>
             <a:gdLst/>
             <a:ahLst/>
+            <a:cxnLst/>
             <a:rect l="l" t="t" r="r" b="b"/>
             <a:pathLst>
               <a:path w="2424873" h="3611191">
@@ -4110,6 +4639,7 @@
             <a:avLst/>
             <a:gdLst/>
             <a:ahLst/>
+            <a:cxnLst/>
             <a:rect l="l" t="t" r="r" b="b"/>
             <a:pathLst>
               <a:path w="1635955" h="1635955">
@@ -4171,6 +4701,7 @@
             <a:avLst/>
             <a:gdLst/>
             <a:ahLst/>
+            <a:cxnLst/>
             <a:rect l="l" t="t" r="r" b="b"/>
             <a:pathLst>
               <a:path w="4059393" h="2548110">
@@ -4267,6 +4798,7 @@
             <a:avLst/>
             <a:gdLst/>
             <a:ahLst/>
+            <a:cxnLst/>
             <a:rect l="l" t="t" r="r" b="b"/>
             <a:pathLst>
               <a:path w="2203753" h="2132734">
@@ -4366,6 +4898,7 @@
             <a:avLst/>
             <a:gdLst/>
             <a:ahLst/>
+            <a:cxnLst/>
             <a:rect l="l" t="t" r="r" b="b"/>
             <a:pathLst>
               <a:path w="5389379" h="5389379">
@@ -4392,7 +4925,7 @@
             </a:pathLst>
           </a:custGeom>
           <a:solidFill>
-            <a:srgbClr val="ffffff"/>
+            <a:srgbClr val="FFFFFF"/>
           </a:solidFill>
           <a:ln>
             <a:noFill/>
@@ -4428,6 +4961,7 @@
             <a:avLst/>
             <a:gdLst/>
             <a:ahLst/>
+            <a:cxnLst/>
             <a:rect l="l" t="t" r="r" b="b"/>
             <a:pathLst>
               <a:path w="6791435" h="6791435">
@@ -4473,7 +5007,7 @@
             </a:pathLst>
           </a:custGeom>
           <a:solidFill>
-            <a:srgbClr val="ffffff">
+            <a:srgbClr val="FFFFFF">
               <a:alpha val="60000"/>
             </a:srgbClr>
           </a:solidFill>
@@ -4519,6 +5053,7 @@
           <a:bodyPr>
             <a:normAutofit/>
           </a:bodyPr>
+          <a:lstStyle/>
           <a:p>
             <a:pPr algn="ctr">
               <a:lnSpc>
@@ -4528,11 +5063,11 @@
                 <a:spcPts val="1001"/>
               </a:spcBef>
               <a:tabLst>
-                <a:tab algn="l" pos="0"/>
+                <a:tab pos="0" algn="l"/>
               </a:tabLst>
             </a:pPr>
             <a:r>
-              <a:rPr b="0" lang="en-GB" sz="2000" spc="-1" strike="noStrike">
+              <a:rPr lang="en-GB" sz="2000" b="0" strike="noStrike" spc="-1">
                 <a:solidFill>
                   <a:srgbClr val="080808"/>
                 </a:solidFill>
@@ -4540,7 +5075,7 @@
               </a:rPr>
               <a:t>Peter Schmucki, Joshua Villing, Kevin Zellweger</a:t>
             </a:r>
-            <a:endParaRPr b="0" lang="en-US" sz="2000" spc="-1" strike="noStrike">
+            <a:endParaRPr lang="en-US" sz="2000" b="0" strike="noStrike" spc="-1">
               <a:latin typeface="Arial"/>
             </a:endParaRPr>
           </a:p>
@@ -4569,6 +5104,7 @@
           <a:bodyPr anchor="ctr">
             <a:normAutofit/>
           </a:bodyPr>
+          <a:lstStyle/>
           <a:p>
             <a:pPr algn="ctr">
               <a:lnSpc>
@@ -4576,7 +5112,7 @@
               </a:lnSpc>
             </a:pPr>
             <a:r>
-              <a:rPr b="0" lang="en-GB" sz="3600" spc="-1" strike="noStrike">
+              <a:rPr lang="en-GB" sz="3600" b="0" strike="noStrike" spc="-1">
                 <a:solidFill>
                   <a:srgbClr val="080808"/>
                 </a:solidFill>
@@ -4586,7 +5122,7 @@
             </a:r>
             <a:br/>
             <a:r>
-              <a:rPr b="0" lang="en-GB" sz="3600" spc="-1" strike="noStrike">
+              <a:rPr lang="en-GB" sz="3600" b="0" strike="noStrike" spc="-1">
                 <a:solidFill>
                   <a:srgbClr val="080808"/>
                 </a:solidFill>
@@ -4594,7 +5130,7 @@
               </a:rPr>
               <a:t>Schlusspräsentation</a:t>
             </a:r>
-            <a:endParaRPr b="0" lang="en-CH" sz="3600" spc="-1" strike="noStrike">
+            <a:endParaRPr lang="en-CH" sz="3600" b="0" strike="noStrike" spc="-1">
               <a:solidFill>
                 <a:srgbClr val="000000"/>
               </a:solidFill>
@@ -4618,6 +5154,7 @@
             <a:avLst/>
             <a:gdLst/>
             <a:ahLst/>
+            <a:cxnLst/>
             <a:rect l="l" t="t" r="r" b="b"/>
             <a:pathLst>
               <a:path w="2940086" h="3384061">
@@ -4701,14 +5238,9 @@
       </p:sp>
     </p:spTree>
   </p:cSld>
-  <mc:AlternateContent>
-    <mc:Choice Requires="p14">
-      <p:transition spd="slow" p14:dur="2000"/>
-    </mc:Choice>
-    <mc:Fallback>
-      <p:transition spd="slow"/>
-    </mc:Fallback>
-  </mc:AlternateContent>
+  <p:clrMapOvr>
+    <a:masterClrMapping/>
+  </p:clrMapOvr>
   <p:timing>
     <p:tnLst>
       <p:par>
@@ -4730,11 +5262,11 @@
                             </p:stCondLst>
                             <p:childTnLst>
                               <p:par>
-                                <p:cTn id="5" nodeType="withEffect" fill="hold" presetClass="entr" presetID="10">
+                                <p:cTn id="5" presetID="10" presetClass="entr" fill="hold" nodeType="withEffect">
                                   <p:stCondLst>
                                     <p:cond delay="500"/>
                                   </p:stCondLst>
-                                  <p:iterate type="el">
+                                  <p:iterate>
                                     <p:tmAbs val="100"/>
                                   </p:iterate>
                                   <p:childTnLst>
@@ -4756,7 +5288,7 @@
                                         <p:strVal val="visible"/>
                                       </p:to>
                                     </p:set>
-                                    <p:animEffect filter="fade" transition="in">
+                                    <p:animEffect transition="in" filter="fade">
                                       <p:cBhvr additive="repl">
                                         <p:cTn id="7" dur="700"/>
                                         <p:tgtEl>
@@ -4768,11 +5300,11 @@
                                 </p:cTn>
                               </p:par>
                               <p:par>
-                                <p:cTn id="8" nodeType="withEffect" fill="hold" presetClass="entr" presetID="10">
+                                <p:cTn id="8" presetID="10" presetClass="entr" fill="hold" nodeType="withEffect">
                                   <p:stCondLst>
                                     <p:cond delay="1000"/>
                                   </p:stCondLst>
-                                  <p:iterate type="el">
+                                  <p:iterate>
                                     <p:tmAbs val="100"/>
                                   </p:iterate>
                                   <p:childTnLst>
@@ -4798,7 +5330,7 @@
                                         <p:strVal val="visible"/>
                                       </p:to>
                                     </p:set>
-                                    <p:animEffect filter="fade" transition="in">
+                                    <p:animEffect transition="in" filter="fade">
                                       <p:cBhvr additive="repl">
                                         <p:cTn id="10" dur="700"/>
                                         <p:tgtEl>
@@ -4822,14 +5354,14 @@
                 </p:childTnLst>
               </p:cTn>
               <p:prevCondLst>
-                <p:cond evt="onPrev">
+                <p:cond evt="onPrev" delay="0">
                   <p:tgtEl>
                     <p:sldTgt/>
                   </p:tgtEl>
                 </p:cond>
               </p:prevCondLst>
               <p:nextCondLst>
-                <p:cond evt="onNext">
+                <p:cond evt="onNext" delay="0">
                   <p:tgtEl>
                     <p:sldTgt/>
                   </p:tgtEl>
@@ -4845,13 +5377,14 @@
 </file>
 
 <file path=ppt/slides/slide10.xml><?xml version="1.0" encoding="utf-8"?>
-<p:sld xmlns:a="http://schemas.openxmlformats.org/drawingml/2006/main" xmlns:p="http://schemas.openxmlformats.org/presentationml/2006/main" xmlns:r="http://schemas.openxmlformats.org/officeDocument/2006/relationships" xmlns:p14="http://schemas.microsoft.com/office/powerpoint/2010/main" xmlns:p15="http://schemas.microsoft.com/office/powerpoint/2012/main" xmlns:mc="http://schemas.openxmlformats.org/markup-compatibility/2006">
+<p:sld xmlns:a="http://schemas.openxmlformats.org/drawingml/2006/main" xmlns:r="http://schemas.openxmlformats.org/officeDocument/2006/relationships" xmlns:p="http://schemas.openxmlformats.org/presentationml/2006/main">
   <p:cSld>
     <p:bg>
       <p:bgPr>
         <a:solidFill>
-          <a:srgbClr val="ffffff"/>
+          <a:srgbClr val="FFFFFF"/>
         </a:solidFill>
+        <a:effectLst/>
       </p:bgPr>
     </p:bg>
     <p:spTree>
@@ -4870,6 +5403,1106 @@
       </p:grpSpPr>
       <p:sp>
         <p:nvSpPr>
+          <p:cNvPr id="145" name="TextShape 2"/>
+          <p:cNvSpPr txBox="1"/>
+          <p:nvPr/>
+        </p:nvSpPr>
+        <p:spPr>
+          <a:xfrm>
+            <a:off x="643320" y="321840"/>
+            <a:ext cx="10904760" cy="1135440"/>
+          </a:xfrm>
+          <a:prstGeom prst="rect">
+            <a:avLst/>
+          </a:prstGeom>
+          <a:noFill/>
+          <a:ln>
+            <a:noFill/>
+          </a:ln>
+        </p:spPr>
+        <p:txBody>
+          <a:bodyPr anchor="ctr">
+            <a:normAutofit/>
+          </a:bodyPr>
+          <a:lstStyle/>
+          <a:p>
+            <a:pPr>
+              <a:lnSpc>
+                <a:spcPct val="90000"/>
+              </a:lnSpc>
+            </a:pPr>
+            <a:r>
+              <a:rPr lang="en-GB" sz="3600" b="0" strike="noStrike" spc="-1" dirty="0" err="1">
+                <a:solidFill>
+                  <a:srgbClr val="000000"/>
+                </a:solidFill>
+                <a:latin typeface="Calibri Light"/>
+              </a:rPr>
+              <a:t>Probleme</a:t>
+            </a:r>
+            <a:endParaRPr lang="en-CH" sz="3600" b="0" strike="noStrike" spc="-1" dirty="0">
+              <a:solidFill>
+                <a:srgbClr val="000000"/>
+              </a:solidFill>
+              <a:latin typeface="Calibri"/>
+            </a:endParaRPr>
+          </a:p>
+        </p:txBody>
+      </p:sp>
+      <p:sp>
+        <p:nvSpPr>
+          <p:cNvPr id="146" name="TextShape 3"/>
+          <p:cNvSpPr txBox="1"/>
+          <p:nvPr/>
+        </p:nvSpPr>
+        <p:spPr>
+          <a:xfrm>
+            <a:off x="1383876" y="2147858"/>
+            <a:ext cx="7876640" cy="3153849"/>
+          </a:xfrm>
+          <a:prstGeom prst="rect">
+            <a:avLst/>
+          </a:prstGeom>
+          <a:noFill/>
+          <a:ln>
+            <a:noFill/>
+          </a:ln>
+        </p:spPr>
+        <p:txBody>
+          <a:bodyPr>
+            <a:normAutofit/>
+          </a:bodyPr>
+          <a:lstStyle/>
+          <a:p>
+            <a:endParaRPr lang="en-CH" sz="2800" b="0" strike="noStrike" spc="-1" dirty="0">
+              <a:solidFill>
+                <a:srgbClr val="000000"/>
+              </a:solidFill>
+              <a:latin typeface="Calibri"/>
+            </a:endParaRPr>
+          </a:p>
+        </p:txBody>
+      </p:sp>
+      <p:grpSp>
+        <p:nvGrpSpPr>
+          <p:cNvPr id="147" name="Group 4"/>
+          <p:cNvGrpSpPr/>
+          <p:nvPr/>
+        </p:nvGrpSpPr>
+        <p:grpSpPr>
+          <a:xfrm>
+            <a:off x="360" y="4601520"/>
+            <a:ext cx="1013760" cy="2017080"/>
+            <a:chOff x="360" y="4601520"/>
+            <a:chExt cx="1013760" cy="2017080"/>
+          </a:xfrm>
+        </p:grpSpPr>
+        <p:sp>
+          <p:nvSpPr>
+            <p:cNvPr id="148" name="CustomShape 5"/>
+            <p:cNvSpPr/>
+            <p:nvPr/>
+          </p:nvSpPr>
+          <p:spPr>
+            <a:xfrm rot="5400000">
+              <a:off x="-501120" y="5103000"/>
+              <a:ext cx="2017080" cy="1013760"/>
+            </a:xfrm>
+            <a:prstGeom prst="triangle">
+              <a:avLst>
+                <a:gd name="adj" fmla="val 50000"/>
+              </a:avLst>
+            </a:prstGeom>
+            <a:solidFill>
+              <a:schemeClr val="accent1">
+                <a:alpha val="30000"/>
+              </a:schemeClr>
+            </a:solidFill>
+            <a:ln>
+              <a:noFill/>
+            </a:ln>
+          </p:spPr>
+          <p:style>
+            <a:lnRef idx="2">
+              <a:schemeClr val="accent1">
+                <a:shade val="50000"/>
+              </a:schemeClr>
+            </a:lnRef>
+            <a:fillRef idx="1">
+              <a:schemeClr val="accent1"/>
+            </a:fillRef>
+            <a:effectRef idx="0">
+              <a:schemeClr val="accent1"/>
+            </a:effectRef>
+            <a:fontRef idx="minor"/>
+          </p:style>
+        </p:sp>
+        <p:sp>
+          <p:nvSpPr>
+            <p:cNvPr id="149" name="CustomShape 6"/>
+            <p:cNvSpPr/>
+            <p:nvPr/>
+          </p:nvSpPr>
+          <p:spPr>
+            <a:xfrm rot="2700000">
+              <a:off x="427680" y="5728680"/>
+              <a:ext cx="485280" cy="485280"/>
+            </a:xfrm>
+            <a:prstGeom prst="rect">
+              <a:avLst/>
+            </a:prstGeom>
+            <a:solidFill>
+              <a:schemeClr val="accent1">
+                <a:alpha val="30000"/>
+              </a:schemeClr>
+            </a:solidFill>
+            <a:ln>
+              <a:noFill/>
+            </a:ln>
+          </p:spPr>
+          <p:style>
+            <a:lnRef idx="2">
+              <a:schemeClr val="accent1">
+                <a:shade val="50000"/>
+              </a:schemeClr>
+            </a:lnRef>
+            <a:fillRef idx="1">
+              <a:schemeClr val="accent1"/>
+            </a:fillRef>
+            <a:effectRef idx="0">
+              <a:schemeClr val="accent1"/>
+            </a:effectRef>
+            <a:fontRef idx="minor"/>
+          </p:style>
+        </p:sp>
+      </p:grpSp>
+      <p:grpSp>
+        <p:nvGrpSpPr>
+          <p:cNvPr id="150" name="Group 7"/>
+          <p:cNvGrpSpPr/>
+          <p:nvPr/>
+        </p:nvGrpSpPr>
+        <p:grpSpPr>
+          <a:xfrm>
+            <a:off x="11219400" y="360"/>
+            <a:ext cx="972360" cy="1935000"/>
+            <a:chOff x="11219400" y="360"/>
+            <a:chExt cx="972360" cy="1935000"/>
+          </a:xfrm>
+        </p:grpSpPr>
+        <p:sp>
+          <p:nvSpPr>
+            <p:cNvPr id="151" name="CustomShape 8"/>
+            <p:cNvSpPr/>
+            <p:nvPr/>
+          </p:nvSpPr>
+          <p:spPr>
+            <a:xfrm rot="2700000">
+              <a:off x="11321280" y="1074600"/>
+              <a:ext cx="492840" cy="492840"/>
+            </a:xfrm>
+            <a:prstGeom prst="rect">
+              <a:avLst/>
+            </a:prstGeom>
+            <a:solidFill>
+              <a:schemeClr val="accent4">
+                <a:alpha val="30000"/>
+              </a:schemeClr>
+            </a:solidFill>
+            <a:ln>
+              <a:noFill/>
+            </a:ln>
+          </p:spPr>
+          <p:style>
+            <a:lnRef idx="2">
+              <a:schemeClr val="accent1">
+                <a:shade val="50000"/>
+              </a:schemeClr>
+            </a:lnRef>
+            <a:fillRef idx="1">
+              <a:schemeClr val="accent1"/>
+            </a:fillRef>
+            <a:effectRef idx="0">
+              <a:schemeClr val="accent1"/>
+            </a:effectRef>
+            <a:fontRef idx="minor"/>
+          </p:style>
+        </p:sp>
+        <p:sp>
+          <p:nvSpPr>
+            <p:cNvPr id="152" name="CustomShape 9"/>
+            <p:cNvSpPr/>
+            <p:nvPr/>
+          </p:nvSpPr>
+          <p:spPr>
+            <a:xfrm rot="16200000">
+              <a:off x="10738080" y="481680"/>
+              <a:ext cx="1935000" cy="972360"/>
+            </a:xfrm>
+            <a:prstGeom prst="triangle">
+              <a:avLst>
+                <a:gd name="adj" fmla="val 50000"/>
+              </a:avLst>
+            </a:prstGeom>
+            <a:solidFill>
+              <a:schemeClr val="accent4">
+                <a:alpha val="30000"/>
+              </a:schemeClr>
+            </a:solidFill>
+            <a:ln>
+              <a:noFill/>
+            </a:ln>
+          </p:spPr>
+          <p:style>
+            <a:lnRef idx="2">
+              <a:schemeClr val="accent1">
+                <a:shade val="50000"/>
+              </a:schemeClr>
+            </a:lnRef>
+            <a:fillRef idx="1">
+              <a:schemeClr val="accent1"/>
+            </a:fillRef>
+            <a:effectRef idx="0">
+              <a:schemeClr val="accent1"/>
+            </a:effectRef>
+            <a:fontRef idx="minor"/>
+          </p:style>
+        </p:sp>
+      </p:grpSp>
+      <p:pic>
+        <p:nvPicPr>
+          <p:cNvPr id="1026" name="Picture 2" descr="image">
+            <a:extLst>
+              <a:ext uri="{FF2B5EF4-FFF2-40B4-BE49-F238E27FC236}">
+                <a16:creationId xmlns:a16="http://schemas.microsoft.com/office/drawing/2014/main" id="{73B6065B-6F11-2670-8425-22AB3D959211}"/>
+              </a:ext>
+            </a:extLst>
+          </p:cNvPr>
+          <p:cNvPicPr>
+            <a:picLocks noChangeAspect="1" noChangeArrowheads="1"/>
+          </p:cNvPicPr>
+          <p:nvPr/>
+        </p:nvPicPr>
+        <p:blipFill>
+          <a:blip r:embed="rId2">
+            <a:extLst>
+              <a:ext uri="{28A0092B-C50C-407E-A947-70E740481C1C}">
+                <a14:useLocalDpi xmlns:a14="http://schemas.microsoft.com/office/drawing/2010/main" val="0"/>
+              </a:ext>
+            </a:extLst>
+          </a:blip>
+          <a:srcRect/>
+          <a:stretch>
+            <a:fillRect/>
+          </a:stretch>
+        </p:blipFill>
+        <p:spPr bwMode="auto">
+          <a:xfrm>
+            <a:off x="3660105" y="863664"/>
+            <a:ext cx="4871190" cy="5107656"/>
+          </a:xfrm>
+          <a:prstGeom prst="rect">
+            <a:avLst/>
+          </a:prstGeom>
+          <a:noFill/>
+          <a:extLst>
+            <a:ext uri="{909E8E84-426E-40DD-AFC4-6F175D3DCCD1}">
+              <a14:hiddenFill xmlns:a14="http://schemas.microsoft.com/office/drawing/2010/main">
+                <a:solidFill>
+                  <a:srgbClr val="FFFFFF"/>
+                </a:solidFill>
+              </a14:hiddenFill>
+            </a:ext>
+          </a:extLst>
+        </p:spPr>
+      </p:pic>
+    </p:spTree>
+  </p:cSld>
+  <p:clrMapOvr>
+    <a:masterClrMapping/>
+  </p:clrMapOvr>
+</p:sld>
+</file>
+
+<file path=ppt/slides/slide11.xml><?xml version="1.0" encoding="utf-8"?>
+<p:sld xmlns:a="http://schemas.openxmlformats.org/drawingml/2006/main" xmlns:r="http://schemas.openxmlformats.org/officeDocument/2006/relationships" xmlns:p="http://schemas.openxmlformats.org/presentationml/2006/main">
+  <p:cSld>
+    <p:spTree>
+      <p:nvGrpSpPr>
+        <p:cNvPr id="1" name=""/>
+        <p:cNvGrpSpPr/>
+        <p:nvPr/>
+      </p:nvGrpSpPr>
+      <p:grpSpPr>
+        <a:xfrm>
+          <a:off x="0" y="0"/>
+          <a:ext cx="0" cy="0"/>
+          <a:chOff x="0" y="0"/>
+          <a:chExt cx="0" cy="0"/>
+        </a:xfrm>
+      </p:grpSpPr>
+      <p:sp>
+        <p:nvSpPr>
+          <p:cNvPr id="145" name="TextShape 2"/>
+          <p:cNvSpPr txBox="1"/>
+          <p:nvPr/>
+        </p:nvSpPr>
+        <p:spPr>
+          <a:xfrm>
+            <a:off x="643320" y="321840"/>
+            <a:ext cx="10904760" cy="1135440"/>
+          </a:xfrm>
+          <a:prstGeom prst="rect">
+            <a:avLst/>
+          </a:prstGeom>
+          <a:noFill/>
+          <a:ln>
+            <a:noFill/>
+          </a:ln>
+        </p:spPr>
+        <p:txBody>
+          <a:bodyPr anchor="ctr">
+            <a:normAutofit/>
+          </a:bodyPr>
+          <a:lstStyle/>
+          <a:p>
+            <a:pPr>
+              <a:lnSpc>
+                <a:spcPct val="90000"/>
+              </a:lnSpc>
+            </a:pPr>
+            <a:r>
+              <a:rPr lang="en-GB" sz="3600" b="0" strike="noStrike" spc="-1" dirty="0" err="1">
+                <a:solidFill>
+                  <a:srgbClr val="000000"/>
+                </a:solidFill>
+                <a:latin typeface="Calibri Light"/>
+              </a:rPr>
+              <a:t>Fazit</a:t>
+            </a:r>
+            <a:endParaRPr lang="en-CH" sz="3600" b="0" strike="noStrike" spc="-1" dirty="0">
+              <a:solidFill>
+                <a:srgbClr val="000000"/>
+              </a:solidFill>
+              <a:latin typeface="Calibri"/>
+            </a:endParaRPr>
+          </a:p>
+        </p:txBody>
+      </p:sp>
+      <p:sp>
+        <p:nvSpPr>
+          <p:cNvPr id="146" name="TextShape 3"/>
+          <p:cNvSpPr txBox="1"/>
+          <p:nvPr/>
+        </p:nvSpPr>
+        <p:spPr>
+          <a:xfrm>
+            <a:off x="1383876" y="2147858"/>
+            <a:ext cx="7876640" cy="3153849"/>
+          </a:xfrm>
+          <a:prstGeom prst="rect">
+            <a:avLst/>
+          </a:prstGeom>
+          <a:noFill/>
+          <a:ln>
+            <a:noFill/>
+          </a:ln>
+        </p:spPr>
+        <p:txBody>
+          <a:bodyPr>
+            <a:normAutofit/>
+          </a:bodyPr>
+          <a:lstStyle/>
+          <a:p>
+            <a:endParaRPr lang="en-CH" sz="2800" b="0" strike="noStrike" spc="-1" dirty="0">
+              <a:solidFill>
+                <a:srgbClr val="000000"/>
+              </a:solidFill>
+              <a:latin typeface="Calibri"/>
+            </a:endParaRPr>
+          </a:p>
+        </p:txBody>
+      </p:sp>
+      <p:grpSp>
+        <p:nvGrpSpPr>
+          <p:cNvPr id="147" name="Group 4"/>
+          <p:cNvGrpSpPr/>
+          <p:nvPr/>
+        </p:nvGrpSpPr>
+        <p:grpSpPr>
+          <a:xfrm>
+            <a:off x="360" y="4601520"/>
+            <a:ext cx="1013760" cy="2017080"/>
+            <a:chOff x="360" y="4601520"/>
+            <a:chExt cx="1013760" cy="2017080"/>
+          </a:xfrm>
+        </p:grpSpPr>
+        <p:sp>
+          <p:nvSpPr>
+            <p:cNvPr id="148" name="CustomShape 5"/>
+            <p:cNvSpPr/>
+            <p:nvPr/>
+          </p:nvSpPr>
+          <p:spPr>
+            <a:xfrm rot="5400000">
+              <a:off x="-501120" y="5103000"/>
+              <a:ext cx="2017080" cy="1013760"/>
+            </a:xfrm>
+            <a:prstGeom prst="triangle">
+              <a:avLst>
+                <a:gd name="adj" fmla="val 50000"/>
+              </a:avLst>
+            </a:prstGeom>
+            <a:solidFill>
+              <a:schemeClr val="accent1">
+                <a:alpha val="30000"/>
+              </a:schemeClr>
+            </a:solidFill>
+            <a:ln>
+              <a:noFill/>
+            </a:ln>
+          </p:spPr>
+          <p:style>
+            <a:lnRef idx="2">
+              <a:schemeClr val="accent1">
+                <a:shade val="50000"/>
+              </a:schemeClr>
+            </a:lnRef>
+            <a:fillRef idx="1">
+              <a:schemeClr val="accent1"/>
+            </a:fillRef>
+            <a:effectRef idx="0">
+              <a:schemeClr val="accent1"/>
+            </a:effectRef>
+            <a:fontRef idx="minor"/>
+          </p:style>
+        </p:sp>
+        <p:sp>
+          <p:nvSpPr>
+            <p:cNvPr id="149" name="CustomShape 6"/>
+            <p:cNvSpPr/>
+            <p:nvPr/>
+          </p:nvSpPr>
+          <p:spPr>
+            <a:xfrm rot="2700000">
+              <a:off x="427680" y="5728680"/>
+              <a:ext cx="485280" cy="485280"/>
+            </a:xfrm>
+            <a:prstGeom prst="rect">
+              <a:avLst/>
+            </a:prstGeom>
+            <a:solidFill>
+              <a:schemeClr val="accent1">
+                <a:alpha val="30000"/>
+              </a:schemeClr>
+            </a:solidFill>
+            <a:ln>
+              <a:noFill/>
+            </a:ln>
+          </p:spPr>
+          <p:style>
+            <a:lnRef idx="2">
+              <a:schemeClr val="accent1">
+                <a:shade val="50000"/>
+              </a:schemeClr>
+            </a:lnRef>
+            <a:fillRef idx="1">
+              <a:schemeClr val="accent1"/>
+            </a:fillRef>
+            <a:effectRef idx="0">
+              <a:schemeClr val="accent1"/>
+            </a:effectRef>
+            <a:fontRef idx="minor"/>
+          </p:style>
+        </p:sp>
+      </p:grpSp>
+      <p:grpSp>
+        <p:nvGrpSpPr>
+          <p:cNvPr id="150" name="Group 7"/>
+          <p:cNvGrpSpPr/>
+          <p:nvPr/>
+        </p:nvGrpSpPr>
+        <p:grpSpPr>
+          <a:xfrm>
+            <a:off x="11219400" y="360"/>
+            <a:ext cx="972360" cy="1935000"/>
+            <a:chOff x="11219400" y="360"/>
+            <a:chExt cx="972360" cy="1935000"/>
+          </a:xfrm>
+        </p:grpSpPr>
+        <p:sp>
+          <p:nvSpPr>
+            <p:cNvPr id="151" name="CustomShape 8"/>
+            <p:cNvSpPr/>
+            <p:nvPr/>
+          </p:nvSpPr>
+          <p:spPr>
+            <a:xfrm rot="2700000">
+              <a:off x="11321280" y="1074600"/>
+              <a:ext cx="492840" cy="492840"/>
+            </a:xfrm>
+            <a:prstGeom prst="rect">
+              <a:avLst/>
+            </a:prstGeom>
+            <a:solidFill>
+              <a:schemeClr val="accent4">
+                <a:alpha val="30000"/>
+              </a:schemeClr>
+            </a:solidFill>
+            <a:ln>
+              <a:noFill/>
+            </a:ln>
+          </p:spPr>
+          <p:style>
+            <a:lnRef idx="2">
+              <a:schemeClr val="accent1">
+                <a:shade val="50000"/>
+              </a:schemeClr>
+            </a:lnRef>
+            <a:fillRef idx="1">
+              <a:schemeClr val="accent1"/>
+            </a:fillRef>
+            <a:effectRef idx="0">
+              <a:schemeClr val="accent1"/>
+            </a:effectRef>
+            <a:fontRef idx="minor"/>
+          </p:style>
+        </p:sp>
+        <p:sp>
+          <p:nvSpPr>
+            <p:cNvPr id="152" name="CustomShape 9"/>
+            <p:cNvSpPr/>
+            <p:nvPr/>
+          </p:nvSpPr>
+          <p:spPr>
+            <a:xfrm rot="16200000">
+              <a:off x="10738080" y="481680"/>
+              <a:ext cx="1935000" cy="972360"/>
+            </a:xfrm>
+            <a:prstGeom prst="triangle">
+              <a:avLst>
+                <a:gd name="adj" fmla="val 50000"/>
+              </a:avLst>
+            </a:prstGeom>
+            <a:solidFill>
+              <a:schemeClr val="accent4">
+                <a:alpha val="30000"/>
+              </a:schemeClr>
+            </a:solidFill>
+            <a:ln>
+              <a:noFill/>
+            </a:ln>
+          </p:spPr>
+          <p:style>
+            <a:lnRef idx="2">
+              <a:schemeClr val="accent1">
+                <a:shade val="50000"/>
+              </a:schemeClr>
+            </a:lnRef>
+            <a:fillRef idx="1">
+              <a:schemeClr val="accent1"/>
+            </a:fillRef>
+            <a:effectRef idx="0">
+              <a:schemeClr val="accent1"/>
+            </a:effectRef>
+            <a:fontRef idx="minor"/>
+          </p:style>
+        </p:sp>
+      </p:grpSp>
+      <p:pic>
+        <p:nvPicPr>
+          <p:cNvPr id="3074" name="Picture 2" descr="Sounds Good, Doesn't Work | Know Your Meme">
+            <a:extLst>
+              <a:ext uri="{FF2B5EF4-FFF2-40B4-BE49-F238E27FC236}">
+                <a16:creationId xmlns:a16="http://schemas.microsoft.com/office/drawing/2014/main" id="{AC01D9AE-82B4-013D-AC58-7A0471368C7B}"/>
+              </a:ext>
+            </a:extLst>
+          </p:cNvPr>
+          <p:cNvPicPr>
+            <a:picLocks noChangeAspect="1" noChangeArrowheads="1"/>
+          </p:cNvPicPr>
+          <p:nvPr/>
+        </p:nvPicPr>
+        <p:blipFill>
+          <a:blip r:embed="rId2">
+            <a:extLst>
+              <a:ext uri="{28A0092B-C50C-407E-A947-70E740481C1C}">
+                <a14:useLocalDpi xmlns:a14="http://schemas.microsoft.com/office/drawing/2010/main" val="0"/>
+              </a:ext>
+            </a:extLst>
+          </a:blip>
+          <a:srcRect/>
+          <a:stretch>
+            <a:fillRect/>
+          </a:stretch>
+        </p:blipFill>
+        <p:spPr bwMode="auto">
+          <a:xfrm>
+            <a:off x="2286000" y="1285875"/>
+            <a:ext cx="7620000" cy="4286250"/>
+          </a:xfrm>
+          <a:prstGeom prst="rect">
+            <a:avLst/>
+          </a:prstGeom>
+          <a:noFill/>
+          <a:extLst>
+            <a:ext uri="{909E8E84-426E-40DD-AFC4-6F175D3DCCD1}">
+              <a14:hiddenFill xmlns:a14="http://schemas.microsoft.com/office/drawing/2010/main">
+                <a:solidFill>
+                  <a:srgbClr val="FFFFFF"/>
+                </a:solidFill>
+              </a14:hiddenFill>
+            </a:ext>
+          </a:extLst>
+        </p:spPr>
+      </p:pic>
+    </p:spTree>
+    <p:extLst>
+      <p:ext uri="{BB962C8B-B14F-4D97-AF65-F5344CB8AC3E}">
+        <p14:creationId xmlns:p14="http://schemas.microsoft.com/office/powerpoint/2010/main" val="2399132032"/>
+      </p:ext>
+    </p:extLst>
+  </p:cSld>
+  <p:clrMapOvr>
+    <a:masterClrMapping/>
+  </p:clrMapOvr>
+</p:sld>
+</file>
+
+<file path=ppt/slides/slide12.xml><?xml version="1.0" encoding="utf-8"?>
+<p:sld xmlns:a="http://schemas.openxmlformats.org/drawingml/2006/main" xmlns:r="http://schemas.openxmlformats.org/officeDocument/2006/relationships" xmlns:p="http://schemas.openxmlformats.org/presentationml/2006/main">
+  <p:cSld>
+    <p:spTree>
+      <p:nvGrpSpPr>
+        <p:cNvPr id="1" name=""/>
+        <p:cNvGrpSpPr/>
+        <p:nvPr/>
+      </p:nvGrpSpPr>
+      <p:grpSpPr>
+        <a:xfrm>
+          <a:off x="0" y="0"/>
+          <a:ext cx="0" cy="0"/>
+          <a:chOff x="0" y="0"/>
+          <a:chExt cx="0" cy="0"/>
+        </a:xfrm>
+      </p:grpSpPr>
+      <p:sp>
+        <p:nvSpPr>
+          <p:cNvPr id="145" name="TextShape 2"/>
+          <p:cNvSpPr txBox="1"/>
+          <p:nvPr/>
+        </p:nvSpPr>
+        <p:spPr>
+          <a:xfrm>
+            <a:off x="643320" y="321840"/>
+            <a:ext cx="10904760" cy="1135440"/>
+          </a:xfrm>
+          <a:prstGeom prst="rect">
+            <a:avLst/>
+          </a:prstGeom>
+          <a:noFill/>
+          <a:ln>
+            <a:noFill/>
+          </a:ln>
+        </p:spPr>
+        <p:txBody>
+          <a:bodyPr anchor="ctr">
+            <a:normAutofit/>
+          </a:bodyPr>
+          <a:lstStyle/>
+          <a:p>
+            <a:pPr>
+              <a:lnSpc>
+                <a:spcPct val="90000"/>
+              </a:lnSpc>
+            </a:pPr>
+            <a:r>
+              <a:rPr lang="en-GB" sz="3600" b="0" strike="noStrike" spc="-1" dirty="0" err="1">
+                <a:solidFill>
+                  <a:srgbClr val="000000"/>
+                </a:solidFill>
+                <a:latin typeface="Calibri Light"/>
+              </a:rPr>
+              <a:t>Fazit</a:t>
+            </a:r>
+            <a:endParaRPr lang="en-CH" sz="3600" b="0" strike="noStrike" spc="-1" dirty="0">
+              <a:solidFill>
+                <a:srgbClr val="000000"/>
+              </a:solidFill>
+              <a:latin typeface="Calibri"/>
+            </a:endParaRPr>
+          </a:p>
+        </p:txBody>
+      </p:sp>
+      <p:sp>
+        <p:nvSpPr>
+          <p:cNvPr id="146" name="TextShape 3"/>
+          <p:cNvSpPr txBox="1"/>
+          <p:nvPr/>
+        </p:nvSpPr>
+        <p:spPr>
+          <a:xfrm>
+            <a:off x="1383876" y="2147858"/>
+            <a:ext cx="7876640" cy="3153849"/>
+          </a:xfrm>
+          <a:prstGeom prst="rect">
+            <a:avLst/>
+          </a:prstGeom>
+          <a:noFill/>
+          <a:ln>
+            <a:noFill/>
+          </a:ln>
+        </p:spPr>
+        <p:txBody>
+          <a:bodyPr>
+            <a:normAutofit/>
+          </a:bodyPr>
+          <a:lstStyle/>
+          <a:p>
+            <a:pPr marL="457200" indent="-457200">
+              <a:buFont typeface="Wingdings" panose="05000000000000000000" pitchFamily="2" charset="2"/>
+              <a:buChar char="ü"/>
+            </a:pPr>
+            <a:r>
+              <a:rPr lang="en-GB" sz="2800" spc="-1" dirty="0">
+                <a:solidFill>
+                  <a:srgbClr val="000000"/>
+                </a:solidFill>
+                <a:latin typeface="Calibri"/>
+              </a:rPr>
+              <a:t>Reactive Ansatz </a:t>
+            </a:r>
+            <a:r>
+              <a:rPr lang="en-GB" sz="2800" spc="-1" dirty="0" err="1">
+                <a:solidFill>
+                  <a:srgbClr val="000000"/>
+                </a:solidFill>
+                <a:latin typeface="Calibri"/>
+              </a:rPr>
+              <a:t>im</a:t>
+            </a:r>
+            <a:r>
+              <a:rPr lang="en-GB" sz="2800" spc="-1" dirty="0">
+                <a:solidFill>
+                  <a:srgbClr val="000000"/>
+                </a:solidFill>
+                <a:latin typeface="Calibri"/>
+              </a:rPr>
+              <a:t> Backend</a:t>
+            </a:r>
+          </a:p>
+          <a:p>
+            <a:pPr marL="457200" indent="-457200">
+              <a:buFont typeface="Wingdings" panose="05000000000000000000" pitchFamily="2" charset="2"/>
+              <a:buChar char="ü"/>
+            </a:pPr>
+            <a:r>
+              <a:rPr lang="en-GB" sz="2800" b="0" strike="noStrike" spc="-1" dirty="0">
+                <a:solidFill>
+                  <a:srgbClr val="000000"/>
+                </a:solidFill>
+                <a:latin typeface="Calibri"/>
+              </a:rPr>
+              <a:t>Redux Store </a:t>
+            </a:r>
+            <a:r>
+              <a:rPr lang="en-GB" sz="2800" b="0" strike="noStrike" spc="-1" dirty="0" err="1">
+                <a:solidFill>
+                  <a:srgbClr val="000000"/>
+                </a:solidFill>
+                <a:latin typeface="Calibri"/>
+              </a:rPr>
+              <a:t>im</a:t>
+            </a:r>
+            <a:r>
+              <a:rPr lang="en-GB" sz="2800" b="0" strike="noStrike" spc="-1" dirty="0">
+                <a:solidFill>
+                  <a:srgbClr val="000000"/>
+                </a:solidFill>
+                <a:latin typeface="Calibri"/>
+              </a:rPr>
+              <a:t> Frontend</a:t>
+            </a:r>
+          </a:p>
+          <a:p>
+            <a:pPr marL="457200" indent="-457200">
+              <a:buFont typeface="Wingdings" panose="05000000000000000000" pitchFamily="2" charset="2"/>
+              <a:buChar char="ü"/>
+            </a:pPr>
+            <a:endParaRPr lang="en-GB" sz="2800" b="0" strike="noStrike" spc="-1" dirty="0">
+              <a:solidFill>
+                <a:srgbClr val="000000"/>
+              </a:solidFill>
+              <a:latin typeface="Calibri"/>
+            </a:endParaRPr>
+          </a:p>
+          <a:p>
+            <a:pPr marL="457200" indent="-457200">
+              <a:buFont typeface="Calibri" panose="020F0502020204030204" pitchFamily="34" charset="0"/>
+              <a:buChar char="×"/>
+            </a:pPr>
+            <a:r>
+              <a:rPr lang="en-GB" sz="2800" b="0" strike="noStrike" spc="-1" dirty="0">
+                <a:solidFill>
+                  <a:srgbClr val="000000"/>
+                </a:solidFill>
+                <a:latin typeface="Calibri"/>
+              </a:rPr>
+              <a:t>TCP POST </a:t>
+            </a:r>
+            <a:r>
+              <a:rPr lang="en-GB" sz="2800" spc="-1" dirty="0">
+                <a:solidFill>
+                  <a:srgbClr val="000000"/>
+                </a:solidFill>
+                <a:latin typeface="Calibri"/>
+              </a:rPr>
+              <a:t>Requests </a:t>
+            </a:r>
+            <a:r>
+              <a:rPr lang="en-GB" sz="2800" spc="-1" dirty="0" err="1">
+                <a:solidFill>
+                  <a:srgbClr val="000000"/>
+                </a:solidFill>
+                <a:latin typeface="Calibri"/>
+              </a:rPr>
+              <a:t>ineffizient</a:t>
+            </a:r>
+            <a:endParaRPr lang="en-CH" sz="2800" b="0" strike="noStrike" spc="-1" dirty="0">
+              <a:solidFill>
+                <a:srgbClr val="000000"/>
+              </a:solidFill>
+              <a:latin typeface="Calibri"/>
+            </a:endParaRPr>
+          </a:p>
+        </p:txBody>
+      </p:sp>
+      <p:grpSp>
+        <p:nvGrpSpPr>
+          <p:cNvPr id="147" name="Group 4"/>
+          <p:cNvGrpSpPr/>
+          <p:nvPr/>
+        </p:nvGrpSpPr>
+        <p:grpSpPr>
+          <a:xfrm>
+            <a:off x="360" y="4601520"/>
+            <a:ext cx="1013760" cy="2017080"/>
+            <a:chOff x="360" y="4601520"/>
+            <a:chExt cx="1013760" cy="2017080"/>
+          </a:xfrm>
+        </p:grpSpPr>
+        <p:sp>
+          <p:nvSpPr>
+            <p:cNvPr id="148" name="CustomShape 5"/>
+            <p:cNvSpPr/>
+            <p:nvPr/>
+          </p:nvSpPr>
+          <p:spPr>
+            <a:xfrm rot="5400000">
+              <a:off x="-501120" y="5103000"/>
+              <a:ext cx="2017080" cy="1013760"/>
+            </a:xfrm>
+            <a:prstGeom prst="triangle">
+              <a:avLst>
+                <a:gd name="adj" fmla="val 50000"/>
+              </a:avLst>
+            </a:prstGeom>
+            <a:solidFill>
+              <a:schemeClr val="accent1">
+                <a:alpha val="30000"/>
+              </a:schemeClr>
+            </a:solidFill>
+            <a:ln>
+              <a:noFill/>
+            </a:ln>
+          </p:spPr>
+          <p:style>
+            <a:lnRef idx="2">
+              <a:schemeClr val="accent1">
+                <a:shade val="50000"/>
+              </a:schemeClr>
+            </a:lnRef>
+            <a:fillRef idx="1">
+              <a:schemeClr val="accent1"/>
+            </a:fillRef>
+            <a:effectRef idx="0">
+              <a:schemeClr val="accent1"/>
+            </a:effectRef>
+            <a:fontRef idx="minor"/>
+          </p:style>
+        </p:sp>
+        <p:sp>
+          <p:nvSpPr>
+            <p:cNvPr id="149" name="CustomShape 6"/>
+            <p:cNvSpPr/>
+            <p:nvPr/>
+          </p:nvSpPr>
+          <p:spPr>
+            <a:xfrm rot="2700000">
+              <a:off x="427680" y="5728680"/>
+              <a:ext cx="485280" cy="485280"/>
+            </a:xfrm>
+            <a:prstGeom prst="rect">
+              <a:avLst/>
+            </a:prstGeom>
+            <a:solidFill>
+              <a:schemeClr val="accent1">
+                <a:alpha val="30000"/>
+              </a:schemeClr>
+            </a:solidFill>
+            <a:ln>
+              <a:noFill/>
+            </a:ln>
+          </p:spPr>
+          <p:style>
+            <a:lnRef idx="2">
+              <a:schemeClr val="accent1">
+                <a:shade val="50000"/>
+              </a:schemeClr>
+            </a:lnRef>
+            <a:fillRef idx="1">
+              <a:schemeClr val="accent1"/>
+            </a:fillRef>
+            <a:effectRef idx="0">
+              <a:schemeClr val="accent1"/>
+            </a:effectRef>
+            <a:fontRef idx="minor"/>
+          </p:style>
+        </p:sp>
+      </p:grpSp>
+      <p:grpSp>
+        <p:nvGrpSpPr>
+          <p:cNvPr id="150" name="Group 7"/>
+          <p:cNvGrpSpPr/>
+          <p:nvPr/>
+        </p:nvGrpSpPr>
+        <p:grpSpPr>
+          <a:xfrm>
+            <a:off x="11219400" y="360"/>
+            <a:ext cx="972360" cy="1935000"/>
+            <a:chOff x="11219400" y="360"/>
+            <a:chExt cx="972360" cy="1935000"/>
+          </a:xfrm>
+        </p:grpSpPr>
+        <p:sp>
+          <p:nvSpPr>
+            <p:cNvPr id="151" name="CustomShape 8"/>
+            <p:cNvSpPr/>
+            <p:nvPr/>
+          </p:nvSpPr>
+          <p:spPr>
+            <a:xfrm rot="2700000">
+              <a:off x="11321280" y="1074600"/>
+              <a:ext cx="492840" cy="492840"/>
+            </a:xfrm>
+            <a:prstGeom prst="rect">
+              <a:avLst/>
+            </a:prstGeom>
+            <a:solidFill>
+              <a:schemeClr val="accent4">
+                <a:alpha val="30000"/>
+              </a:schemeClr>
+            </a:solidFill>
+            <a:ln>
+              <a:noFill/>
+            </a:ln>
+          </p:spPr>
+          <p:style>
+            <a:lnRef idx="2">
+              <a:schemeClr val="accent1">
+                <a:shade val="50000"/>
+              </a:schemeClr>
+            </a:lnRef>
+            <a:fillRef idx="1">
+              <a:schemeClr val="accent1"/>
+            </a:fillRef>
+            <a:effectRef idx="0">
+              <a:schemeClr val="accent1"/>
+            </a:effectRef>
+            <a:fontRef idx="minor"/>
+          </p:style>
+        </p:sp>
+        <p:sp>
+          <p:nvSpPr>
+            <p:cNvPr id="152" name="CustomShape 9"/>
+            <p:cNvSpPr/>
+            <p:nvPr/>
+          </p:nvSpPr>
+          <p:spPr>
+            <a:xfrm rot="16200000">
+              <a:off x="10738080" y="481680"/>
+              <a:ext cx="1935000" cy="972360"/>
+            </a:xfrm>
+            <a:prstGeom prst="triangle">
+              <a:avLst>
+                <a:gd name="adj" fmla="val 50000"/>
+              </a:avLst>
+            </a:prstGeom>
+            <a:solidFill>
+              <a:schemeClr val="accent4">
+                <a:alpha val="30000"/>
+              </a:schemeClr>
+            </a:solidFill>
+            <a:ln>
+              <a:noFill/>
+            </a:ln>
+          </p:spPr>
+          <p:style>
+            <a:lnRef idx="2">
+              <a:schemeClr val="accent1">
+                <a:shade val="50000"/>
+              </a:schemeClr>
+            </a:lnRef>
+            <a:fillRef idx="1">
+              <a:schemeClr val="accent1"/>
+            </a:fillRef>
+            <a:effectRef idx="0">
+              <a:schemeClr val="accent1"/>
+            </a:effectRef>
+            <a:fontRef idx="minor"/>
+          </p:style>
+        </p:sp>
+      </p:grpSp>
+    </p:spTree>
+    <p:extLst>
+      <p:ext uri="{BB962C8B-B14F-4D97-AF65-F5344CB8AC3E}">
+        <p14:creationId xmlns:p14="http://schemas.microsoft.com/office/powerpoint/2010/main" val="2175086442"/>
+      </p:ext>
+    </p:extLst>
+  </p:cSld>
+  <p:clrMapOvr>
+    <a:masterClrMapping/>
+  </p:clrMapOvr>
+</p:sld>
+</file>
+
+<file path=ppt/slides/slide13.xml><?xml version="1.0" encoding="utf-8"?>
+<p:sld xmlns:a="http://schemas.openxmlformats.org/drawingml/2006/main" xmlns:r="http://schemas.openxmlformats.org/officeDocument/2006/relationships" xmlns:p="http://schemas.openxmlformats.org/presentationml/2006/main">
+  <p:cSld>
+    <p:bg>
+      <p:bgPr>
+        <a:solidFill>
+          <a:srgbClr val="FFFFFF"/>
+        </a:solidFill>
+        <a:effectLst/>
+      </p:bgPr>
+    </p:bg>
+    <p:spTree>
+      <p:nvGrpSpPr>
+        <p:cNvPr id="1" name=""/>
+        <p:cNvGrpSpPr/>
+        <p:nvPr/>
+      </p:nvGrpSpPr>
+      <p:grpSpPr>
+        <a:xfrm>
+          <a:off x="0" y="0"/>
+          <a:ext cx="0" cy="0"/>
+          <a:chOff x="0" y="0"/>
+          <a:chExt cx="0" cy="0"/>
+        </a:xfrm>
+      </p:grpSpPr>
+      <p:sp>
+        <p:nvSpPr>
           <p:cNvPr id="153" name="CustomShape 1"/>
           <p:cNvSpPr/>
           <p:nvPr/>
@@ -4927,6 +6560,7 @@
           <a:bodyPr anchor="ctr">
             <a:normAutofit/>
           </a:bodyPr>
+          <a:lstStyle/>
           <a:p>
             <a:pPr>
               <a:lnSpc>
@@ -4934,7 +6568,7 @@
               </a:lnSpc>
             </a:pPr>
             <a:r>
-              <a:rPr b="0" lang="en-GB" sz="3600" spc="-1" strike="noStrike">
+              <a:rPr lang="en-GB" sz="3600" b="0" strike="noStrike" spc="-1">
                 <a:solidFill>
                   <a:srgbClr val="000000"/>
                 </a:solidFill>
@@ -4942,7 +6576,7 @@
               </a:rPr>
               <a:t>Fragen</a:t>
             </a:r>
-            <a:endParaRPr b="0" lang="en-CH" sz="3600" spc="-1" strike="noStrike">
+            <a:endParaRPr lang="en-CH" sz="3600" b="0" strike="noStrike" spc="-1">
               <a:solidFill>
                 <a:srgbClr val="000000"/>
               </a:solidFill>
@@ -4974,8 +6608,9 @@
           <a:bodyPr>
             <a:normAutofit/>
           </a:bodyPr>
-          <a:p>
-            <a:endParaRPr b="0" lang="en-CH" sz="2800" spc="-1" strike="noStrike">
+          <a:lstStyle/>
+          <a:p>
+            <a:endParaRPr lang="en-CH" sz="2800" b="0" strike="noStrike" spc="-1">
               <a:solidFill>
                 <a:srgbClr val="000000"/>
               </a:solidFill>
@@ -5084,7 +6719,7 @@
           <p:nvPr/>
         </p:nvPicPr>
         <p:blipFill>
-          <a:blip r:embed="rId1"/>
+          <a:blip r:embed="rId2"/>
           <a:stretch/>
         </p:blipFill>
         <p:spPr>
@@ -5215,15 +6850,22 @@
           </a:ln>
         </p:spPr>
         <p:style>
-          <a:lnRef idx="0"/>
-          <a:fillRef idx="0"/>
-          <a:effectRef idx="0"/>
+          <a:lnRef idx="0">
+            <a:scrgbClr r="0" g="0" b="0"/>
+          </a:lnRef>
+          <a:fillRef idx="0">
+            <a:scrgbClr r="0" g="0" b="0"/>
+          </a:fillRef>
+          <a:effectRef idx="0">
+            <a:scrgbClr r="0" g="0" b="0"/>
+          </a:effectRef>
           <a:fontRef idx="minor"/>
         </p:style>
         <p:txBody>
-          <a:bodyPr wrap="none" lIns="90000" rIns="90000" tIns="45000" bIns="45000">
+          <a:bodyPr wrap="none" lIns="90000" tIns="45000" rIns="90000" bIns="45000">
             <a:spAutoFit/>
           </a:bodyPr>
+          <a:lstStyle/>
           <a:p>
             <a:pPr algn="r">
               <a:lnSpc>
@@ -5234,46 +6876,46 @@
               </a:spcAft>
             </a:pPr>
             <a:r>
-              <a:rPr b="0" lang="en-CH" sz="700" spc="-1" strike="noStrike">
+              <a:rPr lang="en-CH" sz="700" b="0" strike="noStrike" spc="-1">
                 <a:solidFill>
-                  <a:srgbClr val="ffffff"/>
+                  <a:srgbClr val="FFFFFF"/>
                 </a:solidFill>
                 <a:latin typeface="Calibri"/>
               </a:rPr>
               <a:t>"</a:t>
             </a:r>
             <a:r>
-              <a:rPr b="0" lang="en-CH" sz="700" spc="-1" strike="noStrike" u="sng">
+              <a:rPr lang="en-CH" sz="700" b="0" u="sng" strike="noStrike" spc="-1">
                 <a:solidFill>
-                  <a:srgbClr val="0563c1"/>
+                  <a:srgbClr val="0563C1"/>
                 </a:solidFill>
                 <a:uFillTx/>
                 <a:latin typeface="Calibri"/>
-                <a:hlinkClick r:id="rId2"/>
+                <a:hlinkClick r:id="rId3"/>
               </a:rPr>
               <a:t>Dieses Foto</a:t>
             </a:r>
             <a:r>
-              <a:rPr b="0" lang="en-CH" sz="700" spc="-1" strike="noStrike">
+              <a:rPr lang="en-CH" sz="700" b="0" strike="noStrike" spc="-1">
                 <a:solidFill>
-                  <a:srgbClr val="ffffff"/>
+                  <a:srgbClr val="FFFFFF"/>
                 </a:solidFill>
                 <a:latin typeface="Calibri"/>
               </a:rPr>
               <a:t>" von Unbekannter Autor ist lizenziert gemäß </a:t>
             </a:r>
             <a:r>
-              <a:rPr b="0" lang="en-CH" sz="700" spc="-1" strike="noStrike" u="sng">
+              <a:rPr lang="en-CH" sz="700" b="0" u="sng" strike="noStrike" spc="-1">
                 <a:solidFill>
-                  <a:srgbClr val="0563c1"/>
+                  <a:srgbClr val="0563C1"/>
                 </a:solidFill>
                 <a:uFillTx/>
                 <a:latin typeface="Calibri"/>
-                <a:hlinkClick r:id="rId3"/>
+                <a:hlinkClick r:id="rId4"/>
               </a:rPr>
               <a:t>CC BY-SA</a:t>
             </a:r>
-            <a:endParaRPr b="0" lang="en-US" sz="700" spc="-1" strike="noStrike">
+            <a:endParaRPr lang="en-US" sz="700" b="0" strike="noStrike" spc="-1">
               <a:latin typeface="Arial"/>
             </a:endParaRPr>
           </a:p>
@@ -5281,25 +6923,21 @@
       </p:sp>
     </p:spTree>
   </p:cSld>
-  <mc:AlternateContent>
-    <mc:Choice Requires="p14">
-      <p:transition spd="slow" p14:dur="2000"/>
-    </mc:Choice>
-    <mc:Fallback>
-      <p:transition spd="slow"/>
-    </mc:Fallback>
-  </mc:AlternateContent>
+  <p:clrMapOvr>
+    <a:masterClrMapping/>
+  </p:clrMapOvr>
 </p:sld>
 </file>
 
-<file path=ppt/slides/slide11.xml><?xml version="1.0" encoding="utf-8"?>
-<p:sld xmlns:a="http://schemas.openxmlformats.org/drawingml/2006/main" xmlns:p="http://schemas.openxmlformats.org/presentationml/2006/main" xmlns:r="http://schemas.openxmlformats.org/officeDocument/2006/relationships" xmlns:p14="http://schemas.microsoft.com/office/powerpoint/2010/main" xmlns:p15="http://schemas.microsoft.com/office/powerpoint/2012/main" xmlns:mc="http://schemas.openxmlformats.org/markup-compatibility/2006">
+<file path=ppt/slides/slide2.xml><?xml version="1.0" encoding="utf-8"?>
+<p:sld xmlns:a="http://schemas.openxmlformats.org/drawingml/2006/main" xmlns:r="http://schemas.openxmlformats.org/officeDocument/2006/relationships" xmlns:p="http://schemas.openxmlformats.org/presentationml/2006/main">
   <p:cSld>
     <p:bg>
       <p:bgPr>
         <a:solidFill>
-          <a:srgbClr val="ffffff"/>
+          <a:srgbClr val="FFFFFF"/>
         </a:solidFill>
+        <a:effectLst/>
       </p:bgPr>
     </p:bg>
     <p:spTree>
@@ -5318,7 +6956,7 @@
       </p:grpSpPr>
       <p:sp>
         <p:nvSpPr>
-          <p:cNvPr id="164" name="CustomShape 1"/>
+          <p:cNvPr id="95" name="CustomShape 1"/>
           <p:cNvSpPr/>
           <p:nvPr/>
         </p:nvSpPr>
@@ -5352,202 +6990,16 @@
           <a:fontRef idx="minor"/>
         </p:style>
       </p:sp>
-      <p:grpSp>
-        <p:nvGrpSpPr>
-          <p:cNvPr id="165" name="Group 2"/>
-          <p:cNvGrpSpPr/>
+      <p:sp>
+        <p:nvSpPr>
+          <p:cNvPr id="96" name="TextShape 2"/>
+          <p:cNvSpPr txBox="1"/>
           <p:nvPr/>
-        </p:nvGrpSpPr>
-        <p:grpSpPr>
-          <a:xfrm>
-            <a:off x="360" y="4601520"/>
-            <a:ext cx="1013760" cy="2017080"/>
-            <a:chOff x="360" y="4601520"/>
-            <a:chExt cx="1013760" cy="2017080"/>
-          </a:xfrm>
-        </p:grpSpPr>
-        <p:sp>
-          <p:nvSpPr>
-            <p:cNvPr id="166" name="CustomShape 3"/>
-            <p:cNvSpPr/>
-            <p:nvPr/>
-          </p:nvSpPr>
-          <p:spPr>
-            <a:xfrm rot="5400000">
-              <a:off x="-501120" y="5103000"/>
-              <a:ext cx="2017080" cy="1013760"/>
-            </a:xfrm>
-            <a:prstGeom prst="triangle">
-              <a:avLst>
-                <a:gd name="adj" fmla="val 50000"/>
-              </a:avLst>
-            </a:prstGeom>
-            <a:solidFill>
-              <a:schemeClr val="accent1">
-                <a:alpha val="30000"/>
-              </a:schemeClr>
-            </a:solidFill>
-            <a:ln>
-              <a:noFill/>
-            </a:ln>
-          </p:spPr>
-          <p:style>
-            <a:lnRef idx="2">
-              <a:schemeClr val="accent1">
-                <a:shade val="50000"/>
-              </a:schemeClr>
-            </a:lnRef>
-            <a:fillRef idx="1">
-              <a:schemeClr val="accent1"/>
-            </a:fillRef>
-            <a:effectRef idx="0">
-              <a:schemeClr val="accent1"/>
-            </a:effectRef>
-            <a:fontRef idx="minor"/>
-          </p:style>
-        </p:sp>
-        <p:sp>
-          <p:nvSpPr>
-            <p:cNvPr id="167" name="CustomShape 4"/>
-            <p:cNvSpPr/>
-            <p:nvPr/>
-          </p:nvSpPr>
-          <p:spPr>
-            <a:xfrm rot="2700000">
-              <a:off x="427680" y="5728680"/>
-              <a:ext cx="485280" cy="485280"/>
-            </a:xfrm>
-            <a:prstGeom prst="rect">
-              <a:avLst/>
-            </a:prstGeom>
-            <a:solidFill>
-              <a:schemeClr val="accent1">
-                <a:alpha val="30000"/>
-              </a:schemeClr>
-            </a:solidFill>
-            <a:ln>
-              <a:noFill/>
-            </a:ln>
-          </p:spPr>
-          <p:style>
-            <a:lnRef idx="2">
-              <a:schemeClr val="accent1">
-                <a:shade val="50000"/>
-              </a:schemeClr>
-            </a:lnRef>
-            <a:fillRef idx="1">
-              <a:schemeClr val="accent1"/>
-            </a:fillRef>
-            <a:effectRef idx="0">
-              <a:schemeClr val="accent1"/>
-            </a:effectRef>
-            <a:fontRef idx="minor"/>
-          </p:style>
-        </p:sp>
-      </p:grpSp>
-      <p:grpSp>
-        <p:nvGrpSpPr>
-          <p:cNvPr id="168" name="Group 5"/>
-          <p:cNvGrpSpPr/>
-          <p:nvPr/>
-        </p:nvGrpSpPr>
-        <p:grpSpPr>
-          <a:xfrm>
-            <a:off x="11219400" y="360"/>
-            <a:ext cx="972360" cy="1935000"/>
-            <a:chOff x="11219400" y="360"/>
-            <a:chExt cx="972360" cy="1935000"/>
-          </a:xfrm>
-        </p:grpSpPr>
-        <p:sp>
-          <p:nvSpPr>
-            <p:cNvPr id="169" name="CustomShape 6"/>
-            <p:cNvSpPr/>
-            <p:nvPr/>
-          </p:nvSpPr>
-          <p:spPr>
-            <a:xfrm rot="2700000">
-              <a:off x="11321280" y="1074600"/>
-              <a:ext cx="492840" cy="492840"/>
-            </a:xfrm>
-            <a:prstGeom prst="rect">
-              <a:avLst/>
-            </a:prstGeom>
-            <a:solidFill>
-              <a:schemeClr val="accent4">
-                <a:alpha val="30000"/>
-              </a:schemeClr>
-            </a:solidFill>
-            <a:ln>
-              <a:noFill/>
-            </a:ln>
-          </p:spPr>
-          <p:style>
-            <a:lnRef idx="2">
-              <a:schemeClr val="accent1">
-                <a:shade val="50000"/>
-              </a:schemeClr>
-            </a:lnRef>
-            <a:fillRef idx="1">
-              <a:schemeClr val="accent1"/>
-            </a:fillRef>
-            <a:effectRef idx="0">
-              <a:schemeClr val="accent1"/>
-            </a:effectRef>
-            <a:fontRef idx="minor"/>
-          </p:style>
-        </p:sp>
-        <p:sp>
-          <p:nvSpPr>
-            <p:cNvPr id="170" name="CustomShape 7"/>
-            <p:cNvSpPr/>
-            <p:nvPr/>
-          </p:nvSpPr>
-          <p:spPr>
-            <a:xfrm rot="16200000">
-              <a:off x="10738080" y="481680"/>
-              <a:ext cx="1935000" cy="972360"/>
-            </a:xfrm>
-            <a:prstGeom prst="triangle">
-              <a:avLst>
-                <a:gd name="adj" fmla="val 50000"/>
-              </a:avLst>
-            </a:prstGeom>
-            <a:solidFill>
-              <a:schemeClr val="accent4">
-                <a:alpha val="30000"/>
-              </a:schemeClr>
-            </a:solidFill>
-            <a:ln>
-              <a:noFill/>
-            </a:ln>
-          </p:spPr>
-          <p:style>
-            <a:lnRef idx="2">
-              <a:schemeClr val="accent1">
-                <a:shade val="50000"/>
-              </a:schemeClr>
-            </a:lnRef>
-            <a:fillRef idx="1">
-              <a:schemeClr val="accent1"/>
-            </a:fillRef>
-            <a:effectRef idx="0">
-              <a:schemeClr val="accent1"/>
-            </a:effectRef>
-            <a:fontRef idx="minor"/>
-          </p:style>
-        </p:sp>
-      </p:grpSp>
-      <p:sp>
-        <p:nvSpPr>
-          <p:cNvPr id="171" name="CustomShape 8"/>
-          <p:cNvSpPr/>
-          <p:nvPr/>
-        </p:nvSpPr>
-        <p:spPr>
-          <a:xfrm>
-            <a:off x="838080" y="365040"/>
-            <a:ext cx="10515240" cy="1325160"/>
+        </p:nvSpPr>
+        <p:spPr>
+          <a:xfrm>
+            <a:off x="643320" y="321840"/>
+            <a:ext cx="10904760" cy="1135440"/>
           </a:xfrm>
           <a:prstGeom prst="rect">
             <a:avLst/>
@@ -5557,16 +7009,11 @@
             <a:noFill/>
           </a:ln>
         </p:spPr>
-        <p:style>
-          <a:lnRef idx="0"/>
-          <a:fillRef idx="0"/>
-          <a:effectRef idx="0"/>
-          <a:fontRef idx="minor"/>
-        </p:style>
         <p:txBody>
           <a:bodyPr anchor="ctr">
             <a:normAutofit/>
           </a:bodyPr>
+          <a:lstStyle/>
           <a:p>
             <a:pPr>
               <a:lnSpc>
@@ -5574,30 +7021,33 @@
               </a:lnSpc>
             </a:pPr>
             <a:r>
-              <a:rPr b="0" lang="en-GB" sz="3600" spc="-1" strike="noStrike">
+              <a:rPr lang="en-GB" sz="3600" b="0" strike="noStrike" spc="-1">
                 <a:solidFill>
                   <a:srgbClr val="000000"/>
                 </a:solidFill>
                 <a:latin typeface="Calibri Light"/>
               </a:rPr>
-              <a:t>Funktionsumfang</a:t>
+              <a:t>Inhalt</a:t>
             </a:r>
-            <a:endParaRPr b="0" lang="en-US" sz="3600" spc="-1" strike="noStrike">
-              <a:latin typeface="Arial"/>
-            </a:endParaRPr>
-          </a:p>
-        </p:txBody>
-      </p:sp>
-      <p:sp>
-        <p:nvSpPr>
-          <p:cNvPr id="172" name="TextShape 9"/>
+            <a:endParaRPr lang="en-CH" sz="3600" b="0" strike="noStrike" spc="-1">
+              <a:solidFill>
+                <a:srgbClr val="000000"/>
+              </a:solidFill>
+              <a:latin typeface="Calibri"/>
+            </a:endParaRPr>
+          </a:p>
+        </p:txBody>
+      </p:sp>
+      <p:sp>
+        <p:nvSpPr>
+          <p:cNvPr id="97" name="TextShape 3"/>
           <p:cNvSpPr txBox="1"/>
           <p:nvPr/>
         </p:nvSpPr>
         <p:spPr>
           <a:xfrm>
-            <a:off x="838080" y="1825560"/>
-            <a:ext cx="5181120" cy="4350960"/>
+            <a:off x="643320" y="1783080"/>
+            <a:ext cx="10904760" cy="4393800"/>
           </a:xfrm>
           <a:prstGeom prst="rect">
             <a:avLst/>
@@ -5609,8 +7059,9 @@
         </p:spPr>
         <p:txBody>
           <a:bodyPr>
-            <a:noAutofit/>
-          </a:bodyPr>
+            <a:normAutofit/>
+          </a:bodyPr>
+          <a:lstStyle/>
           <a:p>
             <a:pPr marL="228600" indent="-228240">
               <a:lnSpc>
@@ -5626,210 +7077,21 @@
               <a:buChar char="•"/>
             </a:pPr>
             <a:r>
-              <a:rPr b="0" lang="en-GB" sz="2800" spc="-1" strike="noStrike">
+              <a:rPr lang="en-GB" sz="2000" b="0" strike="noStrike" spc="-1" dirty="0" err="1">
                 <a:solidFill>
                   <a:srgbClr val="000000"/>
                 </a:solidFill>
                 <a:latin typeface="Calibri"/>
               </a:rPr>
-              <a:t>Erfüllt</a:t>
+              <a:t>Systemaufbau</a:t>
             </a:r>
-            <a:endParaRPr b="0" lang="en-CH" sz="2800" spc="-1" strike="noStrike">
-              <a:solidFill>
-                <a:srgbClr val="000000"/>
-              </a:solidFill>
-              <a:latin typeface="Calibri"/>
-            </a:endParaRPr>
-          </a:p>
-          <a:p>
-            <a:pPr lvl="1" marL="685800" indent="-228240">
-              <a:lnSpc>
-                <a:spcPct val="90000"/>
-              </a:lnSpc>
-              <a:spcBef>
-                <a:spcPts val="499"/>
-              </a:spcBef>
-              <a:buClr>
-                <a:srgbClr val="000000"/>
-              </a:buClr>
-              <a:buFont typeface="Arial"/>
-              <a:buChar char="•"/>
-            </a:pPr>
-            <a:r>
-              <a:rPr b="0" lang="en-GB" sz="2400" spc="-1" strike="noStrike">
-                <a:solidFill>
-                  <a:srgbClr val="000000"/>
-                </a:solidFill>
-                <a:latin typeface="Calibri"/>
-              </a:rPr>
-              <a:t>Paragraph hinzufügen</a:t>
-            </a:r>
-            <a:endParaRPr b="0" lang="en-CH" sz="2400" spc="-1" strike="noStrike">
-              <a:solidFill>
-                <a:srgbClr val="000000"/>
-              </a:solidFill>
-              <a:latin typeface="Calibri"/>
-            </a:endParaRPr>
-          </a:p>
-          <a:p>
-            <a:pPr lvl="1" marL="685800" indent="-228240">
-              <a:lnSpc>
-                <a:spcPct val="90000"/>
-              </a:lnSpc>
-              <a:spcBef>
-                <a:spcPts val="499"/>
-              </a:spcBef>
-              <a:buClr>
-                <a:srgbClr val="000000"/>
-              </a:buClr>
-              <a:buFont typeface="Arial"/>
-              <a:buChar char="•"/>
-            </a:pPr>
-            <a:r>
-              <a:rPr b="0" lang="en-GB" sz="2400" spc="-1" strike="noStrike">
-                <a:solidFill>
-                  <a:srgbClr val="000000"/>
-                </a:solidFill>
-                <a:latin typeface="Calibri"/>
-              </a:rPr>
-              <a:t>Paragraph ändern</a:t>
-            </a:r>
-            <a:endParaRPr b="0" lang="en-CH" sz="2400" spc="-1" strike="noStrike">
-              <a:solidFill>
-                <a:srgbClr val="000000"/>
-              </a:solidFill>
-              <a:latin typeface="Calibri"/>
-            </a:endParaRPr>
-          </a:p>
-          <a:p>
-            <a:pPr lvl="1" marL="685800" indent="-228240">
-              <a:lnSpc>
-                <a:spcPct val="90000"/>
-              </a:lnSpc>
-              <a:spcBef>
-                <a:spcPts val="499"/>
-              </a:spcBef>
-              <a:buClr>
-                <a:srgbClr val="000000"/>
-              </a:buClr>
-              <a:buFont typeface="Arial"/>
-              <a:buChar char="•"/>
-            </a:pPr>
-            <a:r>
-              <a:rPr b="0" lang="en-GB" sz="2400" spc="-1" strike="noStrike">
-                <a:solidFill>
-                  <a:srgbClr val="000000"/>
-                </a:solidFill>
-                <a:latin typeface="Calibri"/>
-              </a:rPr>
-              <a:t>Autorennamen ändern</a:t>
-            </a:r>
-            <a:endParaRPr b="0" lang="en-CH" sz="2400" spc="-1" strike="noStrike">
-              <a:solidFill>
-                <a:srgbClr val="000000"/>
-              </a:solidFill>
-              <a:latin typeface="Calibri"/>
-            </a:endParaRPr>
-          </a:p>
-          <a:p>
-            <a:pPr lvl="1" marL="685800" indent="-228240">
-              <a:lnSpc>
-                <a:spcPct val="90000"/>
-              </a:lnSpc>
-              <a:spcBef>
-                <a:spcPts val="499"/>
-              </a:spcBef>
-              <a:buClr>
-                <a:srgbClr val="000000"/>
-              </a:buClr>
-              <a:buFont typeface="Arial"/>
-              <a:buChar char="•"/>
-            </a:pPr>
-            <a:r>
-              <a:rPr b="0" lang="en-GB" sz="2400" spc="-1" strike="noStrike">
-                <a:solidFill>
-                  <a:srgbClr val="000000"/>
-                </a:solidFill>
-                <a:latin typeface="Calibri"/>
-              </a:rPr>
-              <a:t>Reihenfolge ändern</a:t>
-            </a:r>
-            <a:endParaRPr b="0" lang="en-CH" sz="2400" spc="-1" strike="noStrike">
-              <a:solidFill>
-                <a:srgbClr val="000000"/>
-              </a:solidFill>
-              <a:latin typeface="Calibri"/>
-            </a:endParaRPr>
-          </a:p>
-          <a:p>
-            <a:pPr lvl="1" marL="685800" indent="-228240">
-              <a:lnSpc>
-                <a:spcPct val="90000"/>
-              </a:lnSpc>
-              <a:spcBef>
-                <a:spcPts val="499"/>
-              </a:spcBef>
-              <a:buClr>
-                <a:srgbClr val="000000"/>
-              </a:buClr>
-              <a:buFont typeface="Arial"/>
-              <a:buChar char="•"/>
-            </a:pPr>
-            <a:r>
-              <a:rPr b="0" lang="en-GB" sz="2400" spc="-1" strike="noStrike">
-                <a:solidFill>
-                  <a:srgbClr val="000000"/>
-                </a:solidFill>
-                <a:latin typeface="Calibri"/>
-              </a:rPr>
-              <a:t>Pseudo History darstellen</a:t>
-            </a:r>
-            <a:endParaRPr b="0" lang="en-CH" sz="2400" spc="-1" strike="noStrike">
-              <a:solidFill>
-                <a:srgbClr val="000000"/>
-              </a:solidFill>
-              <a:latin typeface="Calibri"/>
-            </a:endParaRPr>
-          </a:p>
-          <a:p>
-            <a:endParaRPr b="0" lang="en-CH" sz="2400" spc="-1" strike="noStrike">
-              <a:solidFill>
-                <a:srgbClr val="000000"/>
-              </a:solidFill>
-              <a:latin typeface="Calibri"/>
-            </a:endParaRPr>
-          </a:p>
-        </p:txBody>
-      </p:sp>
-      <p:sp>
-        <p:nvSpPr>
-          <p:cNvPr id="173" name="CustomShape 10"/>
-          <p:cNvSpPr/>
-          <p:nvPr/>
-        </p:nvSpPr>
-        <p:spPr>
-          <a:xfrm>
-            <a:off x="6172200" y="1825560"/>
-            <a:ext cx="5181120" cy="4350960"/>
-          </a:xfrm>
-          <a:prstGeom prst="rect">
-            <a:avLst/>
-          </a:prstGeom>
-          <a:noFill/>
-          <a:ln>
-            <a:noFill/>
-          </a:ln>
-        </p:spPr>
-        <p:style>
-          <a:lnRef idx="0"/>
-          <a:fillRef idx="0"/>
-          <a:effectRef idx="0"/>
-          <a:fontRef idx="minor"/>
-        </p:style>
-        <p:txBody>
-          <a:bodyPr lIns="90000" rIns="90000" tIns="45000" bIns="45000">
-            <a:noAutofit/>
-          </a:bodyPr>
+            <a:endParaRPr lang="en-CH" sz="2000" b="0" strike="noStrike" spc="-1" dirty="0">
+              <a:solidFill>
+                <a:srgbClr val="000000"/>
+              </a:solidFill>
+              <a:latin typeface="Calibri"/>
+            </a:endParaRPr>
+          </a:p>
           <a:p>
             <a:pPr marL="228600" indent="-228240">
               <a:lnSpc>
@@ -5845,25 +7107,37 @@
               <a:buChar char="•"/>
             </a:pPr>
             <a:r>
-              <a:rPr b="0" lang="en-GB" sz="2800" spc="-1" strike="noStrike">
+              <a:rPr lang="en-GB" sz="2000" b="0" strike="noStrike" spc="-1" dirty="0" err="1">
                 <a:solidFill>
                   <a:srgbClr val="000000"/>
                 </a:solidFill>
                 <a:latin typeface="Calibri"/>
               </a:rPr>
-              <a:t>Offen</a:t>
+              <a:t>Verarbeitung</a:t>
             </a:r>
-            <a:endParaRPr b="0" lang="en-US" sz="2800" spc="-1" strike="noStrike">
-              <a:latin typeface="Arial"/>
-            </a:endParaRPr>
-          </a:p>
-          <a:p>
-            <a:pPr lvl="1" marL="685800" indent="-228240">
+            <a:r>
+              <a:rPr lang="en-GB" sz="2000" b="0" strike="noStrike" spc="-1" dirty="0">
+                <a:solidFill>
+                  <a:srgbClr val="000000"/>
+                </a:solidFill>
+                <a:latin typeface="Calibri"/>
+              </a:rPr>
+              <a:t> Backend</a:t>
+            </a:r>
+            <a:endParaRPr lang="en-CH" sz="2000" b="0" strike="noStrike" spc="-1" dirty="0">
+              <a:solidFill>
+                <a:srgbClr val="000000"/>
+              </a:solidFill>
+              <a:latin typeface="Calibri"/>
+            </a:endParaRPr>
+          </a:p>
+          <a:p>
+            <a:pPr marL="228600" indent="-228240">
               <a:lnSpc>
                 <a:spcPct val="90000"/>
               </a:lnSpc>
               <a:spcBef>
-                <a:spcPts val="499"/>
+                <a:spcPts val="1001"/>
               </a:spcBef>
               <a:buClr>
                 <a:srgbClr val="000000"/>
@@ -5872,25 +7146,37 @@
               <a:buChar char="•"/>
             </a:pPr>
             <a:r>
-              <a:rPr b="0" lang="en-GB" sz="2400" spc="-1" strike="noStrike">
+              <a:rPr lang="en-GB" sz="2000" b="0" strike="noStrike" spc="-1" dirty="0" err="1">
                 <a:solidFill>
                   <a:srgbClr val="000000"/>
                 </a:solidFill>
                 <a:latin typeface="Calibri"/>
               </a:rPr>
-              <a:t>Paragraphen löschen</a:t>
+              <a:t>Verarbeitung</a:t>
             </a:r>
-            <a:endParaRPr b="0" lang="en-US" sz="2400" spc="-1" strike="noStrike">
-              <a:latin typeface="Arial"/>
-            </a:endParaRPr>
-          </a:p>
-          <a:p>
-            <a:pPr lvl="1" marL="685800" indent="-228240">
+            <a:r>
+              <a:rPr lang="en-GB" sz="2000" b="0" strike="noStrike" spc="-1" dirty="0">
+                <a:solidFill>
+                  <a:srgbClr val="000000"/>
+                </a:solidFill>
+                <a:latin typeface="Calibri"/>
+              </a:rPr>
+              <a:t> Frontend</a:t>
+            </a:r>
+            <a:endParaRPr lang="en-CH" sz="2000" b="0" strike="noStrike" spc="-1" dirty="0">
+              <a:solidFill>
+                <a:srgbClr val="000000"/>
+              </a:solidFill>
+              <a:latin typeface="Calibri"/>
+            </a:endParaRPr>
+          </a:p>
+          <a:p>
+            <a:pPr marL="228600" indent="-228240">
               <a:lnSpc>
                 <a:spcPct val="90000"/>
               </a:lnSpc>
               <a:spcBef>
-                <a:spcPts val="499"/>
+                <a:spcPts val="1001"/>
               </a:spcBef>
               <a:buClr>
                 <a:srgbClr val="000000"/>
@@ -5899,25 +7185,22 @@
               <a:buChar char="•"/>
             </a:pPr>
             <a:r>
-              <a:rPr b="0" lang="en-GB" sz="2400" spc="-1" strike="noStrike">
+              <a:rPr lang="en-GB" sz="2000" b="0" strike="noStrike" spc="-1" dirty="0">
                 <a:solidFill>
                   <a:srgbClr val="000000"/>
                 </a:solidFill>
                 <a:latin typeface="Calibri"/>
               </a:rPr>
-              <a:t>Locks</a:t>
+              <a:t>Demo</a:t>
             </a:r>
-            <a:endParaRPr b="0" lang="en-US" sz="2400" spc="-1" strike="noStrike">
-              <a:latin typeface="Arial"/>
-            </a:endParaRPr>
-          </a:p>
-          <a:p>
-            <a:pPr lvl="1" marL="685800" indent="-228240">
+          </a:p>
+          <a:p>
+            <a:pPr marL="228600" indent="-228240">
               <a:lnSpc>
                 <a:spcPct val="90000"/>
               </a:lnSpc>
               <a:spcBef>
-                <a:spcPts val="499"/>
+                <a:spcPts val="1001"/>
               </a:spcBef>
               <a:buClr>
                 <a:srgbClr val="000000"/>
@@ -5926,25 +7209,46 @@
               <a:buChar char="•"/>
             </a:pPr>
             <a:r>
-              <a:rPr b="0" lang="en-GB" sz="2400" spc="-1" strike="noStrike">
+              <a:rPr lang="en-GB" sz="2000" spc="-1" dirty="0" err="1">
                 <a:solidFill>
                   <a:srgbClr val="000000"/>
                 </a:solidFill>
                 <a:latin typeface="Calibri"/>
               </a:rPr>
-              <a:t>Persistenz</a:t>
+              <a:t>Probleme</a:t>
             </a:r>
-            <a:endParaRPr b="0" lang="en-US" sz="2400" spc="-1" strike="noStrike">
-              <a:latin typeface="Arial"/>
-            </a:endParaRPr>
-          </a:p>
-          <a:p>
-            <a:pPr lvl="1" marL="685800" indent="-228240">
+            <a:r>
+              <a:rPr lang="en-GB" sz="2000" spc="-1" dirty="0">
+                <a:solidFill>
+                  <a:srgbClr val="000000"/>
+                </a:solidFill>
+                <a:latin typeface="Calibri"/>
+              </a:rPr>
+              <a:t> und </a:t>
+            </a:r>
+            <a:r>
+              <a:rPr lang="en-GB" sz="2000" spc="-1">
+                <a:solidFill>
+                  <a:srgbClr val="000000"/>
+                </a:solidFill>
+                <a:latin typeface="Calibri"/>
+              </a:rPr>
+              <a:t>Fazit</a:t>
+            </a:r>
+            <a:endParaRPr lang="en-CH" sz="2000" b="0" strike="noStrike" spc="-1" dirty="0">
+              <a:solidFill>
+                <a:srgbClr val="000000"/>
+              </a:solidFill>
+              <a:latin typeface="Calibri"/>
+            </a:endParaRPr>
+          </a:p>
+          <a:p>
+            <a:pPr marL="228600" indent="-228240">
               <a:lnSpc>
                 <a:spcPct val="90000"/>
               </a:lnSpc>
               <a:spcBef>
-                <a:spcPts val="499"/>
+                <a:spcPts val="1001"/>
               </a:spcBef>
               <a:buClr>
                 <a:srgbClr val="000000"/>
@@ -5953,149 +7257,196 @@
               <a:buChar char="•"/>
             </a:pPr>
             <a:r>
-              <a:rPr b="0" lang="en-GB" sz="2400" spc="-1" strike="noStrike">
+              <a:rPr lang="en-GB" sz="2000" b="0" strike="noStrike" spc="-1" dirty="0" err="1">
                 <a:solidFill>
                   <a:srgbClr val="000000"/>
                 </a:solidFill>
                 <a:latin typeface="Calibri"/>
               </a:rPr>
-              <a:t>Sicherheit</a:t>
+              <a:t>Fragen</a:t>
             </a:r>
-            <a:endParaRPr b="0" lang="en-US" sz="2400" spc="-1" strike="noStrike">
-              <a:latin typeface="Arial"/>
-            </a:endParaRPr>
-          </a:p>
-          <a:p>
-            <a:pPr lvl="1" marL="685800" indent="-228240">
-              <a:lnSpc>
-                <a:spcPct val="90000"/>
-              </a:lnSpc>
-              <a:spcBef>
-                <a:spcPts val="499"/>
-              </a:spcBef>
-              <a:buClr>
-                <a:srgbClr val="000000"/>
-              </a:buClr>
-              <a:buFont typeface="Arial"/>
-              <a:buChar char="•"/>
-            </a:pPr>
-            <a:r>
-              <a:rPr b="0" lang="en-GB" sz="2400" spc="-1" strike="noStrike">
-                <a:solidFill>
-                  <a:srgbClr val="000000"/>
-                </a:solidFill>
-                <a:latin typeface="Calibri"/>
-              </a:rPr>
-              <a:t>Test</a:t>
-            </a:r>
-            <a:endParaRPr b="0" lang="en-US" sz="2400" spc="-1" strike="noStrike">
-              <a:latin typeface="Arial"/>
-            </a:endParaRPr>
-          </a:p>
-          <a:p>
-            <a:pPr lvl="1" marL="685800" indent="-228240">
-              <a:lnSpc>
-                <a:spcPct val="90000"/>
-              </a:lnSpc>
-              <a:spcBef>
-                <a:spcPts val="499"/>
-              </a:spcBef>
-              <a:buClr>
-                <a:srgbClr val="000000"/>
-              </a:buClr>
-              <a:buFont typeface="Arial"/>
-              <a:buChar char="•"/>
-            </a:pPr>
-            <a:r>
-              <a:rPr b="0" lang="en-GB" sz="2400" spc="-1" strike="noStrike">
-                <a:solidFill>
-                  <a:srgbClr val="000000"/>
-                </a:solidFill>
-                <a:latin typeface="Calibri"/>
-              </a:rPr>
-              <a:t>Deployment</a:t>
-            </a:r>
-            <a:endParaRPr b="0" lang="en-US" sz="2400" spc="-1" strike="noStrike">
-              <a:latin typeface="Arial"/>
-            </a:endParaRPr>
-          </a:p>
-          <a:p>
-            <a:pPr lvl="1" marL="685800" indent="-228240">
-              <a:lnSpc>
-                <a:spcPct val="90000"/>
-              </a:lnSpc>
-              <a:spcBef>
-                <a:spcPts val="499"/>
-              </a:spcBef>
-              <a:buClr>
-                <a:srgbClr val="000000"/>
-              </a:buClr>
-              <a:buFont typeface="Arial"/>
-              <a:buChar char="•"/>
-            </a:pPr>
-            <a:r>
-              <a:rPr b="0" lang="en-GB" sz="2400" spc="-1" strike="noStrike">
-                <a:solidFill>
-                  <a:srgbClr val="000000"/>
-                </a:solidFill>
-                <a:latin typeface="Calibri"/>
-              </a:rPr>
-              <a:t>Konfliktmanagement</a:t>
-            </a:r>
-            <a:endParaRPr b="0" lang="en-US" sz="2400" spc="-1" strike="noStrike">
-              <a:latin typeface="Arial"/>
-            </a:endParaRPr>
-          </a:p>
-          <a:p>
-            <a:pPr lvl="1" marL="685800" indent="-228240">
-              <a:lnSpc>
-                <a:spcPct val="90000"/>
-              </a:lnSpc>
-              <a:spcBef>
-                <a:spcPts val="499"/>
-              </a:spcBef>
-              <a:buClr>
-                <a:srgbClr val="000000"/>
-              </a:buClr>
-              <a:buFont typeface="Arial"/>
-              <a:buChar char="•"/>
-            </a:pPr>
-            <a:r>
-              <a:rPr b="0" lang="en-GB" sz="2400" spc="-1" strike="noStrike">
-                <a:solidFill>
-                  <a:srgbClr val="000000"/>
-                </a:solidFill>
-                <a:latin typeface="Calibri"/>
-              </a:rPr>
-              <a:t>Undo - Feature</a:t>
-            </a:r>
-            <a:endParaRPr b="0" lang="en-US" sz="2400" spc="-1" strike="noStrike">
-              <a:latin typeface="Arial"/>
-            </a:endParaRPr>
-          </a:p>
-        </p:txBody>
+            <a:endParaRPr lang="en-CH" sz="2000" b="0" strike="noStrike" spc="-1" dirty="0">
+              <a:solidFill>
+                <a:srgbClr val="000000"/>
+              </a:solidFill>
+              <a:latin typeface="Calibri"/>
+            </a:endParaRPr>
+          </a:p>
+        </p:txBody>
+      </p:sp>
+      <p:sp>
+        <p:nvSpPr>
+          <p:cNvPr id="98" name="CustomShape 4"/>
+          <p:cNvSpPr/>
+          <p:nvPr/>
+        </p:nvSpPr>
+        <p:spPr>
+          <a:xfrm rot="2700000">
+            <a:off x="11052720" y="2120040"/>
+            <a:ext cx="645120" cy="645120"/>
+          </a:xfrm>
+          <a:prstGeom prst="rect">
+            <a:avLst/>
+          </a:prstGeom>
+          <a:solidFill>
+            <a:schemeClr val="accent4">
+              <a:alpha val="30000"/>
+            </a:schemeClr>
+          </a:solidFill>
+          <a:ln>
+            <a:noFill/>
+          </a:ln>
+        </p:spPr>
+        <p:style>
+          <a:lnRef idx="2">
+            <a:schemeClr val="accent1">
+              <a:shade val="50000"/>
+            </a:schemeClr>
+          </a:lnRef>
+          <a:fillRef idx="1">
+            <a:schemeClr val="accent1"/>
+          </a:fillRef>
+          <a:effectRef idx="0">
+            <a:schemeClr val="accent1"/>
+          </a:effectRef>
+          <a:fontRef idx="minor"/>
+        </p:style>
+      </p:sp>
+      <p:sp>
+        <p:nvSpPr>
+          <p:cNvPr id="99" name="CustomShape 5"/>
+          <p:cNvSpPr/>
+          <p:nvPr/>
+        </p:nvSpPr>
+        <p:spPr>
+          <a:xfrm rot="16200000">
+            <a:off x="10288800" y="1343520"/>
+            <a:ext cx="2532600" cy="1272600"/>
+          </a:xfrm>
+          <a:prstGeom prst="triangle">
+            <a:avLst>
+              <a:gd name="adj" fmla="val 50000"/>
+            </a:avLst>
+          </a:prstGeom>
+          <a:solidFill>
+            <a:schemeClr val="accent4">
+              <a:alpha val="30000"/>
+            </a:schemeClr>
+          </a:solidFill>
+          <a:ln>
+            <a:noFill/>
+          </a:ln>
+        </p:spPr>
+        <p:style>
+          <a:lnRef idx="2">
+            <a:schemeClr val="accent1">
+              <a:shade val="50000"/>
+            </a:schemeClr>
+          </a:lnRef>
+          <a:fillRef idx="1">
+            <a:schemeClr val="accent1"/>
+          </a:fillRef>
+          <a:effectRef idx="0">
+            <a:schemeClr val="accent1"/>
+          </a:effectRef>
+          <a:fontRef idx="minor"/>
+        </p:style>
+      </p:sp>
+      <p:sp>
+        <p:nvSpPr>
+          <p:cNvPr id="100" name="CustomShape 6"/>
+          <p:cNvSpPr/>
+          <p:nvPr/>
+        </p:nvSpPr>
+        <p:spPr>
+          <a:xfrm rot="5400000">
+            <a:off x="-501120" y="5103000"/>
+            <a:ext cx="2017080" cy="1013760"/>
+          </a:xfrm>
+          <a:prstGeom prst="triangle">
+            <a:avLst>
+              <a:gd name="adj" fmla="val 50000"/>
+            </a:avLst>
+          </a:prstGeom>
+          <a:solidFill>
+            <a:schemeClr val="accent1">
+              <a:alpha val="30000"/>
+            </a:schemeClr>
+          </a:solidFill>
+          <a:ln>
+            <a:noFill/>
+          </a:ln>
+        </p:spPr>
+        <p:style>
+          <a:lnRef idx="2">
+            <a:schemeClr val="accent1">
+              <a:shade val="50000"/>
+            </a:schemeClr>
+          </a:lnRef>
+          <a:fillRef idx="1">
+            <a:schemeClr val="accent1"/>
+          </a:fillRef>
+          <a:effectRef idx="0">
+            <a:schemeClr val="accent1"/>
+          </a:effectRef>
+          <a:fontRef idx="minor"/>
+        </p:style>
+      </p:sp>
+      <p:sp>
+        <p:nvSpPr>
+          <p:cNvPr id="101" name="CustomShape 7"/>
+          <p:cNvSpPr/>
+          <p:nvPr/>
+        </p:nvSpPr>
+        <p:spPr>
+          <a:xfrm rot="2700000">
+            <a:off x="427680" y="5728680"/>
+            <a:ext cx="485280" cy="485280"/>
+          </a:xfrm>
+          <a:prstGeom prst="rect">
+            <a:avLst/>
+          </a:prstGeom>
+          <a:solidFill>
+            <a:schemeClr val="accent1">
+              <a:alpha val="30000"/>
+            </a:schemeClr>
+          </a:solidFill>
+          <a:ln>
+            <a:noFill/>
+          </a:ln>
+        </p:spPr>
+        <p:style>
+          <a:lnRef idx="2">
+            <a:schemeClr val="accent1">
+              <a:shade val="50000"/>
+            </a:schemeClr>
+          </a:lnRef>
+          <a:fillRef idx="1">
+            <a:schemeClr val="accent1"/>
+          </a:fillRef>
+          <a:effectRef idx="0">
+            <a:schemeClr val="accent1"/>
+          </a:effectRef>
+          <a:fontRef idx="minor"/>
+        </p:style>
       </p:sp>
     </p:spTree>
   </p:cSld>
-  <mc:AlternateContent>
-    <mc:Choice Requires="p14">
-      <p:transition spd="slow" p14:dur="2000"/>
-    </mc:Choice>
-    <mc:Fallback>
-      <p:transition spd="slow"/>
-    </mc:Fallback>
-  </mc:AlternateContent>
+  <p:clrMapOvr>
+    <a:masterClrMapping/>
+  </p:clrMapOvr>
 </p:sld>
 </file>
 
-<file path=ppt/slides/slide12.xml><?xml version="1.0" encoding="utf-8"?>
-<p:sld xmlns:a="http://schemas.openxmlformats.org/drawingml/2006/main" xmlns:p="http://schemas.openxmlformats.org/presentationml/2006/main" xmlns:r="http://schemas.openxmlformats.org/officeDocument/2006/relationships" xmlns:p14="http://schemas.microsoft.com/office/powerpoint/2010/main" xmlns:p15="http://schemas.microsoft.com/office/powerpoint/2012/main" xmlns:mc="http://schemas.openxmlformats.org/markup-compatibility/2006">
+<file path=ppt/slides/slide3.xml><?xml version="1.0" encoding="utf-8"?>
+<p:sld xmlns:a="http://schemas.openxmlformats.org/drawingml/2006/main" xmlns:r="http://schemas.openxmlformats.org/officeDocument/2006/relationships" xmlns:p="http://schemas.openxmlformats.org/presentationml/2006/main">
   <p:cSld>
     <p:bg>
       <p:bgPr>
         <a:solidFill>
-          <a:srgbClr val="ffffff"/>
+          <a:srgbClr val="FFFFFF"/>
         </a:solidFill>
+        <a:effectLst/>
       </p:bgPr>
     </p:bg>
     <p:spTree>
@@ -6114,374 +7465,20 @@
       </p:grpSpPr>
       <p:sp>
         <p:nvSpPr>
-          <p:cNvPr id="174" name="TextShape 1"/>
-          <p:cNvSpPr txBox="1"/>
-          <p:nvPr/>
-        </p:nvSpPr>
-        <p:spPr>
-          <a:xfrm>
-            <a:off x="643320" y="321840"/>
-            <a:ext cx="10904760" cy="1135440"/>
-          </a:xfrm>
-          <a:prstGeom prst="rect">
-            <a:avLst/>
-          </a:prstGeom>
-          <a:noFill/>
-          <a:ln>
-            <a:noFill/>
-          </a:ln>
-        </p:spPr>
-        <p:txBody>
-          <a:bodyPr anchor="ctr">
-            <a:normAutofit/>
-          </a:bodyPr>
-          <a:p>
-            <a:pPr>
-              <a:lnSpc>
-                <a:spcPct val="90000"/>
-              </a:lnSpc>
-            </a:pPr>
-            <a:r>
-              <a:rPr b="0" lang="en-GB" sz="3600" spc="-1" strike="noStrike">
-                <a:solidFill>
-                  <a:srgbClr val="000000"/>
-                </a:solidFill>
-                <a:latin typeface="Calibri Light"/>
-              </a:rPr>
-              <a:t>Applikationsprotokoll</a:t>
-            </a:r>
-            <a:endParaRPr b="0" lang="en-CH" sz="3600" spc="-1" strike="noStrike">
-              <a:solidFill>
-                <a:srgbClr val="000000"/>
-              </a:solidFill>
-              <a:latin typeface="Calibri"/>
-            </a:endParaRPr>
-          </a:p>
-        </p:txBody>
-      </p:sp>
-      <p:sp>
-        <p:nvSpPr>
-          <p:cNvPr id="175" name="TextShape 2"/>
-          <p:cNvSpPr txBox="1"/>
-          <p:nvPr/>
-        </p:nvSpPr>
-        <p:spPr>
-          <a:xfrm>
-            <a:off x="643320" y="1783080"/>
-            <a:ext cx="10904760" cy="4393800"/>
-          </a:xfrm>
-          <a:prstGeom prst="rect">
-            <a:avLst/>
-          </a:prstGeom>
-          <a:noFill/>
-          <a:ln>
-            <a:noFill/>
-          </a:ln>
-        </p:spPr>
-        <p:txBody>
-          <a:bodyPr>
-            <a:normAutofit/>
-          </a:bodyPr>
-          <a:p>
-            <a:pPr marL="228600" indent="-228240">
-              <a:lnSpc>
-                <a:spcPct val="90000"/>
-              </a:lnSpc>
-              <a:spcBef>
-                <a:spcPts val="1001"/>
-              </a:spcBef>
-              <a:buClr>
-                <a:srgbClr val="000000"/>
-              </a:buClr>
-              <a:buFont typeface="Arial"/>
-              <a:buChar char="•"/>
-            </a:pPr>
-            <a:r>
-              <a:rPr b="0" lang="en-GB" sz="2000" spc="-1" strike="noStrike">
-                <a:solidFill>
-                  <a:srgbClr val="000000"/>
-                </a:solidFill>
-                <a:latin typeface="Calibri"/>
-              </a:rPr>
-              <a:t>CommandType</a:t>
-            </a:r>
-            <a:endParaRPr b="0" lang="en-CH" sz="2000" spc="-1" strike="noStrike">
-              <a:solidFill>
-                <a:srgbClr val="000000"/>
-              </a:solidFill>
-              <a:latin typeface="Calibri"/>
-            </a:endParaRPr>
-          </a:p>
-          <a:p>
-            <a:pPr lvl="1" marL="685800" indent="-228240">
-              <a:lnSpc>
-                <a:spcPct val="90000"/>
-              </a:lnSpc>
-              <a:spcBef>
-                <a:spcPts val="499"/>
-              </a:spcBef>
-              <a:buClr>
-                <a:srgbClr val="000000"/>
-              </a:buClr>
-              <a:buFont typeface="Arial"/>
-              <a:buChar char="•"/>
-            </a:pPr>
-            <a:r>
-              <a:rPr b="0" lang="en-GB" sz="2000" spc="-1" strike="noStrike">
-                <a:solidFill>
-                  <a:srgbClr val="000000"/>
-                </a:solidFill>
-                <a:latin typeface="Calibri"/>
-              </a:rPr>
-              <a:t>INITIAL</a:t>
-            </a:r>
-            <a:endParaRPr b="0" lang="en-CH" sz="2000" spc="-1" strike="noStrike">
-              <a:solidFill>
-                <a:srgbClr val="000000"/>
-              </a:solidFill>
-              <a:latin typeface="Calibri"/>
-            </a:endParaRPr>
-          </a:p>
-          <a:p>
-            <a:pPr lvl="1" marL="685800" indent="-228240">
-              <a:lnSpc>
-                <a:spcPct val="90000"/>
-              </a:lnSpc>
-              <a:spcBef>
-                <a:spcPts val="499"/>
-              </a:spcBef>
-              <a:buClr>
-                <a:srgbClr val="000000"/>
-              </a:buClr>
-              <a:buFont typeface="Arial"/>
-              <a:buChar char="•"/>
-            </a:pPr>
-            <a:r>
-              <a:rPr b="0" lang="en-GB" sz="2000" spc="-1" strike="noStrike">
-                <a:solidFill>
-                  <a:srgbClr val="000000"/>
-                </a:solidFill>
-                <a:latin typeface="Calibri"/>
-              </a:rPr>
-              <a:t>ADD_PARAGRAPH</a:t>
-            </a:r>
-            <a:endParaRPr b="0" lang="en-CH" sz="2000" spc="-1" strike="noStrike">
-              <a:solidFill>
-                <a:srgbClr val="000000"/>
-              </a:solidFill>
-              <a:latin typeface="Calibri"/>
-            </a:endParaRPr>
-          </a:p>
-          <a:p>
-            <a:pPr lvl="1" marL="685800" indent="-228240">
-              <a:lnSpc>
-                <a:spcPct val="90000"/>
-              </a:lnSpc>
-              <a:spcBef>
-                <a:spcPts val="499"/>
-              </a:spcBef>
-              <a:buClr>
-                <a:srgbClr val="000000"/>
-              </a:buClr>
-              <a:buFont typeface="Arial"/>
-              <a:buChar char="•"/>
-            </a:pPr>
-            <a:r>
-              <a:rPr b="0" lang="en-GB" sz="2000" spc="-1" strike="noStrike">
-                <a:solidFill>
-                  <a:srgbClr val="000000"/>
-                </a:solidFill>
-                <a:latin typeface="Calibri"/>
-              </a:rPr>
-              <a:t>UPDATE_PARAGRAPH</a:t>
-            </a:r>
-            <a:endParaRPr b="0" lang="en-CH" sz="2000" spc="-1" strike="noStrike">
-              <a:solidFill>
-                <a:srgbClr val="000000"/>
-              </a:solidFill>
-              <a:latin typeface="Calibri"/>
-            </a:endParaRPr>
-          </a:p>
-          <a:p>
-            <a:pPr lvl="1" marL="685800" indent="-228240">
-              <a:lnSpc>
-                <a:spcPct val="90000"/>
-              </a:lnSpc>
-              <a:spcBef>
-                <a:spcPts val="499"/>
-              </a:spcBef>
-              <a:buClr>
-                <a:srgbClr val="000000"/>
-              </a:buClr>
-              <a:buFont typeface="Arial"/>
-              <a:buChar char="•"/>
-            </a:pPr>
-            <a:r>
-              <a:rPr b="0" lang="en-GB" sz="2000" spc="-1" strike="noStrike">
-                <a:solidFill>
-                  <a:srgbClr val="000000"/>
-                </a:solidFill>
-                <a:latin typeface="Calibri"/>
-              </a:rPr>
-              <a:t>UPDATE_PARAGRAPH_ORDINALS</a:t>
-            </a:r>
-            <a:endParaRPr b="0" lang="en-CH" sz="2000" spc="-1" strike="noStrike">
-              <a:solidFill>
-                <a:srgbClr val="000000"/>
-              </a:solidFill>
-              <a:latin typeface="Calibri"/>
-            </a:endParaRPr>
-          </a:p>
-          <a:p>
-            <a:pPr lvl="1" marL="685800" indent="-228240">
-              <a:lnSpc>
-                <a:spcPct val="90000"/>
-              </a:lnSpc>
-              <a:spcBef>
-                <a:spcPts val="499"/>
-              </a:spcBef>
-              <a:buClr>
-                <a:srgbClr val="000000"/>
-              </a:buClr>
-              <a:buFont typeface="Arial"/>
-              <a:buChar char="•"/>
-            </a:pPr>
-            <a:r>
-              <a:rPr b="0" lang="en-GB" sz="2000" spc="-1" strike="noStrike">
-                <a:solidFill>
-                  <a:srgbClr val="000000"/>
-                </a:solidFill>
-                <a:latin typeface="Calibri"/>
-              </a:rPr>
-              <a:t>UPDATE_AUTHOR</a:t>
-            </a:r>
-            <a:br/>
-            <a:r>
-              <a:rPr b="0" lang="en-GB" sz="2000" spc="-1" strike="noStrike">
-                <a:solidFill>
-                  <a:srgbClr val="000000"/>
-                </a:solidFill>
-                <a:latin typeface="Calibri"/>
-              </a:rPr>
-              <a:t> </a:t>
-            </a:r>
-            <a:endParaRPr b="0" lang="en-CH" sz="2000" spc="-1" strike="noStrike">
-              <a:solidFill>
-                <a:srgbClr val="000000"/>
-              </a:solidFill>
-              <a:latin typeface="Calibri"/>
-            </a:endParaRPr>
-          </a:p>
-          <a:p>
-            <a:pPr marL="228600" indent="-228240">
-              <a:lnSpc>
-                <a:spcPct val="90000"/>
-              </a:lnSpc>
-              <a:spcBef>
-                <a:spcPts val="1001"/>
-              </a:spcBef>
-              <a:buClr>
-                <a:srgbClr val="000000"/>
-              </a:buClr>
-              <a:buFont typeface="Arial"/>
-              <a:buChar char="•"/>
-            </a:pPr>
-            <a:r>
-              <a:rPr b="0" lang="en-GB" sz="2400" spc="-1" strike="noStrike">
-                <a:solidFill>
-                  <a:srgbClr val="000000"/>
-                </a:solidFill>
-                <a:latin typeface="Calibri"/>
-              </a:rPr>
-              <a:t>Schnittstellen</a:t>
-            </a:r>
-            <a:endParaRPr b="0" lang="en-CH" sz="2400" spc="-1" strike="noStrike">
-              <a:solidFill>
-                <a:srgbClr val="000000"/>
-              </a:solidFill>
-              <a:latin typeface="Calibri"/>
-            </a:endParaRPr>
-          </a:p>
-          <a:p>
-            <a:pPr lvl="1" marL="685800" indent="-228240">
-              <a:lnSpc>
-                <a:spcPct val="90000"/>
-              </a:lnSpc>
-              <a:spcBef>
-                <a:spcPts val="499"/>
-              </a:spcBef>
-              <a:buClr>
-                <a:srgbClr val="000000"/>
-              </a:buClr>
-              <a:buFont typeface="Arial"/>
-              <a:buChar char="•"/>
-            </a:pPr>
-            <a:r>
-              <a:rPr b="0" lang="en-GB" sz="2000" spc="-1" strike="noStrike">
-                <a:solidFill>
-                  <a:srgbClr val="000000"/>
-                </a:solidFill>
-                <a:latin typeface="Calibri"/>
-              </a:rPr>
-              <a:t>Subscription Controller (Server Sent Events)</a:t>
-            </a:r>
-            <a:endParaRPr b="0" lang="en-CH" sz="2000" spc="-1" strike="noStrike">
-              <a:solidFill>
-                <a:srgbClr val="000000"/>
-              </a:solidFill>
-              <a:latin typeface="Calibri"/>
-            </a:endParaRPr>
-          </a:p>
-          <a:p>
-            <a:pPr lvl="1" marL="685800" indent="-228240">
-              <a:lnSpc>
-                <a:spcPct val="90000"/>
-              </a:lnSpc>
-              <a:spcBef>
-                <a:spcPts val="499"/>
-              </a:spcBef>
-              <a:buClr>
-                <a:srgbClr val="000000"/>
-              </a:buClr>
-              <a:buFont typeface="Arial"/>
-              <a:buChar char="•"/>
-            </a:pPr>
-            <a:r>
-              <a:rPr b="0" lang="en-GB" sz="2000" spc="-1" strike="noStrike">
-                <a:solidFill>
-                  <a:srgbClr val="000000"/>
-                </a:solidFill>
-                <a:latin typeface="Calibri"/>
-              </a:rPr>
-              <a:t>Command Controller (HTTP)</a:t>
-            </a:r>
-            <a:endParaRPr b="0" lang="en-CH" sz="2000" spc="-1" strike="noStrike">
-              <a:solidFill>
-                <a:srgbClr val="000000"/>
-              </a:solidFill>
-              <a:latin typeface="Calibri"/>
-            </a:endParaRPr>
-          </a:p>
-        </p:txBody>
-      </p:sp>
-      <p:sp>
-        <p:nvSpPr>
-          <p:cNvPr id="176" name="CustomShape 3"/>
+          <p:cNvPr id="102" name="CustomShape 1"/>
           <p:cNvSpPr/>
           <p:nvPr/>
         </p:nvSpPr>
         <p:spPr>
-          <a:xfrm rot="2700000">
-            <a:off x="11052720" y="2120040"/>
-            <a:ext cx="645120" cy="645120"/>
+          <a:xfrm>
+            <a:off x="0" y="0"/>
+            <a:ext cx="12191760" cy="6857640"/>
           </a:xfrm>
           <a:prstGeom prst="rect">
             <a:avLst/>
           </a:prstGeom>
           <a:solidFill>
-            <a:schemeClr val="accent4">
-              <a:alpha val="30000"/>
-            </a:schemeClr>
+            <a:schemeClr val="bg1"/>
           </a:solidFill>
           <a:ln>
             <a:noFill/>
@@ -6504,19 +7501,65 @@
       </p:sp>
       <p:sp>
         <p:nvSpPr>
-          <p:cNvPr id="177" name="CustomShape 4"/>
+          <p:cNvPr id="103" name="TextShape 2"/>
+          <p:cNvSpPr txBox="1"/>
+          <p:nvPr/>
+        </p:nvSpPr>
+        <p:spPr>
+          <a:xfrm>
+            <a:off x="643320" y="321840"/>
+            <a:ext cx="10904760" cy="1135440"/>
+          </a:xfrm>
+          <a:prstGeom prst="rect">
+            <a:avLst/>
+          </a:prstGeom>
+          <a:noFill/>
+          <a:ln>
+            <a:noFill/>
+          </a:ln>
+        </p:spPr>
+        <p:txBody>
+          <a:bodyPr anchor="ctr">
+            <a:normAutofit/>
+          </a:bodyPr>
+          <a:lstStyle/>
+          <a:p>
+            <a:pPr>
+              <a:lnSpc>
+                <a:spcPct val="90000"/>
+              </a:lnSpc>
+            </a:pPr>
+            <a:r>
+              <a:rPr lang="en-GB" sz="3600" b="0" strike="noStrike" spc="-1">
+                <a:solidFill>
+                  <a:srgbClr val="000000"/>
+                </a:solidFill>
+                <a:latin typeface="Calibri Light"/>
+              </a:rPr>
+              <a:t>Technologie</a:t>
+            </a:r>
+            <a:endParaRPr lang="en-CH" sz="3600" b="0" strike="noStrike" spc="-1">
+              <a:solidFill>
+                <a:srgbClr val="000000"/>
+              </a:solidFill>
+              <a:latin typeface="Calibri"/>
+            </a:endParaRPr>
+          </a:p>
+        </p:txBody>
+      </p:sp>
+      <p:sp>
+        <p:nvSpPr>
+          <p:cNvPr id="104" name="CustomShape 3"/>
           <p:cNvSpPr/>
           <p:nvPr/>
         </p:nvSpPr>
         <p:spPr>
-          <a:xfrm rot="16200000">
-            <a:off x="10288800" y="1343520"/>
-            <a:ext cx="2532600" cy="1272600"/>
-          </a:xfrm>
-          <a:prstGeom prst="triangle">
-            <a:avLst>
-              <a:gd name="adj" fmla="val 50000"/>
-            </a:avLst>
+          <a:xfrm rot="2700000">
+            <a:off x="11052720" y="2120040"/>
+            <a:ext cx="645120" cy="645120"/>
+          </a:xfrm>
+          <a:prstGeom prst="rect">
+            <a:avLst/>
           </a:prstGeom>
           <a:solidFill>
             <a:schemeClr val="accent4">
@@ -6544,14 +7587,14 @@
       </p:sp>
       <p:sp>
         <p:nvSpPr>
-          <p:cNvPr id="178" name="CustomShape 5"/>
+          <p:cNvPr id="105" name="CustomShape 4"/>
           <p:cNvSpPr/>
           <p:nvPr/>
         </p:nvSpPr>
         <p:spPr>
-          <a:xfrm rot="5400000">
-            <a:off x="-501120" y="5103000"/>
-            <a:ext cx="2017080" cy="1013760"/>
+          <a:xfrm rot="16200000">
+            <a:off x="10288800" y="1343520"/>
+            <a:ext cx="2532600" cy="1272600"/>
           </a:xfrm>
           <a:prstGeom prst="triangle">
             <a:avLst>
@@ -6559,7 +7602,7 @@
             </a:avLst>
           </a:prstGeom>
           <a:solidFill>
-            <a:schemeClr val="accent1">
+            <a:schemeClr val="accent4">
               <a:alpha val="30000"/>
             </a:schemeClr>
           </a:solidFill>
@@ -6584,17 +7627,19 @@
       </p:sp>
       <p:sp>
         <p:nvSpPr>
-          <p:cNvPr id="179" name="CustomShape 6"/>
+          <p:cNvPr id="106" name="CustomShape 5"/>
           <p:cNvSpPr/>
           <p:nvPr/>
         </p:nvSpPr>
         <p:spPr>
-          <a:xfrm rot="2700000">
-            <a:off x="427680" y="5728680"/>
-            <a:ext cx="485280" cy="485280"/>
-          </a:xfrm>
-          <a:prstGeom prst="rect">
-            <a:avLst/>
+          <a:xfrm rot="5400000">
+            <a:off x="-501120" y="5103000"/>
+            <a:ext cx="2017080" cy="1013760"/>
+          </a:xfrm>
+          <a:prstGeom prst="triangle">
+            <a:avLst>
+              <a:gd name="adj" fmla="val 50000"/>
+            </a:avLst>
           </a:prstGeom>
           <a:solidFill>
             <a:schemeClr val="accent1">
@@ -6620,27 +7665,176 @@
           <a:fontRef idx="minor"/>
         </p:style>
       </p:sp>
+      <p:sp>
+        <p:nvSpPr>
+          <p:cNvPr id="107" name="CustomShape 6"/>
+          <p:cNvSpPr/>
+          <p:nvPr/>
+        </p:nvSpPr>
+        <p:spPr>
+          <a:xfrm rot="2700000">
+            <a:off x="427680" y="5728680"/>
+            <a:ext cx="485280" cy="485280"/>
+          </a:xfrm>
+          <a:prstGeom prst="rect">
+            <a:avLst/>
+          </a:prstGeom>
+          <a:solidFill>
+            <a:schemeClr val="accent1">
+              <a:alpha val="30000"/>
+            </a:schemeClr>
+          </a:solidFill>
+          <a:ln>
+            <a:noFill/>
+          </a:ln>
+        </p:spPr>
+        <p:style>
+          <a:lnRef idx="2">
+            <a:schemeClr val="accent1">
+              <a:shade val="50000"/>
+            </a:schemeClr>
+          </a:lnRef>
+          <a:fillRef idx="1">
+            <a:schemeClr val="accent1"/>
+          </a:fillRef>
+          <a:effectRef idx="0">
+            <a:schemeClr val="accent1"/>
+          </a:effectRef>
+          <a:fontRef idx="minor"/>
+        </p:style>
+      </p:sp>
+      <p:pic>
+        <p:nvPicPr>
+          <p:cNvPr id="108" name="Inhaltsplatzhalter 4"/>
+          <p:cNvPicPr/>
+          <p:nvPr/>
+        </p:nvPicPr>
+        <p:blipFill>
+          <a:blip r:embed="rId2"/>
+          <a:stretch/>
+        </p:blipFill>
+        <p:spPr>
+          <a:xfrm>
+            <a:off x="3591000" y="1825560"/>
+            <a:ext cx="5009400" cy="4350960"/>
+          </a:xfrm>
+          <a:prstGeom prst="rect">
+            <a:avLst/>
+          </a:prstGeom>
+          <a:ln>
+            <a:noFill/>
+          </a:ln>
+        </p:spPr>
+      </p:pic>
+      <p:pic>
+        <p:nvPicPr>
+          <p:cNvPr id="109" name="Grafik 10"/>
+          <p:cNvPicPr/>
+          <p:nvPr/>
+        </p:nvPicPr>
+        <p:blipFill>
+          <a:blip r:embed="rId3"/>
+          <a:stretch/>
+        </p:blipFill>
+        <p:spPr>
+          <a:xfrm>
+            <a:off x="7418520" y="1351080"/>
+            <a:ext cx="2364480" cy="1109880"/>
+          </a:xfrm>
+          <a:prstGeom prst="rect">
+            <a:avLst/>
+          </a:prstGeom>
+          <a:ln>
+            <a:noFill/>
+          </a:ln>
+        </p:spPr>
+      </p:pic>
+      <p:pic>
+        <p:nvPicPr>
+          <p:cNvPr id="110" name="Picture 2" descr="Redux (JavaScript-Bibliothek) – Wikipedia"/>
+          <p:cNvPicPr/>
+          <p:nvPr/>
+        </p:nvPicPr>
+        <p:blipFill>
+          <a:blip r:embed="rId4"/>
+          <a:stretch/>
+        </p:blipFill>
+        <p:spPr>
+          <a:xfrm>
+            <a:off x="5153760" y="2342160"/>
+            <a:ext cx="789480" cy="617400"/>
+          </a:xfrm>
+          <a:prstGeom prst="rect">
+            <a:avLst/>
+          </a:prstGeom>
+          <a:ln>
+            <a:noFill/>
+          </a:ln>
+        </p:spPr>
+      </p:pic>
+      <p:pic>
+        <p:nvPicPr>
+          <p:cNvPr id="111" name="Picture 2" descr="Redux (JavaScript-Bibliothek) – Wikipedia"/>
+          <p:cNvPicPr/>
+          <p:nvPr/>
+        </p:nvPicPr>
+        <p:blipFill>
+          <a:blip r:embed="rId4"/>
+          <a:stretch/>
+        </p:blipFill>
+        <p:spPr>
+          <a:xfrm>
+            <a:off x="3591000" y="2342160"/>
+            <a:ext cx="789480" cy="617400"/>
+          </a:xfrm>
+          <a:prstGeom prst="rect">
+            <a:avLst/>
+          </a:prstGeom>
+          <a:ln>
+            <a:noFill/>
+          </a:ln>
+        </p:spPr>
+      </p:pic>
+      <p:pic>
+        <p:nvPicPr>
+          <p:cNvPr id="112" name="Picture 2" descr="Redux (JavaScript-Bibliothek) – Wikipedia"/>
+          <p:cNvPicPr/>
+          <p:nvPr/>
+        </p:nvPicPr>
+        <p:blipFill>
+          <a:blip r:embed="rId4"/>
+          <a:stretch/>
+        </p:blipFill>
+        <p:spPr>
+          <a:xfrm>
+            <a:off x="6802560" y="2342160"/>
+            <a:ext cx="789480" cy="617400"/>
+          </a:xfrm>
+          <a:prstGeom prst="rect">
+            <a:avLst/>
+          </a:prstGeom>
+          <a:ln>
+            <a:noFill/>
+          </a:ln>
+        </p:spPr>
+      </p:pic>
     </p:spTree>
   </p:cSld>
-  <mc:AlternateContent>
-    <mc:Choice Requires="p14">
-      <p:transition spd="slow" p14:dur="2000"/>
-    </mc:Choice>
-    <mc:Fallback>
-      <p:transition spd="slow"/>
-    </mc:Fallback>
-  </mc:AlternateContent>
+  <p:clrMapOvr>
+    <a:masterClrMapping/>
+  </p:clrMapOvr>
 </p:sld>
 </file>
 
-<file path=ppt/slides/slide2.xml><?xml version="1.0" encoding="utf-8"?>
-<p:sld xmlns:a="http://schemas.openxmlformats.org/drawingml/2006/main" xmlns:p="http://schemas.openxmlformats.org/presentationml/2006/main" xmlns:r="http://schemas.openxmlformats.org/officeDocument/2006/relationships" xmlns:p14="http://schemas.microsoft.com/office/powerpoint/2010/main" xmlns:p15="http://schemas.microsoft.com/office/powerpoint/2012/main" xmlns:mc="http://schemas.openxmlformats.org/markup-compatibility/2006">
+<file path=ppt/slides/slide4.xml><?xml version="1.0" encoding="utf-8"?>
+<p:sld xmlns:a="http://schemas.openxmlformats.org/drawingml/2006/main" xmlns:r="http://schemas.openxmlformats.org/officeDocument/2006/relationships" xmlns:p="http://schemas.openxmlformats.org/presentationml/2006/main">
   <p:cSld>
     <p:bg>
       <p:bgPr>
         <a:solidFill>
-          <a:srgbClr val="ffffff"/>
+          <a:srgbClr val="FFFFFF"/>
         </a:solidFill>
+        <a:effectLst/>
       </p:bgPr>
     </p:bg>
     <p:spTree>
@@ -6659,7 +7853,7 @@
       </p:grpSpPr>
       <p:sp>
         <p:nvSpPr>
-          <p:cNvPr id="95" name="CustomShape 1"/>
+          <p:cNvPr id="113" name="CustomShape 1"/>
           <p:cNvSpPr/>
           <p:nvPr/>
         </p:nvSpPr>
@@ -6695,7 +7889,7 @@
       </p:sp>
       <p:sp>
         <p:nvSpPr>
-          <p:cNvPr id="96" name="TextShape 2"/>
+          <p:cNvPr id="114" name="TextShape 2"/>
           <p:cNvSpPr txBox="1"/>
           <p:nvPr/>
         </p:nvSpPr>
@@ -6716,6 +7910,7 @@
           <a:bodyPr anchor="ctr">
             <a:normAutofit/>
           </a:bodyPr>
+          <a:lstStyle/>
           <a:p>
             <a:pPr>
               <a:lnSpc>
@@ -6723,26 +7918,26 @@
               </a:lnSpc>
             </a:pPr>
             <a:r>
-              <a:rPr b="0" lang="en-GB" sz="3600" spc="-1" strike="noStrike">
+              <a:rPr lang="en-GB" sz="3600" b="0" strike="noStrike" spc="-1">
                 <a:solidFill>
                   <a:srgbClr val="000000"/>
                 </a:solidFill>
                 <a:latin typeface="Calibri Light"/>
               </a:rPr>
-              <a:t>Inhalt</a:t>
+              <a:t>Funktionsweise</a:t>
             </a:r>
-            <a:endParaRPr b="0" lang="en-CH" sz="3600" spc="-1" strike="noStrike">
-              <a:solidFill>
-                <a:srgbClr val="000000"/>
-              </a:solidFill>
-              <a:latin typeface="Calibri"/>
-            </a:endParaRPr>
-          </a:p>
-        </p:txBody>
-      </p:sp>
-      <p:sp>
-        <p:nvSpPr>
-          <p:cNvPr id="97" name="TextShape 3"/>
+            <a:endParaRPr lang="en-CH" sz="3600" b="0" strike="noStrike" spc="-1">
+              <a:solidFill>
+                <a:srgbClr val="000000"/>
+              </a:solidFill>
+              <a:latin typeface="Calibri"/>
+            </a:endParaRPr>
+          </a:p>
+        </p:txBody>
+      </p:sp>
+      <p:sp>
+        <p:nvSpPr>
+          <p:cNvPr id="115" name="TextShape 3"/>
           <p:cNvSpPr txBox="1"/>
           <p:nvPr/>
         </p:nvSpPr>
@@ -6763,6 +7958,7 @@
           <a:bodyPr>
             <a:normAutofit/>
           </a:bodyPr>
+          <a:lstStyle/>
           <a:p>
             <a:pPr marL="228600" indent="-228240">
               <a:lnSpc>
@@ -6778,15 +7974,75 @@
               <a:buChar char="•"/>
             </a:pPr>
             <a:r>
-              <a:rPr b="0" lang="en-GB" sz="2000" spc="-1" strike="noStrike">
+              <a:rPr lang="en-GB" sz="2000" b="0" strike="noStrike" spc="-1">
                 <a:solidFill>
                   <a:srgbClr val="000000"/>
                 </a:solidFill>
                 <a:latin typeface="Calibri"/>
               </a:rPr>
-              <a:t>Systemaufbau</a:t>
+              <a:t>2 Kanäle</a:t>
             </a:r>
-            <a:endParaRPr b="0" lang="en-CH" sz="2000" spc="-1" strike="noStrike">
+            <a:endParaRPr lang="en-CH" sz="2000" b="0" strike="noStrike" spc="-1">
+              <a:solidFill>
+                <a:srgbClr val="000000"/>
+              </a:solidFill>
+              <a:latin typeface="Calibri"/>
+            </a:endParaRPr>
+          </a:p>
+          <a:p>
+            <a:pPr marL="685800" lvl="1" indent="-228240">
+              <a:lnSpc>
+                <a:spcPct val="90000"/>
+              </a:lnSpc>
+              <a:spcBef>
+                <a:spcPts val="499"/>
+              </a:spcBef>
+              <a:buClr>
+                <a:srgbClr val="000000"/>
+              </a:buClr>
+              <a:buFont typeface="Arial"/>
+              <a:buChar char="•"/>
+            </a:pPr>
+            <a:r>
+              <a:rPr lang="en-GB" sz="1600" b="0" strike="noStrike" spc="-1">
+                <a:solidFill>
+                  <a:srgbClr val="000000"/>
+                </a:solidFill>
+                <a:latin typeface="Calibri"/>
+              </a:rPr>
+              <a:t>Änderungen empfangen: Stehende Verbindung (Server Sent Events)</a:t>
+            </a:r>
+            <a:endParaRPr lang="en-CH" sz="1600" b="0" strike="noStrike" spc="-1">
+              <a:solidFill>
+                <a:srgbClr val="000000"/>
+              </a:solidFill>
+              <a:latin typeface="Calibri"/>
+            </a:endParaRPr>
+          </a:p>
+          <a:p>
+            <a:pPr marL="685800" lvl="1" indent="-228240">
+              <a:lnSpc>
+                <a:spcPct val="90000"/>
+              </a:lnSpc>
+              <a:spcBef>
+                <a:spcPts val="499"/>
+              </a:spcBef>
+              <a:buClr>
+                <a:srgbClr val="000000"/>
+              </a:buClr>
+              <a:buFont typeface="Arial"/>
+              <a:buChar char="•"/>
+            </a:pPr>
+            <a:r>
+              <a:rPr lang="en-GB" sz="1600" b="0" strike="noStrike" spc="-1">
+                <a:solidFill>
+                  <a:srgbClr val="000000"/>
+                </a:solidFill>
+                <a:latin typeface="Calibri"/>
+              </a:rPr>
+              <a:t>Änderungen senden:  Verbindung pro Änderung (HTTP POST)</a:t>
+            </a:r>
+            <a:endParaRPr lang="en-CH" sz="1600" b="0" strike="noStrike" spc="-1">
               <a:solidFill>
                 <a:srgbClr val="000000"/>
               </a:solidFill>
@@ -6808,15 +8064,15 @@
               <a:buChar char="•"/>
             </a:pPr>
             <a:r>
-              <a:rPr b="0" lang="en-GB" sz="2000" spc="-1" strike="noStrike">
+              <a:rPr lang="en-GB" sz="2000" b="0" strike="noStrike" spc="-1">
                 <a:solidFill>
                   <a:srgbClr val="000000"/>
                 </a:solidFill>
                 <a:latin typeface="Calibri"/>
               </a:rPr>
-              <a:t>Verarbeitung Backend</a:t>
+              <a:t>Frontent schickt verschiedene Commands mit Payload an Backend</a:t>
             </a:r>
-            <a:endParaRPr b="0" lang="en-CH" sz="2000" spc="-1" strike="noStrike">
+            <a:endParaRPr lang="en-CH" sz="2000" b="0" strike="noStrike" spc="-1">
               <a:solidFill>
                 <a:srgbClr val="000000"/>
               </a:solidFill>
@@ -6838,15 +8094,15 @@
               <a:buChar char="•"/>
             </a:pPr>
             <a:r>
-              <a:rPr b="0" lang="en-GB" sz="2000" spc="-1" strike="noStrike">
+              <a:rPr lang="en-GB" sz="2000" b="0" strike="noStrike" spc="-1">
                 <a:solidFill>
                   <a:srgbClr val="000000"/>
                 </a:solidFill>
                 <a:latin typeface="Calibri"/>
               </a:rPr>
-              <a:t>Verarbeitung Frontend</a:t>
+              <a:t>Frontend wendet Command auf sich an und sendet an Backend</a:t>
             </a:r>
-            <a:endParaRPr b="0" lang="en-CH" sz="2000" spc="-1" strike="noStrike">
+            <a:endParaRPr lang="en-CH" sz="2000" b="0" strike="noStrike" spc="-1">
               <a:solidFill>
                 <a:srgbClr val="000000"/>
               </a:solidFill>
@@ -6868,15 +8124,15 @@
               <a:buChar char="•"/>
             </a:pPr>
             <a:r>
-              <a:rPr b="0" lang="en-GB" sz="2000" spc="-1" strike="noStrike">
+              <a:rPr lang="en-GB" sz="2000" b="0" strike="noStrike" spc="-1">
                 <a:solidFill>
                   <a:srgbClr val="000000"/>
                 </a:solidFill>
                 <a:latin typeface="Calibri"/>
               </a:rPr>
-              <a:t>Demo</a:t>
+              <a:t>Backend führt den State des Dokuments </a:t>
             </a:r>
-            <a:endParaRPr b="0" lang="en-CH" sz="2000" spc="-1" strike="noStrike">
+            <a:endParaRPr lang="en-CH" sz="2000" b="0" strike="noStrike" spc="-1">
               <a:solidFill>
                 <a:srgbClr val="000000"/>
               </a:solidFill>
@@ -6898,26 +8154,56 @@
               <a:buChar char="•"/>
             </a:pPr>
             <a:r>
-              <a:rPr b="0" lang="en-GB" sz="2000" spc="-1" strike="noStrike">
+              <a:rPr lang="en-GB" sz="2000" b="0" strike="noStrike" spc="-1">
                 <a:solidFill>
                   <a:srgbClr val="000000"/>
                 </a:solidFill>
                 <a:latin typeface="Calibri"/>
               </a:rPr>
-              <a:t>Fragen</a:t>
+              <a:t>Backend übernimmt Konfliktbehandlung</a:t>
             </a:r>
-            <a:endParaRPr b="0" lang="en-CH" sz="2000" spc="-1" strike="noStrike">
-              <a:solidFill>
-                <a:srgbClr val="000000"/>
-              </a:solidFill>
-              <a:latin typeface="Calibri"/>
-            </a:endParaRPr>
-          </a:p>
-        </p:txBody>
-      </p:sp>
-      <p:sp>
-        <p:nvSpPr>
-          <p:cNvPr id="98" name="CustomShape 4"/>
+            <a:endParaRPr lang="en-CH" sz="2000" b="0" strike="noStrike" spc="-1">
+              <a:solidFill>
+                <a:srgbClr val="000000"/>
+              </a:solidFill>
+              <a:latin typeface="Calibri"/>
+            </a:endParaRPr>
+          </a:p>
+          <a:p>
+            <a:pPr marL="228600" indent="-228240">
+              <a:lnSpc>
+                <a:spcPct val="90000"/>
+              </a:lnSpc>
+              <a:spcBef>
+                <a:spcPts val="1001"/>
+              </a:spcBef>
+              <a:buClr>
+                <a:srgbClr val="000000"/>
+              </a:buClr>
+              <a:buFont typeface="Arial"/>
+              <a:buChar char="•"/>
+            </a:pPr>
+            <a:r>
+              <a:rPr lang="en-GB" sz="2000" b="0" strike="noStrike" spc="-1">
+                <a:solidFill>
+                  <a:srgbClr val="000000"/>
+                </a:solidFill>
+                <a:latin typeface="Calibri"/>
+              </a:rPr>
+              <a:t>Backend veröffentlicht Änderungen als Commands</a:t>
+            </a:r>
+            <a:endParaRPr lang="en-CH" sz="2000" b="0" strike="noStrike" spc="-1">
+              <a:solidFill>
+                <a:srgbClr val="000000"/>
+              </a:solidFill>
+              <a:latin typeface="Calibri"/>
+            </a:endParaRPr>
+          </a:p>
+        </p:txBody>
+      </p:sp>
+      <p:sp>
+        <p:nvSpPr>
+          <p:cNvPr id="116" name="CustomShape 4"/>
           <p:cNvSpPr/>
           <p:nvPr/>
         </p:nvSpPr>
@@ -6955,7 +8241,7 @@
       </p:sp>
       <p:sp>
         <p:nvSpPr>
-          <p:cNvPr id="99" name="CustomShape 5"/>
+          <p:cNvPr id="117" name="CustomShape 5"/>
           <p:cNvSpPr/>
           <p:nvPr/>
         </p:nvSpPr>
@@ -6995,7 +8281,7 @@
       </p:sp>
       <p:sp>
         <p:nvSpPr>
-          <p:cNvPr id="100" name="CustomShape 6"/>
+          <p:cNvPr id="118" name="CustomShape 6"/>
           <p:cNvSpPr/>
           <p:nvPr/>
         </p:nvSpPr>
@@ -7035,7 +8321,7 @@
       </p:sp>
       <p:sp>
         <p:nvSpPr>
-          <p:cNvPr id="101" name="CustomShape 7"/>
+          <p:cNvPr id="119" name="CustomShape 7"/>
           <p:cNvSpPr/>
           <p:nvPr/>
         </p:nvSpPr>
@@ -7073,25 +8359,21 @@
       </p:sp>
     </p:spTree>
   </p:cSld>
-  <mc:AlternateContent>
-    <mc:Choice Requires="p14">
-      <p:transition spd="slow" p14:dur="2000"/>
-    </mc:Choice>
-    <mc:Fallback>
-      <p:transition spd="slow"/>
-    </mc:Fallback>
-  </mc:AlternateContent>
+  <p:clrMapOvr>
+    <a:masterClrMapping/>
+  </p:clrMapOvr>
 </p:sld>
 </file>
 
-<file path=ppt/slides/slide3.xml><?xml version="1.0" encoding="utf-8"?>
-<p:sld xmlns:a="http://schemas.openxmlformats.org/drawingml/2006/main" xmlns:p="http://schemas.openxmlformats.org/presentationml/2006/main" xmlns:r="http://schemas.openxmlformats.org/officeDocument/2006/relationships" xmlns:p14="http://schemas.microsoft.com/office/powerpoint/2010/main" xmlns:p15="http://schemas.microsoft.com/office/powerpoint/2012/main" xmlns:mc="http://schemas.openxmlformats.org/markup-compatibility/2006">
+<file path=ppt/slides/slide5.xml><?xml version="1.0" encoding="utf-8"?>
+<p:sld xmlns:a="http://schemas.openxmlformats.org/drawingml/2006/main" xmlns:r="http://schemas.openxmlformats.org/officeDocument/2006/relationships" xmlns:p="http://schemas.openxmlformats.org/presentationml/2006/main" show="0">
   <p:cSld>
     <p:bg>
       <p:bgPr>
         <a:solidFill>
-          <a:srgbClr val="ffffff"/>
+          <a:srgbClr val="FFFFFF"/>
         </a:solidFill>
+        <a:effectLst/>
       </p:bgPr>
     </p:bg>
     <p:spTree>
@@ -7110,7 +8392,7 @@
       </p:grpSpPr>
       <p:sp>
         <p:nvSpPr>
-          <p:cNvPr id="102" name="CustomShape 1"/>
+          <p:cNvPr id="120" name="CustomShape 1"/>
           <p:cNvSpPr/>
           <p:nvPr/>
         </p:nvSpPr>
@@ -7146,7 +8428,7 @@
       </p:sp>
       <p:sp>
         <p:nvSpPr>
-          <p:cNvPr id="103" name="TextShape 2"/>
+          <p:cNvPr id="121" name="TextShape 2"/>
           <p:cNvSpPr txBox="1"/>
           <p:nvPr/>
         </p:nvSpPr>
@@ -7167,6 +8449,7 @@
           <a:bodyPr anchor="ctr">
             <a:normAutofit/>
           </a:bodyPr>
+          <a:lstStyle/>
           <a:p>
             <a:pPr>
               <a:lnSpc>
@@ -7174,26 +8457,49 @@
               </a:lnSpc>
             </a:pPr>
             <a:r>
-              <a:rPr b="0" lang="en-GB" sz="3600" spc="-1" strike="noStrike">
+              <a:rPr lang="en-GB" sz="3600" b="0" strike="noStrike" spc="-1">
                 <a:solidFill>
                   <a:srgbClr val="000000"/>
                 </a:solidFill>
                 <a:latin typeface="Calibri Light"/>
               </a:rPr>
-              <a:t>Technologie</a:t>
+              <a:t>Kommunikationsablauf</a:t>
             </a:r>
-            <a:endParaRPr b="0" lang="en-CH" sz="3600" spc="-1" strike="noStrike">
-              <a:solidFill>
-                <a:srgbClr val="000000"/>
-              </a:solidFill>
-              <a:latin typeface="Calibri"/>
-            </a:endParaRPr>
-          </a:p>
-        </p:txBody>
-      </p:sp>
-      <p:sp>
-        <p:nvSpPr>
-          <p:cNvPr id="104" name="CustomShape 3"/>
+            <a:endParaRPr lang="en-CH" sz="3600" b="0" strike="noStrike" spc="-1">
+              <a:solidFill>
+                <a:srgbClr val="000000"/>
+              </a:solidFill>
+              <a:latin typeface="Calibri"/>
+            </a:endParaRPr>
+          </a:p>
+        </p:txBody>
+      </p:sp>
+      <p:pic>
+        <p:nvPicPr>
+          <p:cNvPr id="122" name="Inhaltsplatzhalter 4"/>
+          <p:cNvPicPr/>
+          <p:nvPr/>
+        </p:nvPicPr>
+        <p:blipFill>
+          <a:blip r:embed="rId2"/>
+          <a:stretch/>
+        </p:blipFill>
+        <p:spPr>
+          <a:xfrm>
+            <a:off x="2424240" y="1832040"/>
+            <a:ext cx="7343280" cy="4295520"/>
+          </a:xfrm>
+          <a:prstGeom prst="rect">
+            <a:avLst/>
+          </a:prstGeom>
+          <a:ln>
+            <a:noFill/>
+          </a:ln>
+        </p:spPr>
+      </p:pic>
+      <p:sp>
+        <p:nvSpPr>
+          <p:cNvPr id="123" name="CustomShape 3"/>
           <p:cNvSpPr/>
           <p:nvPr/>
         </p:nvSpPr>
@@ -7231,7 +8537,7 @@
       </p:sp>
       <p:sp>
         <p:nvSpPr>
-          <p:cNvPr id="105" name="CustomShape 4"/>
+          <p:cNvPr id="124" name="CustomShape 4"/>
           <p:cNvSpPr/>
           <p:nvPr/>
         </p:nvSpPr>
@@ -7271,7 +8577,7 @@
       </p:sp>
       <p:sp>
         <p:nvSpPr>
-          <p:cNvPr id="106" name="CustomShape 5"/>
+          <p:cNvPr id="125" name="CustomShape 5"/>
           <p:cNvSpPr/>
           <p:nvPr/>
         </p:nvSpPr>
@@ -7311,7 +8617,7 @@
       </p:sp>
       <p:sp>
         <p:nvSpPr>
-          <p:cNvPr id="107" name="CustomShape 6"/>
+          <p:cNvPr id="126" name="CustomShape 6"/>
           <p:cNvSpPr/>
           <p:nvPr/>
         </p:nvSpPr>
@@ -7347,142 +8653,23 @@
           <a:fontRef idx="minor"/>
         </p:style>
       </p:sp>
-      <p:pic>
-        <p:nvPicPr>
-          <p:cNvPr id="108" name="Inhaltsplatzhalter 4" descr=""/>
-          <p:cNvPicPr/>
-          <p:nvPr/>
-        </p:nvPicPr>
-        <p:blipFill>
-          <a:blip r:embed="rId1"/>
-          <a:stretch/>
-        </p:blipFill>
-        <p:spPr>
-          <a:xfrm>
-            <a:off x="3591000" y="1825560"/>
-            <a:ext cx="5009400" cy="4350960"/>
-          </a:xfrm>
-          <a:prstGeom prst="rect">
-            <a:avLst/>
-          </a:prstGeom>
-          <a:ln>
-            <a:noFill/>
-          </a:ln>
-        </p:spPr>
-      </p:pic>
-      <p:pic>
-        <p:nvPicPr>
-          <p:cNvPr id="109" name="Grafik 10" descr=""/>
-          <p:cNvPicPr/>
-          <p:nvPr/>
-        </p:nvPicPr>
-        <p:blipFill>
-          <a:blip r:embed="rId2"/>
-          <a:stretch/>
-        </p:blipFill>
-        <p:spPr>
-          <a:xfrm>
-            <a:off x="7418520" y="1351080"/>
-            <a:ext cx="2364480" cy="1109880"/>
-          </a:xfrm>
-          <a:prstGeom prst="rect">
-            <a:avLst/>
-          </a:prstGeom>
-          <a:ln>
-            <a:noFill/>
-          </a:ln>
-        </p:spPr>
-      </p:pic>
-      <p:pic>
-        <p:nvPicPr>
-          <p:cNvPr id="110" name="Picture 2" descr="Redux (JavaScript-Bibliothek) – Wikipedia"/>
-          <p:cNvPicPr/>
-          <p:nvPr/>
-        </p:nvPicPr>
-        <p:blipFill>
-          <a:blip r:embed="rId3"/>
-          <a:stretch/>
-        </p:blipFill>
-        <p:spPr>
-          <a:xfrm>
-            <a:off x="5153760" y="2342160"/>
-            <a:ext cx="789480" cy="617400"/>
-          </a:xfrm>
-          <a:prstGeom prst="rect">
-            <a:avLst/>
-          </a:prstGeom>
-          <a:ln>
-            <a:noFill/>
-          </a:ln>
-        </p:spPr>
-      </p:pic>
-      <p:pic>
-        <p:nvPicPr>
-          <p:cNvPr id="111" name="Picture 2" descr="Redux (JavaScript-Bibliothek) – Wikipedia"/>
-          <p:cNvPicPr/>
-          <p:nvPr/>
-        </p:nvPicPr>
-        <p:blipFill>
-          <a:blip r:embed="rId4"/>
-          <a:stretch/>
-        </p:blipFill>
-        <p:spPr>
-          <a:xfrm>
-            <a:off x="3591000" y="2342160"/>
-            <a:ext cx="789480" cy="617400"/>
-          </a:xfrm>
-          <a:prstGeom prst="rect">
-            <a:avLst/>
-          </a:prstGeom>
-          <a:ln>
-            <a:noFill/>
-          </a:ln>
-        </p:spPr>
-      </p:pic>
-      <p:pic>
-        <p:nvPicPr>
-          <p:cNvPr id="112" name="Picture 2" descr="Redux (JavaScript-Bibliothek) – Wikipedia"/>
-          <p:cNvPicPr/>
-          <p:nvPr/>
-        </p:nvPicPr>
-        <p:blipFill>
-          <a:blip r:embed="rId5"/>
-          <a:stretch/>
-        </p:blipFill>
-        <p:spPr>
-          <a:xfrm>
-            <a:off x="6802560" y="2342160"/>
-            <a:ext cx="789480" cy="617400"/>
-          </a:xfrm>
-          <a:prstGeom prst="rect">
-            <a:avLst/>
-          </a:prstGeom>
-          <a:ln>
-            <a:noFill/>
-          </a:ln>
-        </p:spPr>
-      </p:pic>
     </p:spTree>
   </p:cSld>
-  <mc:AlternateContent>
-    <mc:Choice Requires="p14">
-      <p:transition spd="slow" p14:dur="2000"/>
-    </mc:Choice>
-    <mc:Fallback>
-      <p:transition spd="slow"/>
-    </mc:Fallback>
-  </mc:AlternateContent>
+  <p:clrMapOvr>
+    <a:masterClrMapping/>
+  </p:clrMapOvr>
 </p:sld>
 </file>
 
-<file path=ppt/slides/slide4.xml><?xml version="1.0" encoding="utf-8"?>
-<p:sld xmlns:a="http://schemas.openxmlformats.org/drawingml/2006/main" xmlns:p="http://schemas.openxmlformats.org/presentationml/2006/main" xmlns:r="http://schemas.openxmlformats.org/officeDocument/2006/relationships" xmlns:p14="http://schemas.microsoft.com/office/powerpoint/2010/main" xmlns:p15="http://schemas.microsoft.com/office/powerpoint/2012/main" xmlns:mc="http://schemas.openxmlformats.org/markup-compatibility/2006">
+<file path=ppt/slides/slide6.xml><?xml version="1.0" encoding="utf-8"?>
+<p:sld xmlns:a="http://schemas.openxmlformats.org/drawingml/2006/main" xmlns:r="http://schemas.openxmlformats.org/officeDocument/2006/relationships" xmlns:p="http://schemas.openxmlformats.org/presentationml/2006/main">
   <p:cSld>
     <p:bg>
       <p:bgPr>
         <a:solidFill>
-          <a:srgbClr val="ffffff"/>
+          <a:srgbClr val="FFFFFF"/>
         </a:solidFill>
+        <a:effectLst/>
       </p:bgPr>
     </p:bg>
     <p:spTree>
@@ -7501,20 +8688,70 @@
       </p:grpSpPr>
       <p:sp>
         <p:nvSpPr>
-          <p:cNvPr id="113" name="CustomShape 1"/>
+          <p:cNvPr id="127" name="TextShape 1"/>
+          <p:cNvSpPr txBox="1"/>
+          <p:nvPr/>
+        </p:nvSpPr>
+        <p:spPr>
+          <a:xfrm>
+            <a:off x="643320" y="321840"/>
+            <a:ext cx="10904760" cy="1135440"/>
+          </a:xfrm>
+          <a:prstGeom prst="rect">
+            <a:avLst/>
+          </a:prstGeom>
+          <a:noFill/>
+          <a:ln>
+            <a:noFill/>
+          </a:ln>
+        </p:spPr>
+        <p:txBody>
+          <a:bodyPr anchor="ctr">
+            <a:normAutofit/>
+          </a:bodyPr>
+          <a:lstStyle/>
+          <a:p>
+            <a:pPr>
+              <a:lnSpc>
+                <a:spcPct val="90000"/>
+              </a:lnSpc>
+            </a:pPr>
+            <a:r>
+              <a:rPr lang="en-GB" sz="3600" b="0" strike="noStrike" spc="-1">
+                <a:solidFill>
+                  <a:srgbClr val="000000"/>
+                </a:solidFill>
+                <a:latin typeface="Calibri Light"/>
+              </a:rPr>
+              <a:t>Verarbeitung Backend</a:t>
+            </a:r>
+            <a:endParaRPr lang="en-CH" sz="3600" b="0" strike="noStrike" spc="-1">
+              <a:solidFill>
+                <a:srgbClr val="000000"/>
+              </a:solidFill>
+              <a:latin typeface="Calibri"/>
+            </a:endParaRPr>
+          </a:p>
+        </p:txBody>
+      </p:sp>
+      <p:sp>
+        <p:nvSpPr>
+          <p:cNvPr id="128" name="CustomShape 2"/>
           <p:cNvSpPr/>
           <p:nvPr/>
         </p:nvSpPr>
         <p:spPr>
-          <a:xfrm>
-            <a:off x="0" y="0"/>
-            <a:ext cx="12191760" cy="6857640"/>
+          <a:xfrm rot="2700000">
+            <a:off x="11052720" y="2120040"/>
+            <a:ext cx="645120" cy="645120"/>
           </a:xfrm>
           <a:prstGeom prst="rect">
             <a:avLst/>
           </a:prstGeom>
           <a:solidFill>
-            <a:schemeClr val="bg1"/>
+            <a:schemeClr val="accent4">
+              <a:alpha val="30000"/>
+            </a:schemeClr>
           </a:solidFill>
           <a:ln>
             <a:noFill/>
@@ -7537,329 +8774,19 @@
       </p:sp>
       <p:sp>
         <p:nvSpPr>
-          <p:cNvPr id="114" name="TextShape 2"/>
-          <p:cNvSpPr txBox="1"/>
-          <p:nvPr/>
-        </p:nvSpPr>
-        <p:spPr>
-          <a:xfrm>
-            <a:off x="643320" y="321840"/>
-            <a:ext cx="10904760" cy="1135440"/>
-          </a:xfrm>
-          <a:prstGeom prst="rect">
-            <a:avLst/>
-          </a:prstGeom>
-          <a:noFill/>
-          <a:ln>
-            <a:noFill/>
-          </a:ln>
-        </p:spPr>
-        <p:txBody>
-          <a:bodyPr anchor="ctr">
-            <a:normAutofit/>
-          </a:bodyPr>
-          <a:p>
-            <a:pPr>
-              <a:lnSpc>
-                <a:spcPct val="90000"/>
-              </a:lnSpc>
-            </a:pPr>
-            <a:r>
-              <a:rPr b="0" lang="en-GB" sz="3600" spc="-1" strike="noStrike">
-                <a:solidFill>
-                  <a:srgbClr val="000000"/>
-                </a:solidFill>
-                <a:latin typeface="Calibri Light"/>
-              </a:rPr>
-              <a:t>Funktionsweise</a:t>
-            </a:r>
-            <a:endParaRPr b="0" lang="en-CH" sz="3600" spc="-1" strike="noStrike">
-              <a:solidFill>
-                <a:srgbClr val="000000"/>
-              </a:solidFill>
-              <a:latin typeface="Calibri"/>
-            </a:endParaRPr>
-          </a:p>
-        </p:txBody>
-      </p:sp>
-      <p:sp>
-        <p:nvSpPr>
-          <p:cNvPr id="115" name="TextShape 3"/>
-          <p:cNvSpPr txBox="1"/>
-          <p:nvPr/>
-        </p:nvSpPr>
-        <p:spPr>
-          <a:xfrm>
-            <a:off x="643320" y="1783080"/>
-            <a:ext cx="10904760" cy="4393800"/>
-          </a:xfrm>
-          <a:prstGeom prst="rect">
-            <a:avLst/>
-          </a:prstGeom>
-          <a:noFill/>
-          <a:ln>
-            <a:noFill/>
-          </a:ln>
-        </p:spPr>
-        <p:txBody>
-          <a:bodyPr>
-            <a:normAutofit/>
-          </a:bodyPr>
-          <a:p>
-            <a:pPr marL="228600" indent="-228240">
-              <a:lnSpc>
-                <a:spcPct val="90000"/>
-              </a:lnSpc>
-              <a:spcBef>
-                <a:spcPts val="1001"/>
-              </a:spcBef>
-              <a:buClr>
-                <a:srgbClr val="000000"/>
-              </a:buClr>
-              <a:buFont typeface="Arial"/>
-              <a:buChar char="•"/>
-            </a:pPr>
-            <a:r>
-              <a:rPr b="0" lang="en-GB" sz="2000" spc="-1" strike="noStrike">
-                <a:solidFill>
-                  <a:srgbClr val="000000"/>
-                </a:solidFill>
-                <a:latin typeface="Calibri"/>
-              </a:rPr>
-              <a:t>2 Kanäle</a:t>
-            </a:r>
-            <a:endParaRPr b="0" lang="en-CH" sz="2000" spc="-1" strike="noStrike">
-              <a:solidFill>
-                <a:srgbClr val="000000"/>
-              </a:solidFill>
-              <a:latin typeface="Calibri"/>
-            </a:endParaRPr>
-          </a:p>
-          <a:p>
-            <a:pPr lvl="1" marL="685800" indent="-228240">
-              <a:lnSpc>
-                <a:spcPct val="90000"/>
-              </a:lnSpc>
-              <a:spcBef>
-                <a:spcPts val="499"/>
-              </a:spcBef>
-              <a:buClr>
-                <a:srgbClr val="000000"/>
-              </a:buClr>
-              <a:buFont typeface="Arial"/>
-              <a:buChar char="•"/>
-            </a:pPr>
-            <a:r>
-              <a:rPr b="0" lang="en-GB" sz="1600" spc="-1" strike="noStrike">
-                <a:solidFill>
-                  <a:srgbClr val="000000"/>
-                </a:solidFill>
-                <a:latin typeface="Calibri"/>
-              </a:rPr>
-              <a:t>Änderungen empfangen: Stehende Verbindung (Server Sent Events)</a:t>
-            </a:r>
-            <a:endParaRPr b="0" lang="en-CH" sz="1600" spc="-1" strike="noStrike">
-              <a:solidFill>
-                <a:srgbClr val="000000"/>
-              </a:solidFill>
-              <a:latin typeface="Calibri"/>
-            </a:endParaRPr>
-          </a:p>
-          <a:p>
-            <a:pPr lvl="1" marL="685800" indent="-228240">
-              <a:lnSpc>
-                <a:spcPct val="90000"/>
-              </a:lnSpc>
-              <a:spcBef>
-                <a:spcPts val="499"/>
-              </a:spcBef>
-              <a:buClr>
-                <a:srgbClr val="000000"/>
-              </a:buClr>
-              <a:buFont typeface="Arial"/>
-              <a:buChar char="•"/>
-            </a:pPr>
-            <a:r>
-              <a:rPr b="0" lang="en-GB" sz="1600" spc="-1" strike="noStrike">
-                <a:solidFill>
-                  <a:srgbClr val="000000"/>
-                </a:solidFill>
-                <a:latin typeface="Calibri"/>
-              </a:rPr>
-              <a:t>Änderungen senden:  Verbindung pro Änderung (HTTP POST)</a:t>
-            </a:r>
-            <a:endParaRPr b="0" lang="en-CH" sz="1600" spc="-1" strike="noStrike">
-              <a:solidFill>
-                <a:srgbClr val="000000"/>
-              </a:solidFill>
-              <a:latin typeface="Calibri"/>
-            </a:endParaRPr>
-          </a:p>
-          <a:p>
-            <a:pPr marL="228600" indent="-228240">
-              <a:lnSpc>
-                <a:spcPct val="90000"/>
-              </a:lnSpc>
-              <a:spcBef>
-                <a:spcPts val="1001"/>
-              </a:spcBef>
-              <a:buClr>
-                <a:srgbClr val="000000"/>
-              </a:buClr>
-              <a:buFont typeface="Arial"/>
-              <a:buChar char="•"/>
-            </a:pPr>
-            <a:r>
-              <a:rPr b="0" lang="en-GB" sz="2000" spc="-1" strike="noStrike">
-                <a:solidFill>
-                  <a:srgbClr val="000000"/>
-                </a:solidFill>
-                <a:latin typeface="Calibri"/>
-              </a:rPr>
-              <a:t>Frontent schickt verschiedene Commands mit Payload an Backend</a:t>
-            </a:r>
-            <a:endParaRPr b="0" lang="en-CH" sz="2000" spc="-1" strike="noStrike">
-              <a:solidFill>
-                <a:srgbClr val="000000"/>
-              </a:solidFill>
-              <a:latin typeface="Calibri"/>
-            </a:endParaRPr>
-          </a:p>
-          <a:p>
-            <a:pPr marL="228600" indent="-228240">
-              <a:lnSpc>
-                <a:spcPct val="90000"/>
-              </a:lnSpc>
-              <a:spcBef>
-                <a:spcPts val="1001"/>
-              </a:spcBef>
-              <a:buClr>
-                <a:srgbClr val="000000"/>
-              </a:buClr>
-              <a:buFont typeface="Arial"/>
-              <a:buChar char="•"/>
-            </a:pPr>
-            <a:r>
-              <a:rPr b="0" lang="en-GB" sz="2000" spc="-1" strike="noStrike">
-                <a:solidFill>
-                  <a:srgbClr val="000000"/>
-                </a:solidFill>
-                <a:latin typeface="Calibri"/>
-              </a:rPr>
-              <a:t>Frontend wendet Command auf sich an und sendet an Backend</a:t>
-            </a:r>
-            <a:endParaRPr b="0" lang="en-CH" sz="2000" spc="-1" strike="noStrike">
-              <a:solidFill>
-                <a:srgbClr val="000000"/>
-              </a:solidFill>
-              <a:latin typeface="Calibri"/>
-            </a:endParaRPr>
-          </a:p>
-          <a:p>
-            <a:pPr marL="228600" indent="-228240">
-              <a:lnSpc>
-                <a:spcPct val="90000"/>
-              </a:lnSpc>
-              <a:spcBef>
-                <a:spcPts val="1001"/>
-              </a:spcBef>
-              <a:buClr>
-                <a:srgbClr val="000000"/>
-              </a:buClr>
-              <a:buFont typeface="Arial"/>
-              <a:buChar char="•"/>
-            </a:pPr>
-            <a:r>
-              <a:rPr b="0" lang="en-GB" sz="2000" spc="-1" strike="noStrike">
-                <a:solidFill>
-                  <a:srgbClr val="000000"/>
-                </a:solidFill>
-                <a:latin typeface="Calibri"/>
-              </a:rPr>
-              <a:t>Backend führt den State des Dokuments </a:t>
-            </a:r>
-            <a:endParaRPr b="0" lang="en-CH" sz="2000" spc="-1" strike="noStrike">
-              <a:solidFill>
-                <a:srgbClr val="000000"/>
-              </a:solidFill>
-              <a:latin typeface="Calibri"/>
-            </a:endParaRPr>
-          </a:p>
-          <a:p>
-            <a:pPr marL="228600" indent="-228240">
-              <a:lnSpc>
-                <a:spcPct val="90000"/>
-              </a:lnSpc>
-              <a:spcBef>
-                <a:spcPts val="1001"/>
-              </a:spcBef>
-              <a:buClr>
-                <a:srgbClr val="000000"/>
-              </a:buClr>
-              <a:buFont typeface="Arial"/>
-              <a:buChar char="•"/>
-            </a:pPr>
-            <a:r>
-              <a:rPr b="0" lang="en-GB" sz="2000" spc="-1" strike="noStrike">
-                <a:solidFill>
-                  <a:srgbClr val="000000"/>
-                </a:solidFill>
-                <a:latin typeface="Calibri"/>
-              </a:rPr>
-              <a:t>Backend übernimmt Konfliktbehandlung</a:t>
-            </a:r>
-            <a:endParaRPr b="0" lang="en-CH" sz="2000" spc="-1" strike="noStrike">
-              <a:solidFill>
-                <a:srgbClr val="000000"/>
-              </a:solidFill>
-              <a:latin typeface="Calibri"/>
-            </a:endParaRPr>
-          </a:p>
-          <a:p>
-            <a:pPr marL="228600" indent="-228240">
-              <a:lnSpc>
-                <a:spcPct val="90000"/>
-              </a:lnSpc>
-              <a:spcBef>
-                <a:spcPts val="1001"/>
-              </a:spcBef>
-              <a:buClr>
-                <a:srgbClr val="000000"/>
-              </a:buClr>
-              <a:buFont typeface="Arial"/>
-              <a:buChar char="•"/>
-            </a:pPr>
-            <a:r>
-              <a:rPr b="0" lang="en-GB" sz="2000" spc="-1" strike="noStrike">
-                <a:solidFill>
-                  <a:srgbClr val="000000"/>
-                </a:solidFill>
-                <a:latin typeface="Calibri"/>
-              </a:rPr>
-              <a:t>Backend veröffentlicht Änderungen als Commands</a:t>
-            </a:r>
-            <a:endParaRPr b="0" lang="en-CH" sz="2000" spc="-1" strike="noStrike">
-              <a:solidFill>
-                <a:srgbClr val="000000"/>
-              </a:solidFill>
-              <a:latin typeface="Calibri"/>
-            </a:endParaRPr>
-          </a:p>
-        </p:txBody>
-      </p:sp>
-      <p:sp>
-        <p:nvSpPr>
-          <p:cNvPr id="116" name="CustomShape 4"/>
+          <p:cNvPr id="129" name="CustomShape 3"/>
           <p:cNvSpPr/>
           <p:nvPr/>
         </p:nvSpPr>
         <p:spPr>
-          <a:xfrm rot="2700000">
-            <a:off x="11052720" y="2120040"/>
-            <a:ext cx="645120" cy="645120"/>
-          </a:xfrm>
-          <a:prstGeom prst="rect">
-            <a:avLst/>
+          <a:xfrm rot="16200000">
+            <a:off x="10288800" y="1343520"/>
+            <a:ext cx="2532600" cy="1272600"/>
+          </a:xfrm>
+          <a:prstGeom prst="triangle">
+            <a:avLst>
+              <a:gd name="adj" fmla="val 50000"/>
+            </a:avLst>
           </a:prstGeom>
           <a:solidFill>
             <a:schemeClr val="accent4">
@@ -7887,14 +8814,14 @@
       </p:sp>
       <p:sp>
         <p:nvSpPr>
-          <p:cNvPr id="117" name="CustomShape 5"/>
+          <p:cNvPr id="130" name="CustomShape 4"/>
           <p:cNvSpPr/>
           <p:nvPr/>
         </p:nvSpPr>
         <p:spPr>
-          <a:xfrm rot="16200000">
-            <a:off x="10288800" y="1343520"/>
-            <a:ext cx="2532600" cy="1272600"/>
+          <a:xfrm rot="5400000">
+            <a:off x="-501120" y="5103000"/>
+            <a:ext cx="2017080" cy="1013760"/>
           </a:xfrm>
           <a:prstGeom prst="triangle">
             <a:avLst>
@@ -7902,7 +8829,7 @@
             </a:avLst>
           </a:prstGeom>
           <a:solidFill>
-            <a:schemeClr val="accent4">
+            <a:schemeClr val="accent1">
               <a:alpha val="30000"/>
             </a:schemeClr>
           </a:solidFill>
@@ -7927,19 +8854,17 @@
       </p:sp>
       <p:sp>
         <p:nvSpPr>
-          <p:cNvPr id="118" name="CustomShape 6"/>
+          <p:cNvPr id="131" name="CustomShape 5"/>
           <p:cNvSpPr/>
           <p:nvPr/>
         </p:nvSpPr>
         <p:spPr>
-          <a:xfrm rot="5400000">
-            <a:off x="-501120" y="5103000"/>
-            <a:ext cx="2017080" cy="1013760"/>
-          </a:xfrm>
-          <a:prstGeom prst="triangle">
-            <a:avLst>
-              <a:gd name="adj" fmla="val 50000"/>
-            </a:avLst>
+          <a:xfrm rot="2700000">
+            <a:off x="427680" y="5728680"/>
+            <a:ext cx="485280" cy="485280"/>
+          </a:xfrm>
+          <a:prstGeom prst="rect">
+            <a:avLst/>
           </a:prstGeom>
           <a:solidFill>
             <a:schemeClr val="accent1">
@@ -7965,65 +8890,46 @@
           <a:fontRef idx="minor"/>
         </p:style>
       </p:sp>
-      <p:sp>
-        <p:nvSpPr>
-          <p:cNvPr id="119" name="CustomShape 7"/>
-          <p:cNvSpPr/>
+      <p:pic>
+        <p:nvPicPr>
+          <p:cNvPr id="132" name="Grafik 131"/>
+          <p:cNvPicPr/>
           <p:nvPr/>
-        </p:nvSpPr>
-        <p:spPr>
-          <a:xfrm rot="2700000">
-            <a:off x="427680" y="5728680"/>
-            <a:ext cx="485280" cy="485280"/>
-          </a:xfrm>
-          <a:prstGeom prst="rect">
-            <a:avLst/>
-          </a:prstGeom>
-          <a:solidFill>
-            <a:schemeClr val="accent1">
-              <a:alpha val="30000"/>
-            </a:schemeClr>
-          </a:solidFill>
+        </p:nvPicPr>
+        <p:blipFill>
+          <a:blip r:embed="rId2"/>
+          <a:stretch/>
+        </p:blipFill>
+        <p:spPr>
+          <a:xfrm>
+            <a:off x="2285640" y="1347840"/>
+            <a:ext cx="7620840" cy="4738320"/>
+          </a:xfrm>
+          <a:prstGeom prst="rect">
+            <a:avLst/>
+          </a:prstGeom>
           <a:ln>
             <a:noFill/>
           </a:ln>
         </p:spPr>
-        <p:style>
-          <a:lnRef idx="2">
-            <a:schemeClr val="accent1">
-              <a:shade val="50000"/>
-            </a:schemeClr>
-          </a:lnRef>
-          <a:fillRef idx="1">
-            <a:schemeClr val="accent1"/>
-          </a:fillRef>
-          <a:effectRef idx="0">
-            <a:schemeClr val="accent1"/>
-          </a:effectRef>
-          <a:fontRef idx="minor"/>
-        </p:style>
-      </p:sp>
+      </p:pic>
     </p:spTree>
   </p:cSld>
-  <mc:AlternateContent>
-    <mc:Choice Requires="p14">
-      <p:transition spd="slow" p14:dur="2000"/>
-    </mc:Choice>
-    <mc:Fallback>
-      <p:transition spd="slow"/>
-    </mc:Fallback>
-  </mc:AlternateContent>
+  <p:clrMapOvr>
+    <a:masterClrMapping/>
+  </p:clrMapOvr>
 </p:sld>
 </file>
 
-<file path=ppt/slides/slide5.xml><?xml version="1.0" encoding="utf-8"?>
-<p:sld xmlns:a="http://schemas.openxmlformats.org/drawingml/2006/main" xmlns:p="http://schemas.openxmlformats.org/presentationml/2006/main" xmlns:r="http://schemas.openxmlformats.org/officeDocument/2006/relationships" xmlns:p14="http://schemas.microsoft.com/office/powerpoint/2010/main" xmlns:p15="http://schemas.microsoft.com/office/powerpoint/2012/main" xmlns:mc="http://schemas.openxmlformats.org/markup-compatibility/2006" show="0">
+<file path=ppt/slides/slide7.xml><?xml version="1.0" encoding="utf-8"?>
+<p:sld xmlns:a="http://schemas.openxmlformats.org/drawingml/2006/main" xmlns:r="http://schemas.openxmlformats.org/officeDocument/2006/relationships" xmlns:p="http://schemas.openxmlformats.org/presentationml/2006/main">
   <p:cSld>
     <p:bg>
       <p:bgPr>
         <a:solidFill>
-          <a:srgbClr val="ffffff"/>
+          <a:srgbClr val="FFFFFF"/>
         </a:solidFill>
+        <a:effectLst/>
       </p:bgPr>
     </p:bg>
     <p:spTree>
@@ -8042,20 +8948,70 @@
       </p:grpSpPr>
       <p:sp>
         <p:nvSpPr>
-          <p:cNvPr id="120" name="CustomShape 1"/>
+          <p:cNvPr id="133" name="TextShape 1"/>
+          <p:cNvSpPr txBox="1"/>
+          <p:nvPr/>
+        </p:nvSpPr>
+        <p:spPr>
+          <a:xfrm>
+            <a:off x="643680" y="321840"/>
+            <a:ext cx="10904760" cy="1135440"/>
+          </a:xfrm>
+          <a:prstGeom prst="rect">
+            <a:avLst/>
+          </a:prstGeom>
+          <a:noFill/>
+          <a:ln>
+            <a:noFill/>
+          </a:ln>
+        </p:spPr>
+        <p:txBody>
+          <a:bodyPr anchor="ctr">
+            <a:normAutofit/>
+          </a:bodyPr>
+          <a:lstStyle/>
+          <a:p>
+            <a:pPr>
+              <a:lnSpc>
+                <a:spcPct val="90000"/>
+              </a:lnSpc>
+            </a:pPr>
+            <a:r>
+              <a:rPr lang="en-GB" sz="3600" b="0" strike="noStrike" spc="-1">
+                <a:solidFill>
+                  <a:srgbClr val="000000"/>
+                </a:solidFill>
+                <a:latin typeface="Calibri Light"/>
+              </a:rPr>
+              <a:t>Verarbeitung Backend</a:t>
+            </a:r>
+            <a:endParaRPr lang="en-CH" sz="3600" b="0" strike="noStrike" spc="-1">
+              <a:solidFill>
+                <a:srgbClr val="000000"/>
+              </a:solidFill>
+              <a:latin typeface="Calibri"/>
+            </a:endParaRPr>
+          </a:p>
+        </p:txBody>
+      </p:sp>
+      <p:sp>
+        <p:nvSpPr>
+          <p:cNvPr id="134" name="CustomShape 2"/>
           <p:cNvSpPr/>
           <p:nvPr/>
         </p:nvSpPr>
         <p:spPr>
-          <a:xfrm>
-            <a:off x="0" y="0"/>
-            <a:ext cx="12191760" cy="6857640"/>
+          <a:xfrm rot="2700000">
+            <a:off x="11052720" y="2120040"/>
+            <a:ext cx="645120" cy="645120"/>
           </a:xfrm>
           <a:prstGeom prst="rect">
             <a:avLst/>
           </a:prstGeom>
           <a:solidFill>
-            <a:schemeClr val="bg1"/>
+            <a:schemeClr val="accent4">
+              <a:alpha val="30000"/>
+            </a:schemeClr>
           </a:solidFill>
           <a:ln>
             <a:noFill/>
@@ -8078,87 +9034,19 @@
       </p:sp>
       <p:sp>
         <p:nvSpPr>
-          <p:cNvPr id="121" name="TextShape 2"/>
-          <p:cNvSpPr txBox="1"/>
-          <p:nvPr/>
-        </p:nvSpPr>
-        <p:spPr>
-          <a:xfrm>
-            <a:off x="643320" y="321840"/>
-            <a:ext cx="10904760" cy="1135440"/>
-          </a:xfrm>
-          <a:prstGeom prst="rect">
-            <a:avLst/>
-          </a:prstGeom>
-          <a:noFill/>
-          <a:ln>
-            <a:noFill/>
-          </a:ln>
-        </p:spPr>
-        <p:txBody>
-          <a:bodyPr anchor="ctr">
-            <a:normAutofit/>
-          </a:bodyPr>
-          <a:p>
-            <a:pPr>
-              <a:lnSpc>
-                <a:spcPct val="90000"/>
-              </a:lnSpc>
-            </a:pPr>
-            <a:r>
-              <a:rPr b="0" lang="en-GB" sz="3600" spc="-1" strike="noStrike">
-                <a:solidFill>
-                  <a:srgbClr val="000000"/>
-                </a:solidFill>
-                <a:latin typeface="Calibri Light"/>
-              </a:rPr>
-              <a:t>Kommunikationsablauf</a:t>
-            </a:r>
-            <a:endParaRPr b="0" lang="en-CH" sz="3600" spc="-1" strike="noStrike">
-              <a:solidFill>
-                <a:srgbClr val="000000"/>
-              </a:solidFill>
-              <a:latin typeface="Calibri"/>
-            </a:endParaRPr>
-          </a:p>
-        </p:txBody>
-      </p:sp>
-      <p:pic>
-        <p:nvPicPr>
-          <p:cNvPr id="122" name="Inhaltsplatzhalter 4" descr=""/>
-          <p:cNvPicPr/>
-          <p:nvPr/>
-        </p:nvPicPr>
-        <p:blipFill>
-          <a:blip r:embed="rId1"/>
-          <a:stretch/>
-        </p:blipFill>
-        <p:spPr>
-          <a:xfrm>
-            <a:off x="2424240" y="1832040"/>
-            <a:ext cx="7343280" cy="4295520"/>
-          </a:xfrm>
-          <a:prstGeom prst="rect">
-            <a:avLst/>
-          </a:prstGeom>
-          <a:ln>
-            <a:noFill/>
-          </a:ln>
-        </p:spPr>
-      </p:pic>
-      <p:sp>
-        <p:nvSpPr>
-          <p:cNvPr id="123" name="CustomShape 3"/>
+          <p:cNvPr id="135" name="CustomShape 3"/>
           <p:cNvSpPr/>
           <p:nvPr/>
         </p:nvSpPr>
         <p:spPr>
-          <a:xfrm rot="2700000">
-            <a:off x="11052720" y="2120040"/>
-            <a:ext cx="645120" cy="645120"/>
-          </a:xfrm>
-          <a:prstGeom prst="rect">
-            <a:avLst/>
+          <a:xfrm rot="16200000">
+            <a:off x="10288800" y="1343520"/>
+            <a:ext cx="2532600" cy="1272600"/>
+          </a:xfrm>
+          <a:prstGeom prst="triangle">
+            <a:avLst>
+              <a:gd name="adj" fmla="val 50000"/>
+            </a:avLst>
           </a:prstGeom>
           <a:solidFill>
             <a:schemeClr val="accent4">
@@ -8186,14 +9074,14 @@
       </p:sp>
       <p:sp>
         <p:nvSpPr>
-          <p:cNvPr id="124" name="CustomShape 4"/>
+          <p:cNvPr id="136" name="CustomShape 4"/>
           <p:cNvSpPr/>
           <p:nvPr/>
         </p:nvSpPr>
         <p:spPr>
-          <a:xfrm rot="16200000">
-            <a:off x="10288800" y="1343520"/>
-            <a:ext cx="2532600" cy="1272600"/>
+          <a:xfrm rot="5400000">
+            <a:off x="-501120" y="5103000"/>
+            <a:ext cx="2017080" cy="1013760"/>
           </a:xfrm>
           <a:prstGeom prst="triangle">
             <a:avLst>
@@ -8201,7 +9089,7 @@
             </a:avLst>
           </a:prstGeom>
           <a:solidFill>
-            <a:schemeClr val="accent4">
+            <a:schemeClr val="accent1">
               <a:alpha val="30000"/>
             </a:schemeClr>
           </a:solidFill>
@@ -8226,19 +9114,17 @@
       </p:sp>
       <p:sp>
         <p:nvSpPr>
-          <p:cNvPr id="125" name="CustomShape 5"/>
+          <p:cNvPr id="137" name="CustomShape 5"/>
           <p:cNvSpPr/>
           <p:nvPr/>
         </p:nvSpPr>
         <p:spPr>
-          <a:xfrm rot="5400000">
-            <a:off x="-501120" y="5103000"/>
-            <a:ext cx="2017080" cy="1013760"/>
-          </a:xfrm>
-          <a:prstGeom prst="triangle">
-            <a:avLst>
-              <a:gd name="adj" fmla="val 50000"/>
-            </a:avLst>
+          <a:xfrm rot="2700000">
+            <a:off x="427680" y="5728680"/>
+            <a:ext cx="485280" cy="485280"/>
+          </a:xfrm>
+          <a:prstGeom prst="rect">
+            <a:avLst/>
           </a:prstGeom>
           <a:solidFill>
             <a:schemeClr val="accent1">
@@ -8264,65 +9150,46 @@
           <a:fontRef idx="minor"/>
         </p:style>
       </p:sp>
-      <p:sp>
-        <p:nvSpPr>
-          <p:cNvPr id="126" name="CustomShape 6"/>
-          <p:cNvSpPr/>
+      <p:pic>
+        <p:nvPicPr>
+          <p:cNvPr id="138" name="Grafik 137"/>
+          <p:cNvPicPr/>
           <p:nvPr/>
-        </p:nvSpPr>
-        <p:spPr>
-          <a:xfrm rot="2700000">
-            <a:off x="427680" y="5728680"/>
-            <a:ext cx="485280" cy="485280"/>
-          </a:xfrm>
-          <a:prstGeom prst="rect">
-            <a:avLst/>
-          </a:prstGeom>
-          <a:solidFill>
-            <a:schemeClr val="accent1">
-              <a:alpha val="30000"/>
-            </a:schemeClr>
-          </a:solidFill>
+        </p:nvPicPr>
+        <p:blipFill>
+          <a:blip r:embed="rId2"/>
+          <a:stretch/>
+        </p:blipFill>
+        <p:spPr>
+          <a:xfrm>
+            <a:off x="2262240" y="1359360"/>
+            <a:ext cx="7667280" cy="4767120"/>
+          </a:xfrm>
+          <a:prstGeom prst="rect">
+            <a:avLst/>
+          </a:prstGeom>
           <a:ln>
             <a:noFill/>
           </a:ln>
         </p:spPr>
-        <p:style>
-          <a:lnRef idx="2">
-            <a:schemeClr val="accent1">
-              <a:shade val="50000"/>
-            </a:schemeClr>
-          </a:lnRef>
-          <a:fillRef idx="1">
-            <a:schemeClr val="accent1"/>
-          </a:fillRef>
-          <a:effectRef idx="0">
-            <a:schemeClr val="accent1"/>
-          </a:effectRef>
-          <a:fontRef idx="minor"/>
-        </p:style>
-      </p:sp>
+      </p:pic>
     </p:spTree>
   </p:cSld>
-  <mc:AlternateContent>
-    <mc:Choice Requires="p14">
-      <p:transition spd="slow" p14:dur="2000"/>
-    </mc:Choice>
-    <mc:Fallback>
-      <p:transition spd="slow"/>
-    </mc:Fallback>
-  </mc:AlternateContent>
+  <p:clrMapOvr>
+    <a:masterClrMapping/>
+  </p:clrMapOvr>
 </p:sld>
 </file>
 
-<file path=ppt/slides/slide6.xml><?xml version="1.0" encoding="utf-8"?>
-<p:sld xmlns:a="http://schemas.openxmlformats.org/drawingml/2006/main" xmlns:p="http://schemas.openxmlformats.org/presentationml/2006/main" xmlns:r="http://schemas.openxmlformats.org/officeDocument/2006/relationships" xmlns:p14="http://schemas.microsoft.com/office/powerpoint/2010/main" xmlns:p15="http://schemas.microsoft.com/office/powerpoint/2012/main" xmlns:mc="http://schemas.openxmlformats.org/markup-compatibility/2006">
+<file path=ppt/slides/slide8.xml><?xml version="1.0" encoding="utf-8"?>
+<p:sld xmlns:a="http://schemas.openxmlformats.org/drawingml/2006/main" xmlns:r="http://schemas.openxmlformats.org/officeDocument/2006/relationships" xmlns:p="http://schemas.openxmlformats.org/presentationml/2006/main">
   <p:cSld>
     <p:bg>
       <p:bgPr>
         <a:solidFill>
-          <a:srgbClr val="ffffff"/>
+          <a:srgbClr val="FFFFFF"/>
         </a:solidFill>
+        <a:effectLst/>
       </p:bgPr>
     </p:bg>
     <p:spTree>
@@ -8341,13 +9208,13 @@
       </p:grpSpPr>
       <p:sp>
         <p:nvSpPr>
-          <p:cNvPr id="127" name="TextShape 1"/>
+          <p:cNvPr id="139" name="TextShape 1"/>
           <p:cNvSpPr txBox="1"/>
           <p:nvPr/>
         </p:nvSpPr>
         <p:spPr>
           <a:xfrm>
-            <a:off x="643320" y="321840"/>
+            <a:off x="643680" y="321840"/>
             <a:ext cx="10904760" cy="1135440"/>
           </a:xfrm>
           <a:prstGeom prst="rect">
@@ -8362,6 +9229,7 @@
           <a:bodyPr anchor="ctr">
             <a:normAutofit/>
           </a:bodyPr>
+          <a:lstStyle/>
           <a:p>
             <a:pPr>
               <a:lnSpc>
@@ -8369,26 +9237,26 @@
               </a:lnSpc>
             </a:pPr>
             <a:r>
-              <a:rPr b="0" lang="en-GB" sz="3600" spc="-1" strike="noStrike">
+              <a:rPr lang="en-GB" sz="3600" b="0" strike="noStrike" spc="-1">
                 <a:solidFill>
                   <a:srgbClr val="000000"/>
                 </a:solidFill>
                 <a:latin typeface="Calibri Light"/>
               </a:rPr>
-              <a:t>Verarbeitung Backend</a:t>
+              <a:t>Verarbeitung Frontend</a:t>
             </a:r>
-            <a:endParaRPr b="0" lang="en-CH" sz="3600" spc="-1" strike="noStrike">
-              <a:solidFill>
-                <a:srgbClr val="000000"/>
-              </a:solidFill>
-              <a:latin typeface="Calibri"/>
-            </a:endParaRPr>
-          </a:p>
-        </p:txBody>
-      </p:sp>
-      <p:sp>
-        <p:nvSpPr>
-          <p:cNvPr id="128" name="CustomShape 2"/>
+            <a:endParaRPr lang="en-CH" sz="3600" b="0" strike="noStrike" spc="-1">
+              <a:solidFill>
+                <a:srgbClr val="000000"/>
+              </a:solidFill>
+              <a:latin typeface="Calibri"/>
+            </a:endParaRPr>
+          </a:p>
+        </p:txBody>
+      </p:sp>
+      <p:sp>
+        <p:nvSpPr>
+          <p:cNvPr id="140" name="CustomShape 2"/>
           <p:cNvSpPr/>
           <p:nvPr/>
         </p:nvSpPr>
@@ -8426,7 +9294,7 @@
       </p:sp>
       <p:sp>
         <p:nvSpPr>
-          <p:cNvPr id="129" name="CustomShape 3"/>
+          <p:cNvPr id="141" name="CustomShape 3"/>
           <p:cNvSpPr/>
           <p:nvPr/>
         </p:nvSpPr>
@@ -8466,7 +9334,7 @@
       </p:sp>
       <p:sp>
         <p:nvSpPr>
-          <p:cNvPr id="130" name="CustomShape 4"/>
+          <p:cNvPr id="142" name="CustomShape 4"/>
           <p:cNvSpPr/>
           <p:nvPr/>
         </p:nvSpPr>
@@ -8506,7 +9374,7 @@
       </p:sp>
       <p:sp>
         <p:nvSpPr>
-          <p:cNvPr id="131" name="CustomShape 5"/>
+          <p:cNvPr id="143" name="CustomShape 5"/>
           <p:cNvSpPr/>
           <p:nvPr/>
         </p:nvSpPr>
@@ -8544,50 +9412,50 @@
       </p:sp>
       <p:pic>
         <p:nvPicPr>
-          <p:cNvPr id="132" name="" descr=""/>
-          <p:cNvPicPr/>
+          <p:cNvPr id="3" name="Grafik 2">
+            <a:extLst>
+              <a:ext uri="{FF2B5EF4-FFF2-40B4-BE49-F238E27FC236}">
+                <a16:creationId xmlns:a16="http://schemas.microsoft.com/office/drawing/2014/main" id="{5A78B962-7729-A942-DC1B-82ADFE1A8A44}"/>
+              </a:ext>
+            </a:extLst>
+          </p:cNvPr>
+          <p:cNvPicPr>
+            <a:picLocks noChangeAspect="1"/>
+          </p:cNvPicPr>
           <p:nvPr/>
         </p:nvPicPr>
-        <p:blipFill>
-          <a:blip r:embed="rId1"/>
+        <p:blipFill rotWithShape="1">
+          <a:blip r:embed="rId2">
+            <a:extLst>
+              <a:ext uri="{28A0092B-C50C-407E-A947-70E740481C1C}">
+                <a14:useLocalDpi xmlns:a14="http://schemas.microsoft.com/office/drawing/2010/main" val="0"/>
+              </a:ext>
+            </a:extLst>
+          </a:blip>
+          <a:srcRect r="28" b="2110"/>
           <a:stretch/>
         </p:blipFill>
         <p:spPr>
           <a:xfrm>
-            <a:off x="2285640" y="1347840"/>
-            <a:ext cx="7620840" cy="4738320"/>
-          </a:xfrm>
-          <a:prstGeom prst="rect">
-            <a:avLst/>
-          </a:prstGeom>
-          <a:ln>
-            <a:noFill/>
-          </a:ln>
+            <a:off x="2166938" y="1447800"/>
+            <a:ext cx="7855952" cy="3878802"/>
+          </a:xfrm>
+          <a:prstGeom prst="rect">
+            <a:avLst/>
+          </a:prstGeom>
         </p:spPr>
       </p:pic>
     </p:spTree>
   </p:cSld>
-  <mc:AlternateContent>
-    <mc:Choice Requires="p14">
-      <p:transition spd="slow" p14:dur="2000"/>
-    </mc:Choice>
-    <mc:Fallback>
-      <p:transition spd="slow"/>
-    </mc:Fallback>
-  </mc:AlternateContent>
+  <p:clrMapOvr>
+    <a:masterClrMapping/>
+  </p:clrMapOvr>
 </p:sld>
 </file>
 
-<file path=ppt/slides/slide7.xml><?xml version="1.0" encoding="utf-8"?>
-<p:sld xmlns:a="http://schemas.openxmlformats.org/drawingml/2006/main" xmlns:p="http://schemas.openxmlformats.org/presentationml/2006/main" xmlns:r="http://schemas.openxmlformats.org/officeDocument/2006/relationships" xmlns:p14="http://schemas.microsoft.com/office/powerpoint/2010/main" xmlns:p15="http://schemas.microsoft.com/office/powerpoint/2012/main" xmlns:mc="http://schemas.openxmlformats.org/markup-compatibility/2006">
+<file path=ppt/slides/slide9.xml><?xml version="1.0" encoding="utf-8"?>
+<p:sld xmlns:a="http://schemas.openxmlformats.org/drawingml/2006/main" xmlns:r="http://schemas.openxmlformats.org/officeDocument/2006/relationships" xmlns:p="http://schemas.openxmlformats.org/presentationml/2006/main">
   <p:cSld>
-    <p:bg>
-      <p:bgPr>
-        <a:solidFill>
-          <a:srgbClr val="ffffff"/>
-        </a:solidFill>
-      </p:bgPr>
-    </p:bg>
     <p:spTree>
       <p:nvGrpSpPr>
         <p:cNvPr id="1" name=""/>
@@ -8604,69 +9472,20 @@
       </p:grpSpPr>
       <p:sp>
         <p:nvSpPr>
-          <p:cNvPr id="133" name="TextShape 1"/>
-          <p:cNvSpPr txBox="1"/>
-          <p:nvPr/>
-        </p:nvSpPr>
-        <p:spPr>
-          <a:xfrm>
-            <a:off x="643680" y="321840"/>
-            <a:ext cx="10904760" cy="1135440"/>
-          </a:xfrm>
-          <a:prstGeom prst="rect">
-            <a:avLst/>
-          </a:prstGeom>
-          <a:noFill/>
-          <a:ln>
-            <a:noFill/>
-          </a:ln>
-        </p:spPr>
-        <p:txBody>
-          <a:bodyPr anchor="ctr">
-            <a:normAutofit/>
-          </a:bodyPr>
-          <a:p>
-            <a:pPr>
-              <a:lnSpc>
-                <a:spcPct val="90000"/>
-              </a:lnSpc>
-            </a:pPr>
-            <a:r>
-              <a:rPr b="0" lang="en-GB" sz="3600" spc="-1" strike="noStrike">
-                <a:solidFill>
-                  <a:srgbClr val="000000"/>
-                </a:solidFill>
-                <a:latin typeface="Calibri Light"/>
-              </a:rPr>
-              <a:t>Verarbeitung Backend</a:t>
-            </a:r>
-            <a:endParaRPr b="0" lang="en-CH" sz="3600" spc="-1" strike="noStrike">
-              <a:solidFill>
-                <a:srgbClr val="000000"/>
-              </a:solidFill>
-              <a:latin typeface="Calibri"/>
-            </a:endParaRPr>
-          </a:p>
-        </p:txBody>
-      </p:sp>
-      <p:sp>
-        <p:nvSpPr>
-          <p:cNvPr id="134" name="CustomShape 2"/>
+          <p:cNvPr id="144" name="CustomShape 1"/>
           <p:cNvSpPr/>
           <p:nvPr/>
         </p:nvSpPr>
         <p:spPr>
-          <a:xfrm rot="2700000">
-            <a:off x="11052720" y="2120040"/>
-            <a:ext cx="645120" cy="645120"/>
+          <a:xfrm>
+            <a:off x="0" y="0"/>
+            <a:ext cx="12191760" cy="6857640"/>
           </a:xfrm>
           <a:prstGeom prst="rect">
             <a:avLst/>
           </a:prstGeom>
           <a:solidFill>
-            <a:schemeClr val="accent4">
-              <a:alpha val="30000"/>
-            </a:schemeClr>
+            <a:schemeClr val="bg1"/>
           </a:solidFill>
           <a:ln>
             <a:noFill/>
@@ -8689,191 +9508,13 @@
       </p:sp>
       <p:sp>
         <p:nvSpPr>
-          <p:cNvPr id="135" name="CustomShape 3"/>
-          <p:cNvSpPr/>
-          <p:nvPr/>
-        </p:nvSpPr>
-        <p:spPr>
-          <a:xfrm rot="16200000">
-            <a:off x="10288800" y="1343520"/>
-            <a:ext cx="2532600" cy="1272600"/>
-          </a:xfrm>
-          <a:prstGeom prst="triangle">
-            <a:avLst>
-              <a:gd name="adj" fmla="val 50000"/>
-            </a:avLst>
-          </a:prstGeom>
-          <a:solidFill>
-            <a:schemeClr val="accent4">
-              <a:alpha val="30000"/>
-            </a:schemeClr>
-          </a:solidFill>
-          <a:ln>
-            <a:noFill/>
-          </a:ln>
-        </p:spPr>
-        <p:style>
-          <a:lnRef idx="2">
-            <a:schemeClr val="accent1">
-              <a:shade val="50000"/>
-            </a:schemeClr>
-          </a:lnRef>
-          <a:fillRef idx="1">
-            <a:schemeClr val="accent1"/>
-          </a:fillRef>
-          <a:effectRef idx="0">
-            <a:schemeClr val="accent1"/>
-          </a:effectRef>
-          <a:fontRef idx="minor"/>
-        </p:style>
-      </p:sp>
-      <p:sp>
-        <p:nvSpPr>
-          <p:cNvPr id="136" name="CustomShape 4"/>
-          <p:cNvSpPr/>
-          <p:nvPr/>
-        </p:nvSpPr>
-        <p:spPr>
-          <a:xfrm rot="5400000">
-            <a:off x="-501120" y="5103000"/>
-            <a:ext cx="2017080" cy="1013760"/>
-          </a:xfrm>
-          <a:prstGeom prst="triangle">
-            <a:avLst>
-              <a:gd name="adj" fmla="val 50000"/>
-            </a:avLst>
-          </a:prstGeom>
-          <a:solidFill>
-            <a:schemeClr val="accent1">
-              <a:alpha val="30000"/>
-            </a:schemeClr>
-          </a:solidFill>
-          <a:ln>
-            <a:noFill/>
-          </a:ln>
-        </p:spPr>
-        <p:style>
-          <a:lnRef idx="2">
-            <a:schemeClr val="accent1">
-              <a:shade val="50000"/>
-            </a:schemeClr>
-          </a:lnRef>
-          <a:fillRef idx="1">
-            <a:schemeClr val="accent1"/>
-          </a:fillRef>
-          <a:effectRef idx="0">
-            <a:schemeClr val="accent1"/>
-          </a:effectRef>
-          <a:fontRef idx="minor"/>
-        </p:style>
-      </p:sp>
-      <p:sp>
-        <p:nvSpPr>
-          <p:cNvPr id="137" name="CustomShape 5"/>
-          <p:cNvSpPr/>
-          <p:nvPr/>
-        </p:nvSpPr>
-        <p:spPr>
-          <a:xfrm rot="2700000">
-            <a:off x="427680" y="5728680"/>
-            <a:ext cx="485280" cy="485280"/>
-          </a:xfrm>
-          <a:prstGeom prst="rect">
-            <a:avLst/>
-          </a:prstGeom>
-          <a:solidFill>
-            <a:schemeClr val="accent1">
-              <a:alpha val="30000"/>
-            </a:schemeClr>
-          </a:solidFill>
-          <a:ln>
-            <a:noFill/>
-          </a:ln>
-        </p:spPr>
-        <p:style>
-          <a:lnRef idx="2">
-            <a:schemeClr val="accent1">
-              <a:shade val="50000"/>
-            </a:schemeClr>
-          </a:lnRef>
-          <a:fillRef idx="1">
-            <a:schemeClr val="accent1"/>
-          </a:fillRef>
-          <a:effectRef idx="0">
-            <a:schemeClr val="accent1"/>
-          </a:effectRef>
-          <a:fontRef idx="minor"/>
-        </p:style>
-      </p:sp>
-      <p:pic>
-        <p:nvPicPr>
-          <p:cNvPr id="138" name="" descr=""/>
-          <p:cNvPicPr/>
-          <p:nvPr/>
-        </p:nvPicPr>
-        <p:blipFill>
-          <a:blip r:embed="rId1"/>
-          <a:stretch/>
-        </p:blipFill>
-        <p:spPr>
-          <a:xfrm>
-            <a:off x="2262240" y="1359360"/>
-            <a:ext cx="7667280" cy="4767120"/>
-          </a:xfrm>
-          <a:prstGeom prst="rect">
-            <a:avLst/>
-          </a:prstGeom>
-          <a:ln>
-            <a:noFill/>
-          </a:ln>
-        </p:spPr>
-      </p:pic>
-    </p:spTree>
-  </p:cSld>
-  <mc:AlternateContent>
-    <mc:Choice Requires="p14">
-      <p:transition spd="slow" p14:dur="2000"/>
-    </mc:Choice>
-    <mc:Fallback>
-      <p:transition spd="slow"/>
-    </mc:Fallback>
-  </mc:AlternateContent>
-</p:sld>
-</file>
-
-<file path=ppt/slides/slide8.xml><?xml version="1.0" encoding="utf-8"?>
-<p:sld xmlns:a="http://schemas.openxmlformats.org/drawingml/2006/main" xmlns:p="http://schemas.openxmlformats.org/presentationml/2006/main" xmlns:r="http://schemas.openxmlformats.org/officeDocument/2006/relationships" xmlns:p14="http://schemas.microsoft.com/office/powerpoint/2010/main" xmlns:p15="http://schemas.microsoft.com/office/powerpoint/2012/main" xmlns:mc="http://schemas.openxmlformats.org/markup-compatibility/2006">
-  <p:cSld>
-    <p:bg>
-      <p:bgPr>
-        <a:solidFill>
-          <a:srgbClr val="ffffff"/>
-        </a:solidFill>
-      </p:bgPr>
-    </p:bg>
-    <p:spTree>
-      <p:nvGrpSpPr>
-        <p:cNvPr id="1" name=""/>
-        <p:cNvGrpSpPr/>
-        <p:nvPr/>
-      </p:nvGrpSpPr>
-      <p:grpSpPr>
-        <a:xfrm>
-          <a:off x="0" y="0"/>
-          <a:ext cx="0" cy="0"/>
-          <a:chOff x="0" y="0"/>
-          <a:chExt cx="0" cy="0"/>
-        </a:xfrm>
-      </p:grpSpPr>
-      <p:sp>
-        <p:nvSpPr>
-          <p:cNvPr id="139" name="TextShape 1"/>
+          <p:cNvPr id="145" name="TextShape 2"/>
           <p:cNvSpPr txBox="1"/>
           <p:nvPr/>
         </p:nvSpPr>
         <p:spPr>
           <a:xfrm>
-            <a:off x="643680" y="321840"/>
+            <a:off x="643320" y="321840"/>
             <a:ext cx="10904760" cy="1135440"/>
           </a:xfrm>
           <a:prstGeom prst="rect">
@@ -8888,6 +9529,7 @@
           <a:bodyPr anchor="ctr">
             <a:normAutofit/>
           </a:bodyPr>
+          <a:lstStyle/>
           <a:p>
             <a:pPr>
               <a:lnSpc>
@@ -8895,283 +9537,7 @@
               </a:lnSpc>
             </a:pPr>
             <a:r>
-              <a:rPr b="0" lang="en-GB" sz="3600" spc="-1" strike="noStrike">
-                <a:solidFill>
-                  <a:srgbClr val="000000"/>
-                </a:solidFill>
-                <a:latin typeface="Calibri Light"/>
-              </a:rPr>
-              <a:t>Verarbeitung Frontend</a:t>
-            </a:r>
-            <a:endParaRPr b="0" lang="en-CH" sz="3600" spc="-1" strike="noStrike">
-              <a:solidFill>
-                <a:srgbClr val="000000"/>
-              </a:solidFill>
-              <a:latin typeface="Calibri"/>
-            </a:endParaRPr>
-          </a:p>
-        </p:txBody>
-      </p:sp>
-      <p:sp>
-        <p:nvSpPr>
-          <p:cNvPr id="140" name="CustomShape 2"/>
-          <p:cNvSpPr/>
-          <p:nvPr/>
-        </p:nvSpPr>
-        <p:spPr>
-          <a:xfrm rot="2700000">
-            <a:off x="11052720" y="2120040"/>
-            <a:ext cx="645120" cy="645120"/>
-          </a:xfrm>
-          <a:prstGeom prst="rect">
-            <a:avLst/>
-          </a:prstGeom>
-          <a:solidFill>
-            <a:schemeClr val="accent4">
-              <a:alpha val="30000"/>
-            </a:schemeClr>
-          </a:solidFill>
-          <a:ln>
-            <a:noFill/>
-          </a:ln>
-        </p:spPr>
-        <p:style>
-          <a:lnRef idx="2">
-            <a:schemeClr val="accent1">
-              <a:shade val="50000"/>
-            </a:schemeClr>
-          </a:lnRef>
-          <a:fillRef idx="1">
-            <a:schemeClr val="accent1"/>
-          </a:fillRef>
-          <a:effectRef idx="0">
-            <a:schemeClr val="accent1"/>
-          </a:effectRef>
-          <a:fontRef idx="minor"/>
-        </p:style>
-      </p:sp>
-      <p:sp>
-        <p:nvSpPr>
-          <p:cNvPr id="141" name="CustomShape 3"/>
-          <p:cNvSpPr/>
-          <p:nvPr/>
-        </p:nvSpPr>
-        <p:spPr>
-          <a:xfrm rot="16200000">
-            <a:off x="10288800" y="1343520"/>
-            <a:ext cx="2532600" cy="1272600"/>
-          </a:xfrm>
-          <a:prstGeom prst="triangle">
-            <a:avLst>
-              <a:gd name="adj" fmla="val 50000"/>
-            </a:avLst>
-          </a:prstGeom>
-          <a:solidFill>
-            <a:schemeClr val="accent4">
-              <a:alpha val="30000"/>
-            </a:schemeClr>
-          </a:solidFill>
-          <a:ln>
-            <a:noFill/>
-          </a:ln>
-        </p:spPr>
-        <p:style>
-          <a:lnRef idx="2">
-            <a:schemeClr val="accent1">
-              <a:shade val="50000"/>
-            </a:schemeClr>
-          </a:lnRef>
-          <a:fillRef idx="1">
-            <a:schemeClr val="accent1"/>
-          </a:fillRef>
-          <a:effectRef idx="0">
-            <a:schemeClr val="accent1"/>
-          </a:effectRef>
-          <a:fontRef idx="minor"/>
-        </p:style>
-      </p:sp>
-      <p:sp>
-        <p:nvSpPr>
-          <p:cNvPr id="142" name="CustomShape 4"/>
-          <p:cNvSpPr/>
-          <p:nvPr/>
-        </p:nvSpPr>
-        <p:spPr>
-          <a:xfrm rot="5400000">
-            <a:off x="-501120" y="5103000"/>
-            <a:ext cx="2017080" cy="1013760"/>
-          </a:xfrm>
-          <a:prstGeom prst="triangle">
-            <a:avLst>
-              <a:gd name="adj" fmla="val 50000"/>
-            </a:avLst>
-          </a:prstGeom>
-          <a:solidFill>
-            <a:schemeClr val="accent1">
-              <a:alpha val="30000"/>
-            </a:schemeClr>
-          </a:solidFill>
-          <a:ln>
-            <a:noFill/>
-          </a:ln>
-        </p:spPr>
-        <p:style>
-          <a:lnRef idx="2">
-            <a:schemeClr val="accent1">
-              <a:shade val="50000"/>
-            </a:schemeClr>
-          </a:lnRef>
-          <a:fillRef idx="1">
-            <a:schemeClr val="accent1"/>
-          </a:fillRef>
-          <a:effectRef idx="0">
-            <a:schemeClr val="accent1"/>
-          </a:effectRef>
-          <a:fontRef idx="minor"/>
-        </p:style>
-      </p:sp>
-      <p:sp>
-        <p:nvSpPr>
-          <p:cNvPr id="143" name="CustomShape 5"/>
-          <p:cNvSpPr/>
-          <p:nvPr/>
-        </p:nvSpPr>
-        <p:spPr>
-          <a:xfrm rot="2700000">
-            <a:off x="427680" y="5728680"/>
-            <a:ext cx="485280" cy="485280"/>
-          </a:xfrm>
-          <a:prstGeom prst="rect">
-            <a:avLst/>
-          </a:prstGeom>
-          <a:solidFill>
-            <a:schemeClr val="accent1">
-              <a:alpha val="30000"/>
-            </a:schemeClr>
-          </a:solidFill>
-          <a:ln>
-            <a:noFill/>
-          </a:ln>
-        </p:spPr>
-        <p:style>
-          <a:lnRef idx="2">
-            <a:schemeClr val="accent1">
-              <a:shade val="50000"/>
-            </a:schemeClr>
-          </a:lnRef>
-          <a:fillRef idx="1">
-            <a:schemeClr val="accent1"/>
-          </a:fillRef>
-          <a:effectRef idx="0">
-            <a:schemeClr val="accent1"/>
-          </a:effectRef>
-          <a:fontRef idx="minor"/>
-        </p:style>
-      </p:sp>
-    </p:spTree>
-  </p:cSld>
-  <mc:AlternateContent>
-    <mc:Choice Requires="p14">
-      <p:transition spd="slow" p14:dur="2000"/>
-    </mc:Choice>
-    <mc:Fallback>
-      <p:transition spd="slow"/>
-    </mc:Fallback>
-  </mc:AlternateContent>
-</p:sld>
-</file>
-
-<file path=ppt/slides/slide9.xml><?xml version="1.0" encoding="utf-8"?>
-<p:sld xmlns:a="http://schemas.openxmlformats.org/drawingml/2006/main" xmlns:p="http://schemas.openxmlformats.org/presentationml/2006/main" xmlns:r="http://schemas.openxmlformats.org/officeDocument/2006/relationships" xmlns:p14="http://schemas.microsoft.com/office/powerpoint/2010/main" xmlns:p15="http://schemas.microsoft.com/office/powerpoint/2012/main" xmlns:mc="http://schemas.openxmlformats.org/markup-compatibility/2006">
-  <p:cSld>
-    <p:bg>
-      <p:bgPr>
-        <a:solidFill>
-          <a:srgbClr val="ffffff"/>
-        </a:solidFill>
-      </p:bgPr>
-    </p:bg>
-    <p:spTree>
-      <p:nvGrpSpPr>
-        <p:cNvPr id="1" name=""/>
-        <p:cNvGrpSpPr/>
-        <p:nvPr/>
-      </p:nvGrpSpPr>
-      <p:grpSpPr>
-        <a:xfrm>
-          <a:off x="0" y="0"/>
-          <a:ext cx="0" cy="0"/>
-          <a:chOff x="0" y="0"/>
-          <a:chExt cx="0" cy="0"/>
-        </a:xfrm>
-      </p:grpSpPr>
-      <p:sp>
-        <p:nvSpPr>
-          <p:cNvPr id="144" name="CustomShape 1"/>
-          <p:cNvSpPr/>
-          <p:nvPr/>
-        </p:nvSpPr>
-        <p:spPr>
-          <a:xfrm>
-            <a:off x="0" y="0"/>
-            <a:ext cx="12191760" cy="6857640"/>
-          </a:xfrm>
-          <a:prstGeom prst="rect">
-            <a:avLst/>
-          </a:prstGeom>
-          <a:solidFill>
-            <a:schemeClr val="bg1"/>
-          </a:solidFill>
-          <a:ln>
-            <a:noFill/>
-          </a:ln>
-        </p:spPr>
-        <p:style>
-          <a:lnRef idx="2">
-            <a:schemeClr val="accent1">
-              <a:shade val="50000"/>
-            </a:schemeClr>
-          </a:lnRef>
-          <a:fillRef idx="1">
-            <a:schemeClr val="accent1"/>
-          </a:fillRef>
-          <a:effectRef idx="0">
-            <a:schemeClr val="accent1"/>
-          </a:effectRef>
-          <a:fontRef idx="minor"/>
-        </p:style>
-      </p:sp>
-      <p:sp>
-        <p:nvSpPr>
-          <p:cNvPr id="145" name="TextShape 2"/>
-          <p:cNvSpPr txBox="1"/>
-          <p:nvPr/>
-        </p:nvSpPr>
-        <p:spPr>
-          <a:xfrm>
-            <a:off x="643320" y="321840"/>
-            <a:ext cx="10904760" cy="1135440"/>
-          </a:xfrm>
-          <a:prstGeom prst="rect">
-            <a:avLst/>
-          </a:prstGeom>
-          <a:noFill/>
-          <a:ln>
-            <a:noFill/>
-          </a:ln>
-        </p:spPr>
-        <p:txBody>
-          <a:bodyPr anchor="ctr">
-            <a:normAutofit/>
-          </a:bodyPr>
-          <a:p>
-            <a:pPr>
-              <a:lnSpc>
-                <a:spcPct val="90000"/>
-              </a:lnSpc>
-            </a:pPr>
-            <a:r>
-              <a:rPr b="0" lang="en-GB" sz="3600" spc="-1" strike="noStrike">
+              <a:rPr lang="en-GB" sz="3600" b="0" strike="noStrike" spc="-1">
                 <a:solidFill>
                   <a:srgbClr val="000000"/>
                 </a:solidFill>
@@ -9179,7 +9545,7 @@
               </a:rPr>
               <a:t>Demo</a:t>
             </a:r>
-            <a:endParaRPr b="0" lang="en-CH" sz="3600" spc="-1" strike="noStrike">
+            <a:endParaRPr lang="en-CH" sz="3600" b="0" strike="noStrike" spc="-1">
               <a:solidFill>
                 <a:srgbClr val="000000"/>
               </a:solidFill>
@@ -9211,8 +9577,9 @@
           <a:bodyPr>
             <a:normAutofit/>
           </a:bodyPr>
-          <a:p>
-            <a:endParaRPr b="0" lang="en-CH" sz="2800" spc="-1" strike="noStrike">
+          <a:lstStyle/>
+          <a:p>
+            <a:endParaRPr lang="en-CH" sz="2800" b="0" strike="noStrike" spc="-1">
               <a:solidFill>
                 <a:srgbClr val="000000"/>
               </a:solidFill>
@@ -9408,15 +9775,15 @@
         </p:sp>
       </p:grpSp>
     </p:spTree>
+    <p:extLst>
+      <p:ext uri="{BB962C8B-B14F-4D97-AF65-F5344CB8AC3E}">
+        <p14:creationId xmlns:p14="http://schemas.microsoft.com/office/powerpoint/2010/main" val="746314324"/>
+      </p:ext>
+    </p:extLst>
   </p:cSld>
-  <mc:AlternateContent>
-    <mc:Choice Requires="p14">
-      <p:transition spd="slow" p14:dur="2000"/>
-    </mc:Choice>
-    <mc:Fallback>
-      <p:transition spd="slow"/>
-    </mc:Fallback>
-  </mc:AlternateContent>
+  <p:clrMapOvr>
+    <a:masterClrMapping/>
+  </p:clrMapOvr>
 </p:sld>
 </file>
 
@@ -9431,34 +9798,34 @@
         <a:sysClr val="window" lastClr="FFFFFF"/>
       </a:lt1>
       <a:dk2>
-        <a:srgbClr val="44546a"/>
+        <a:srgbClr val="44546A"/>
       </a:dk2>
       <a:lt2>
-        <a:srgbClr val="e7e6e6"/>
+        <a:srgbClr val="E7E6E6"/>
       </a:lt2>
       <a:accent1>
-        <a:srgbClr val="4472c4"/>
+        <a:srgbClr val="4472C4"/>
       </a:accent1>
       <a:accent2>
-        <a:srgbClr val="ed7d31"/>
+        <a:srgbClr val="ED7D31"/>
       </a:accent2>
       <a:accent3>
-        <a:srgbClr val="a5a5a5"/>
+        <a:srgbClr val="A5A5A5"/>
       </a:accent3>
       <a:accent4>
-        <a:srgbClr val="ffc000"/>
+        <a:srgbClr val="FFC000"/>
       </a:accent4>
       <a:accent5>
-        <a:srgbClr val="5b9bd5"/>
+        <a:srgbClr val="5B9BD5"/>
       </a:accent5>
       <a:accent6>
-        <a:srgbClr val="70ad47"/>
+        <a:srgbClr val="70AD47"/>
       </a:accent6>
       <a:hlink>
-        <a:srgbClr val="0563c1"/>
+        <a:srgbClr val="0563C1"/>
       </a:hlink>
       <a:folHlink>
-        <a:srgbClr val="954f72"/>
+        <a:srgbClr val="954F72"/>
       </a:folHlink>
     </a:clrScheme>
     <a:fontScheme name="Office">
@@ -9643,6 +10010,8 @@
       </a:bgFillStyleLst>
     </a:fmtScheme>
   </a:themeElements>
+  <a:objectDefaults/>
+  <a:extraClrSchemeLst/>
 </a:theme>
 </file>
 
@@ -9657,34 +10026,34 @@
         <a:sysClr val="window" lastClr="FFFFFF"/>
       </a:lt1>
       <a:dk2>
-        <a:srgbClr val="44546a"/>
+        <a:srgbClr val="44546A"/>
       </a:dk2>
       <a:lt2>
-        <a:srgbClr val="e7e6e6"/>
+        <a:srgbClr val="E7E6E6"/>
       </a:lt2>
       <a:accent1>
-        <a:srgbClr val="4472c4"/>
+        <a:srgbClr val="4472C4"/>
       </a:accent1>
       <a:accent2>
-        <a:srgbClr val="ed7d31"/>
+        <a:srgbClr val="ED7D31"/>
       </a:accent2>
       <a:accent3>
-        <a:srgbClr val="a5a5a5"/>
+        <a:srgbClr val="A5A5A5"/>
       </a:accent3>
       <a:accent4>
-        <a:srgbClr val="ffc000"/>
+        <a:srgbClr val="FFC000"/>
       </a:accent4>
       <a:accent5>
-        <a:srgbClr val="5b9bd5"/>
+        <a:srgbClr val="5B9BD5"/>
       </a:accent5>
       <a:accent6>
-        <a:srgbClr val="70ad47"/>
+        <a:srgbClr val="70AD47"/>
       </a:accent6>
       <a:hlink>
-        <a:srgbClr val="0563c1"/>
+        <a:srgbClr val="0563C1"/>
       </a:hlink>
       <a:folHlink>
-        <a:srgbClr val="954f72"/>
+        <a:srgbClr val="954F72"/>
       </a:folHlink>
     </a:clrScheme>
     <a:fontScheme name="Office">
@@ -9869,13 +10238,7 @@
       </a:bgFillStyleLst>
     </a:fmtScheme>
   </a:themeElements>
+  <a:objectDefaults/>
+  <a:extraClrSchemeLst/>
 </a:theme>
-</file>
-
-<file path=ppt/webextensions/taskpanes.xml><?xml version="1.0" encoding="utf-8"?>
-<wetp:taskpanes xmlns:wetp="http://schemas.microsoft.com/office/webextensions/taskpanes/2010/11">
-  <wetp:taskpane dockstate="right" visibility="0" width="350" row="1">
-    <wetp:webextensionref xmlns:r="http://schemas.openxmlformats.org/officeDocument/2006/relationships" r:id="rId1"/>
-  </wetp:taskpane>
-</wetp:taskpanes>
 </file>